--- a/Document/培训PPT.pptx
+++ b/Document/培训PPT.pptx
@@ -1,22 +1,26 @@
 
 <file path=ppt/presentation.xml><?xml version="1.0" encoding="utf-8"?>
-<p:presentation xmlns:a="http://schemas.openxmlformats.org/drawingml/2006/main" xmlns:r="http://schemas.openxmlformats.org/officeDocument/2006/relationships" xmlns:p="http://schemas.openxmlformats.org/presentationml/2006/main" saveSubsetFonts="1">
+<p:presentation xmlns:a="http://schemas.openxmlformats.org/drawingml/2006/main" xmlns:r="http://schemas.openxmlformats.org/officeDocument/2006/relationships" xmlns:p="http://schemas.openxmlformats.org/presentationml/2006/main">
   <p:sldMasterIdLst>
     <p:sldMasterId id="2147483648" r:id="rId1"/>
   </p:sldMasterIdLst>
   <p:notesMasterIdLst>
-    <p:notesMasterId r:id="rId11"/>
+    <p:notesMasterId r:id="rId13"/>
   </p:notesMasterIdLst>
   <p:sldIdLst>
-    <p:sldId id="256" r:id="rId2"/>
-    <p:sldId id="264" r:id="rId3"/>
-    <p:sldId id="257" r:id="rId4"/>
-    <p:sldId id="258" r:id="rId5"/>
-    <p:sldId id="259" r:id="rId6"/>
-    <p:sldId id="260" r:id="rId7"/>
-    <p:sldId id="261" r:id="rId8"/>
-    <p:sldId id="262" r:id="rId9"/>
-    <p:sldId id="263" r:id="rId10"/>
+    <p:sldId id="256" r:id="rId3"/>
+    <p:sldId id="272" r:id="rId4"/>
+    <p:sldId id="274" r:id="rId5"/>
+    <p:sldId id="273" r:id="rId6"/>
+    <p:sldId id="264" r:id="rId7"/>
+    <p:sldId id="275" r:id="rId8"/>
+    <p:sldId id="257" r:id="rId9"/>
+    <p:sldId id="258" r:id="rId10"/>
+    <p:sldId id="259" r:id="rId11"/>
+    <p:sldId id="260" r:id="rId12"/>
+    <p:sldId id="261" r:id="rId14"/>
+    <p:sldId id="262" r:id="rId15"/>
+    <p:sldId id="263" r:id="rId16"/>
   </p:sldIdLst>
   <p:sldSz cx="12192000" cy="6858000"/>
   <p:notesSz cx="6858000" cy="9144000"/>
@@ -200,7 +204,6 @@
           <a:p>
             <a:fld id="{6892A035-C05F-482E-83C6-D8D4B0E23238}" type="datetimeFigureOut">
               <a:rPr lang="zh-CN" altLang="en-US" smtClean="0"/>
-              <a:t>2019/6/11</a:t>
             </a:fld>
             <a:endParaRPr lang="zh-CN" altLang="en-US"/>
           </a:p>
@@ -267,6 +270,7 @@
               <a:rPr lang="zh-CN" altLang="en-US"/>
               <a:t>单击此处编辑母版文本样式</a:t>
             </a:r>
+            <a:endParaRPr lang="zh-CN" altLang="en-US"/>
           </a:p>
           <a:p>
             <a:pPr lvl="1"/>
@@ -274,6 +278,7 @@
               <a:rPr lang="zh-CN" altLang="en-US"/>
               <a:t>二级</a:t>
             </a:r>
+            <a:endParaRPr lang="zh-CN" altLang="en-US"/>
           </a:p>
           <a:p>
             <a:pPr lvl="2"/>
@@ -281,6 +286,7 @@
               <a:rPr lang="zh-CN" altLang="en-US"/>
               <a:t>三级</a:t>
             </a:r>
+            <a:endParaRPr lang="zh-CN" altLang="en-US"/>
           </a:p>
           <a:p>
             <a:pPr lvl="3"/>
@@ -288,6 +294,7 @@
               <a:rPr lang="zh-CN" altLang="en-US"/>
               <a:t>四级</a:t>
             </a:r>
+            <a:endParaRPr lang="zh-CN" altLang="en-US"/>
           </a:p>
           <a:p>
             <a:pPr lvl="4"/>
@@ -295,6 +302,7 @@
               <a:rPr lang="zh-CN" altLang="en-US"/>
               <a:t>五级</a:t>
             </a:r>
+            <a:endParaRPr lang="zh-CN" altLang="en-US"/>
           </a:p>
         </p:txBody>
       </p:sp>
@@ -358,18 +366,12 @@
           <a:p>
             <a:fld id="{6EFF56B4-AA9B-4CAD-A1CC-F368E2291C09}" type="slidenum">
               <a:rPr lang="zh-CN" altLang="en-US" smtClean="0"/>
-              <a:t>‹#›</a:t>
             </a:fld>
             <a:endParaRPr lang="zh-CN" altLang="en-US"/>
           </a:p>
         </p:txBody>
       </p:sp>
     </p:spTree>
-    <p:extLst>
-      <p:ext uri="{BB962C8B-B14F-4D97-AF65-F5344CB8AC3E}">
-        <p14:creationId xmlns:p14="http://schemas.microsoft.com/office/powerpoint/2010/main" val="1590700455"/>
-      </p:ext>
-    </p:extLst>
   </p:cSld>
   <p:clrMap bg1="lt1" tx1="dk1" bg2="lt2" tx2="dk2" accent1="accent1" accent2="accent2" accent3="accent3" accent4="accent4" accent5="accent5" accent6="accent6" hlink="hlink" folHlink="folHlink"/>
   <p:notesStyle>
@@ -543,6 +545,7 @@
               <a:rPr lang="zh-CN" altLang="en-US" dirty="0"/>
               <a:t>这样第三方插件。还是有很多功能无法实现的。</a:t>
             </a:r>
+            <a:endParaRPr lang="zh-CN" altLang="en-US" dirty="0"/>
           </a:p>
         </p:txBody>
       </p:sp>
@@ -563,18 +566,12 @@
           <a:p>
             <a:fld id="{6EFF56B4-AA9B-4CAD-A1CC-F368E2291C09}" type="slidenum">
               <a:rPr lang="zh-CN" altLang="en-US" smtClean="0"/>
-              <a:t>6</a:t>
             </a:fld>
             <a:endParaRPr lang="zh-CN" altLang="en-US"/>
           </a:p>
         </p:txBody>
       </p:sp>
     </p:spTree>
-    <p:extLst>
-      <p:ext uri="{BB962C8B-B14F-4D97-AF65-F5344CB8AC3E}">
-        <p14:creationId xmlns:p14="http://schemas.microsoft.com/office/powerpoint/2010/main" val="1639044797"/>
-      </p:ext>
-    </p:extLst>
   </p:cSld>
   <p:clrMapOvr>
     <a:masterClrMapping/>
@@ -647,18 +644,12 @@
           <a:p>
             <a:fld id="{6EFF56B4-AA9B-4CAD-A1CC-F368E2291C09}" type="slidenum">
               <a:rPr lang="zh-CN" altLang="en-US" smtClean="0"/>
-              <a:t>7</a:t>
             </a:fld>
             <a:endParaRPr lang="zh-CN" altLang="en-US"/>
           </a:p>
         </p:txBody>
       </p:sp>
     </p:spTree>
-    <p:extLst>
-      <p:ext uri="{BB962C8B-B14F-4D97-AF65-F5344CB8AC3E}">
-        <p14:creationId xmlns:p14="http://schemas.microsoft.com/office/powerpoint/2010/main" val="2315253640"/>
-      </p:ext>
-    </p:extLst>
   </p:cSld>
   <p:clrMapOvr>
     <a:masterClrMapping/>
@@ -731,18 +722,12 @@
           <a:p>
             <a:fld id="{6EFF56B4-AA9B-4CAD-A1CC-F368E2291C09}" type="slidenum">
               <a:rPr lang="zh-CN" altLang="en-US" smtClean="0"/>
-              <a:t>8</a:t>
             </a:fld>
             <a:endParaRPr lang="zh-CN" altLang="en-US"/>
           </a:p>
         </p:txBody>
       </p:sp>
     </p:spTree>
-    <p:extLst>
-      <p:ext uri="{BB962C8B-B14F-4D97-AF65-F5344CB8AC3E}">
-        <p14:creationId xmlns:p14="http://schemas.microsoft.com/office/powerpoint/2010/main" val="1723116580"/>
-      </p:ext>
-    </p:extLst>
   </p:cSld>
   <p:clrMapOvr>
     <a:masterClrMapping/>
@@ -815,18 +800,12 @@
           <a:p>
             <a:fld id="{6EFF56B4-AA9B-4CAD-A1CC-F368E2291C09}" type="slidenum">
               <a:rPr lang="zh-CN" altLang="en-US" smtClean="0"/>
-              <a:t>9</a:t>
             </a:fld>
             <a:endParaRPr lang="zh-CN" altLang="en-US"/>
           </a:p>
         </p:txBody>
       </p:sp>
     </p:spTree>
-    <p:extLst>
-      <p:ext uri="{BB962C8B-B14F-4D97-AF65-F5344CB8AC3E}">
-        <p14:creationId xmlns:p14="http://schemas.microsoft.com/office/powerpoint/2010/main" val="4041573549"/>
-      </p:ext>
-    </p:extLst>
   </p:cSld>
   <p:clrMapOvr>
     <a:masterClrMapping/>
@@ -853,13 +832,7 @@
       </p:grpSpPr>
       <p:sp>
         <p:nvSpPr>
-          <p:cNvPr id="2" name="标题 1">
-            <a:extLst>
-              <a:ext uri="{FF2B5EF4-FFF2-40B4-BE49-F238E27FC236}">
-                <a16:creationId xmlns:a16="http://schemas.microsoft.com/office/drawing/2014/main" id="{3CEC2FA5-C5C7-403B-99FA-FACD9C7AD4E0}"/>
-              </a:ext>
-            </a:extLst>
-          </p:cNvPr>
+          <p:cNvPr id="2" name="标题 1"/>
           <p:cNvSpPr>
             <a:spLocks noGrp="1"/>
           </p:cNvSpPr>
@@ -885,18 +858,13 @@
               <a:rPr lang="zh-CN" altLang="en-US"/>
               <a:t>单击此处编辑母版标题样式</a:t>
             </a:r>
-          </a:p>
-        </p:txBody>
-      </p:sp>
-      <p:sp>
-        <p:nvSpPr>
-          <p:cNvPr id="3" name="副标题 2">
-            <a:extLst>
-              <a:ext uri="{FF2B5EF4-FFF2-40B4-BE49-F238E27FC236}">
-                <a16:creationId xmlns:a16="http://schemas.microsoft.com/office/drawing/2014/main" id="{40DD45DD-D0AC-42D4-951D-E6CF0445CFD8}"/>
-              </a:ext>
-            </a:extLst>
-          </p:cNvPr>
+            <a:endParaRPr lang="zh-CN" altLang="en-US"/>
+          </a:p>
+        </p:txBody>
+      </p:sp>
+      <p:sp>
+        <p:nvSpPr>
+          <p:cNvPr id="3" name="副标题 2"/>
           <p:cNvSpPr>
             <a:spLocks noGrp="1"/>
           </p:cNvSpPr>
@@ -955,18 +923,13 @@
               <a:rPr lang="zh-CN" altLang="en-US"/>
               <a:t>单击此处编辑母版副标题样式</a:t>
             </a:r>
-          </a:p>
-        </p:txBody>
-      </p:sp>
-      <p:sp>
-        <p:nvSpPr>
-          <p:cNvPr id="4" name="日期占位符 3">
-            <a:extLst>
-              <a:ext uri="{FF2B5EF4-FFF2-40B4-BE49-F238E27FC236}">
-                <a16:creationId xmlns:a16="http://schemas.microsoft.com/office/drawing/2014/main" id="{F03C6E92-FA3A-43B6-AB5A-718C36F6D807}"/>
-              </a:ext>
-            </a:extLst>
-          </p:cNvPr>
+            <a:endParaRPr lang="zh-CN" altLang="en-US"/>
+          </a:p>
+        </p:txBody>
+      </p:sp>
+      <p:sp>
+        <p:nvSpPr>
+          <p:cNvPr id="4" name="日期占位符 3"/>
           <p:cNvSpPr>
             <a:spLocks noGrp="1"/>
           </p:cNvSpPr>
@@ -981,7 +944,6 @@
           <a:p>
             <a:fld id="{299BC13E-C5C7-4C89-AEA2-3466C529D53D}" type="datetimeFigureOut">
               <a:rPr lang="zh-CN" altLang="en-US" smtClean="0"/>
-              <a:t>2019/6/11</a:t>
             </a:fld>
             <a:endParaRPr lang="zh-CN" altLang="en-US"/>
           </a:p>
@@ -989,13 +951,7 @@
       </p:sp>
       <p:sp>
         <p:nvSpPr>
-          <p:cNvPr id="5" name="页脚占位符 4">
-            <a:extLst>
-              <a:ext uri="{FF2B5EF4-FFF2-40B4-BE49-F238E27FC236}">
-                <a16:creationId xmlns:a16="http://schemas.microsoft.com/office/drawing/2014/main" id="{A86CC019-65E9-4DAC-B662-1C45582C946B}"/>
-              </a:ext>
-            </a:extLst>
-          </p:cNvPr>
+          <p:cNvPr id="5" name="页脚占位符 4"/>
           <p:cNvSpPr>
             <a:spLocks noGrp="1"/>
           </p:cNvSpPr>
@@ -1014,13 +970,7 @@
       </p:sp>
       <p:sp>
         <p:nvSpPr>
-          <p:cNvPr id="6" name="灯片编号占位符 5">
-            <a:extLst>
-              <a:ext uri="{FF2B5EF4-FFF2-40B4-BE49-F238E27FC236}">
-                <a16:creationId xmlns:a16="http://schemas.microsoft.com/office/drawing/2014/main" id="{0DF32979-04C2-4ADF-9073-7AEDED8C9A5F}"/>
-              </a:ext>
-            </a:extLst>
-          </p:cNvPr>
+          <p:cNvPr id="6" name="灯片编号占位符 5"/>
           <p:cNvSpPr>
             <a:spLocks noGrp="1"/>
           </p:cNvSpPr>
@@ -1035,18 +985,12 @@
           <a:p>
             <a:fld id="{857345F9-384F-4D81-87CF-ACC48838300D}" type="slidenum">
               <a:rPr lang="zh-CN" altLang="en-US" smtClean="0"/>
-              <a:t>‹#›</a:t>
             </a:fld>
             <a:endParaRPr lang="zh-CN" altLang="en-US"/>
           </a:p>
         </p:txBody>
       </p:sp>
     </p:spTree>
-    <p:extLst>
-      <p:ext uri="{BB962C8B-B14F-4D97-AF65-F5344CB8AC3E}">
-        <p14:creationId xmlns:p14="http://schemas.microsoft.com/office/powerpoint/2010/main" val="405110030"/>
-      </p:ext>
-    </p:extLst>
   </p:cSld>
   <p:clrMapOvr>
     <a:masterClrMapping/>
@@ -1073,13 +1017,7 @@
       </p:grpSpPr>
       <p:sp>
         <p:nvSpPr>
-          <p:cNvPr id="2" name="标题 1">
-            <a:extLst>
-              <a:ext uri="{FF2B5EF4-FFF2-40B4-BE49-F238E27FC236}">
-                <a16:creationId xmlns:a16="http://schemas.microsoft.com/office/drawing/2014/main" id="{629420AE-4566-4CBD-8540-3B72B914F8C4}"/>
-              </a:ext>
-            </a:extLst>
-          </p:cNvPr>
+          <p:cNvPr id="2" name="标题 1"/>
           <p:cNvSpPr>
             <a:spLocks noGrp="1"/>
           </p:cNvSpPr>
@@ -1096,18 +1034,13 @@
               <a:rPr lang="zh-CN" altLang="en-US"/>
               <a:t>单击此处编辑母版标题样式</a:t>
             </a:r>
-          </a:p>
-        </p:txBody>
-      </p:sp>
-      <p:sp>
-        <p:nvSpPr>
-          <p:cNvPr id="3" name="竖排文字占位符 2">
-            <a:extLst>
-              <a:ext uri="{FF2B5EF4-FFF2-40B4-BE49-F238E27FC236}">
-                <a16:creationId xmlns:a16="http://schemas.microsoft.com/office/drawing/2014/main" id="{B42AEC9F-1BD4-4F10-881C-504F2D4A2BB2}"/>
-              </a:ext>
-            </a:extLst>
-          </p:cNvPr>
+            <a:endParaRPr lang="zh-CN" altLang="en-US"/>
+          </a:p>
+        </p:txBody>
+      </p:sp>
+      <p:sp>
+        <p:nvSpPr>
+          <p:cNvPr id="3" name="竖排文字占位符 2"/>
           <p:cNvSpPr>
             <a:spLocks noGrp="1"/>
           </p:cNvSpPr>
@@ -1125,6 +1058,7 @@
               <a:rPr lang="zh-CN" altLang="en-US"/>
               <a:t>单击此处编辑母版文本样式</a:t>
             </a:r>
+            <a:endParaRPr lang="zh-CN" altLang="en-US"/>
           </a:p>
           <a:p>
             <a:pPr lvl="1"/>
@@ -1132,6 +1066,7 @@
               <a:rPr lang="zh-CN" altLang="en-US"/>
               <a:t>二级</a:t>
             </a:r>
+            <a:endParaRPr lang="zh-CN" altLang="en-US"/>
           </a:p>
           <a:p>
             <a:pPr lvl="2"/>
@@ -1139,6 +1074,7 @@
               <a:rPr lang="zh-CN" altLang="en-US"/>
               <a:t>三级</a:t>
             </a:r>
+            <a:endParaRPr lang="zh-CN" altLang="en-US"/>
           </a:p>
           <a:p>
             <a:pPr lvl="3"/>
@@ -1146,6 +1082,7 @@
               <a:rPr lang="zh-CN" altLang="en-US"/>
               <a:t>四级</a:t>
             </a:r>
+            <a:endParaRPr lang="zh-CN" altLang="en-US"/>
           </a:p>
           <a:p>
             <a:pPr lvl="4"/>
@@ -1153,18 +1090,13 @@
               <a:rPr lang="zh-CN" altLang="en-US"/>
               <a:t>五级</a:t>
             </a:r>
-          </a:p>
-        </p:txBody>
-      </p:sp>
-      <p:sp>
-        <p:nvSpPr>
-          <p:cNvPr id="4" name="日期占位符 3">
-            <a:extLst>
-              <a:ext uri="{FF2B5EF4-FFF2-40B4-BE49-F238E27FC236}">
-                <a16:creationId xmlns:a16="http://schemas.microsoft.com/office/drawing/2014/main" id="{CA856311-2472-4B7E-8392-8A77DD4D2926}"/>
-              </a:ext>
-            </a:extLst>
-          </p:cNvPr>
+            <a:endParaRPr lang="zh-CN" altLang="en-US"/>
+          </a:p>
+        </p:txBody>
+      </p:sp>
+      <p:sp>
+        <p:nvSpPr>
+          <p:cNvPr id="4" name="日期占位符 3"/>
           <p:cNvSpPr>
             <a:spLocks noGrp="1"/>
           </p:cNvSpPr>
@@ -1179,7 +1111,6 @@
           <a:p>
             <a:fld id="{299BC13E-C5C7-4C89-AEA2-3466C529D53D}" type="datetimeFigureOut">
               <a:rPr lang="zh-CN" altLang="en-US" smtClean="0"/>
-              <a:t>2019/6/11</a:t>
             </a:fld>
             <a:endParaRPr lang="zh-CN" altLang="en-US"/>
           </a:p>
@@ -1187,13 +1118,7 @@
       </p:sp>
       <p:sp>
         <p:nvSpPr>
-          <p:cNvPr id="5" name="页脚占位符 4">
-            <a:extLst>
-              <a:ext uri="{FF2B5EF4-FFF2-40B4-BE49-F238E27FC236}">
-                <a16:creationId xmlns:a16="http://schemas.microsoft.com/office/drawing/2014/main" id="{04B3E894-06A4-4B3D-9229-01399A14E326}"/>
-              </a:ext>
-            </a:extLst>
-          </p:cNvPr>
+          <p:cNvPr id="5" name="页脚占位符 4"/>
           <p:cNvSpPr>
             <a:spLocks noGrp="1"/>
           </p:cNvSpPr>
@@ -1212,13 +1137,7 @@
       </p:sp>
       <p:sp>
         <p:nvSpPr>
-          <p:cNvPr id="6" name="灯片编号占位符 5">
-            <a:extLst>
-              <a:ext uri="{FF2B5EF4-FFF2-40B4-BE49-F238E27FC236}">
-                <a16:creationId xmlns:a16="http://schemas.microsoft.com/office/drawing/2014/main" id="{AAFA1329-753F-4D80-AD38-CF625953997E}"/>
-              </a:ext>
-            </a:extLst>
-          </p:cNvPr>
+          <p:cNvPr id="6" name="灯片编号占位符 5"/>
           <p:cNvSpPr>
             <a:spLocks noGrp="1"/>
           </p:cNvSpPr>
@@ -1233,18 +1152,12 @@
           <a:p>
             <a:fld id="{857345F9-384F-4D81-87CF-ACC48838300D}" type="slidenum">
               <a:rPr lang="zh-CN" altLang="en-US" smtClean="0"/>
-              <a:t>‹#›</a:t>
             </a:fld>
             <a:endParaRPr lang="zh-CN" altLang="en-US"/>
           </a:p>
         </p:txBody>
       </p:sp>
     </p:spTree>
-    <p:extLst>
-      <p:ext uri="{BB962C8B-B14F-4D97-AF65-F5344CB8AC3E}">
-        <p14:creationId xmlns:p14="http://schemas.microsoft.com/office/powerpoint/2010/main" val="2285859822"/>
-      </p:ext>
-    </p:extLst>
   </p:cSld>
   <p:clrMapOvr>
     <a:masterClrMapping/>
@@ -1271,13 +1184,7 @@
       </p:grpSpPr>
       <p:sp>
         <p:nvSpPr>
-          <p:cNvPr id="2" name="竖排标题 1">
-            <a:extLst>
-              <a:ext uri="{FF2B5EF4-FFF2-40B4-BE49-F238E27FC236}">
-                <a16:creationId xmlns:a16="http://schemas.microsoft.com/office/drawing/2014/main" id="{951F295B-3A4C-4686-8969-D82F7BD227ED}"/>
-              </a:ext>
-            </a:extLst>
-          </p:cNvPr>
+          <p:cNvPr id="2" name="竖排标题 1"/>
           <p:cNvSpPr>
             <a:spLocks noGrp="1"/>
           </p:cNvSpPr>
@@ -1299,18 +1206,13 @@
               <a:rPr lang="zh-CN" altLang="en-US"/>
               <a:t>单击此处编辑母版标题样式</a:t>
             </a:r>
-          </a:p>
-        </p:txBody>
-      </p:sp>
-      <p:sp>
-        <p:nvSpPr>
-          <p:cNvPr id="3" name="竖排文字占位符 2">
-            <a:extLst>
-              <a:ext uri="{FF2B5EF4-FFF2-40B4-BE49-F238E27FC236}">
-                <a16:creationId xmlns:a16="http://schemas.microsoft.com/office/drawing/2014/main" id="{4CBDEE55-9416-4AE8-B501-217321FF92A3}"/>
-              </a:ext>
-            </a:extLst>
-          </p:cNvPr>
+            <a:endParaRPr lang="zh-CN" altLang="en-US"/>
+          </a:p>
+        </p:txBody>
+      </p:sp>
+      <p:sp>
+        <p:nvSpPr>
+          <p:cNvPr id="3" name="竖排文字占位符 2"/>
           <p:cNvSpPr>
             <a:spLocks noGrp="1"/>
           </p:cNvSpPr>
@@ -1333,6 +1235,7 @@
               <a:rPr lang="zh-CN" altLang="en-US"/>
               <a:t>单击此处编辑母版文本样式</a:t>
             </a:r>
+            <a:endParaRPr lang="zh-CN" altLang="en-US"/>
           </a:p>
           <a:p>
             <a:pPr lvl="1"/>
@@ -1340,6 +1243,7 @@
               <a:rPr lang="zh-CN" altLang="en-US"/>
               <a:t>二级</a:t>
             </a:r>
+            <a:endParaRPr lang="zh-CN" altLang="en-US"/>
           </a:p>
           <a:p>
             <a:pPr lvl="2"/>
@@ -1347,6 +1251,7 @@
               <a:rPr lang="zh-CN" altLang="en-US"/>
               <a:t>三级</a:t>
             </a:r>
+            <a:endParaRPr lang="zh-CN" altLang="en-US"/>
           </a:p>
           <a:p>
             <a:pPr lvl="3"/>
@@ -1354,6 +1259,7 @@
               <a:rPr lang="zh-CN" altLang="en-US"/>
               <a:t>四级</a:t>
             </a:r>
+            <a:endParaRPr lang="zh-CN" altLang="en-US"/>
           </a:p>
           <a:p>
             <a:pPr lvl="4"/>
@@ -1361,18 +1267,13 @@
               <a:rPr lang="zh-CN" altLang="en-US"/>
               <a:t>五级</a:t>
             </a:r>
-          </a:p>
-        </p:txBody>
-      </p:sp>
-      <p:sp>
-        <p:nvSpPr>
-          <p:cNvPr id="4" name="日期占位符 3">
-            <a:extLst>
-              <a:ext uri="{FF2B5EF4-FFF2-40B4-BE49-F238E27FC236}">
-                <a16:creationId xmlns:a16="http://schemas.microsoft.com/office/drawing/2014/main" id="{87838F53-6ACE-448D-8377-91970416DE79}"/>
-              </a:ext>
-            </a:extLst>
-          </p:cNvPr>
+            <a:endParaRPr lang="zh-CN" altLang="en-US"/>
+          </a:p>
+        </p:txBody>
+      </p:sp>
+      <p:sp>
+        <p:nvSpPr>
+          <p:cNvPr id="4" name="日期占位符 3"/>
           <p:cNvSpPr>
             <a:spLocks noGrp="1"/>
           </p:cNvSpPr>
@@ -1387,7 +1288,6 @@
           <a:p>
             <a:fld id="{299BC13E-C5C7-4C89-AEA2-3466C529D53D}" type="datetimeFigureOut">
               <a:rPr lang="zh-CN" altLang="en-US" smtClean="0"/>
-              <a:t>2019/6/11</a:t>
             </a:fld>
             <a:endParaRPr lang="zh-CN" altLang="en-US"/>
           </a:p>
@@ -1395,13 +1295,7 @@
       </p:sp>
       <p:sp>
         <p:nvSpPr>
-          <p:cNvPr id="5" name="页脚占位符 4">
-            <a:extLst>
-              <a:ext uri="{FF2B5EF4-FFF2-40B4-BE49-F238E27FC236}">
-                <a16:creationId xmlns:a16="http://schemas.microsoft.com/office/drawing/2014/main" id="{F54A2D99-11E3-4195-B818-849768921C24}"/>
-              </a:ext>
-            </a:extLst>
-          </p:cNvPr>
+          <p:cNvPr id="5" name="页脚占位符 4"/>
           <p:cNvSpPr>
             <a:spLocks noGrp="1"/>
           </p:cNvSpPr>
@@ -1420,13 +1314,7 @@
       </p:sp>
       <p:sp>
         <p:nvSpPr>
-          <p:cNvPr id="6" name="灯片编号占位符 5">
-            <a:extLst>
-              <a:ext uri="{FF2B5EF4-FFF2-40B4-BE49-F238E27FC236}">
-                <a16:creationId xmlns:a16="http://schemas.microsoft.com/office/drawing/2014/main" id="{90D18080-6A72-43CC-B781-5D308DCF52D1}"/>
-              </a:ext>
-            </a:extLst>
-          </p:cNvPr>
+          <p:cNvPr id="6" name="灯片编号占位符 5"/>
           <p:cNvSpPr>
             <a:spLocks noGrp="1"/>
           </p:cNvSpPr>
@@ -1441,18 +1329,12 @@
           <a:p>
             <a:fld id="{857345F9-384F-4D81-87CF-ACC48838300D}" type="slidenum">
               <a:rPr lang="zh-CN" altLang="en-US" smtClean="0"/>
-              <a:t>‹#›</a:t>
             </a:fld>
             <a:endParaRPr lang="zh-CN" altLang="en-US"/>
           </a:p>
         </p:txBody>
       </p:sp>
     </p:spTree>
-    <p:extLst>
-      <p:ext uri="{BB962C8B-B14F-4D97-AF65-F5344CB8AC3E}">
-        <p14:creationId xmlns:p14="http://schemas.microsoft.com/office/powerpoint/2010/main" val="2716466361"/>
-      </p:ext>
-    </p:extLst>
   </p:cSld>
   <p:clrMapOvr>
     <a:masterClrMapping/>
@@ -1479,13 +1361,7 @@
       </p:grpSpPr>
       <p:sp>
         <p:nvSpPr>
-          <p:cNvPr id="2" name="标题 1">
-            <a:extLst>
-              <a:ext uri="{FF2B5EF4-FFF2-40B4-BE49-F238E27FC236}">
-                <a16:creationId xmlns:a16="http://schemas.microsoft.com/office/drawing/2014/main" id="{A3F7FC4C-9F3A-40AC-AE5F-3EA870B648D1}"/>
-              </a:ext>
-            </a:extLst>
-          </p:cNvPr>
+          <p:cNvPr id="2" name="标题 1"/>
           <p:cNvSpPr>
             <a:spLocks noGrp="1"/>
           </p:cNvSpPr>
@@ -1502,18 +1378,13 @@
               <a:rPr lang="zh-CN" altLang="en-US"/>
               <a:t>单击此处编辑母版标题样式</a:t>
             </a:r>
-          </a:p>
-        </p:txBody>
-      </p:sp>
-      <p:sp>
-        <p:nvSpPr>
-          <p:cNvPr id="3" name="内容占位符 2">
-            <a:extLst>
-              <a:ext uri="{FF2B5EF4-FFF2-40B4-BE49-F238E27FC236}">
-                <a16:creationId xmlns:a16="http://schemas.microsoft.com/office/drawing/2014/main" id="{53A321A9-1C63-4FCD-B05B-5E9ED96958C4}"/>
-              </a:ext>
-            </a:extLst>
-          </p:cNvPr>
+            <a:endParaRPr lang="zh-CN" altLang="en-US"/>
+          </a:p>
+        </p:txBody>
+      </p:sp>
+      <p:sp>
+        <p:nvSpPr>
+          <p:cNvPr id="3" name="内容占位符 2"/>
           <p:cNvSpPr>
             <a:spLocks noGrp="1"/>
           </p:cNvSpPr>
@@ -1531,6 +1402,7 @@
               <a:rPr lang="zh-CN" altLang="en-US"/>
               <a:t>单击此处编辑母版文本样式</a:t>
             </a:r>
+            <a:endParaRPr lang="zh-CN" altLang="en-US"/>
           </a:p>
           <a:p>
             <a:pPr lvl="1"/>
@@ -1538,6 +1410,7 @@
               <a:rPr lang="zh-CN" altLang="en-US"/>
               <a:t>二级</a:t>
             </a:r>
+            <a:endParaRPr lang="zh-CN" altLang="en-US"/>
           </a:p>
           <a:p>
             <a:pPr lvl="2"/>
@@ -1545,6 +1418,7 @@
               <a:rPr lang="zh-CN" altLang="en-US"/>
               <a:t>三级</a:t>
             </a:r>
+            <a:endParaRPr lang="zh-CN" altLang="en-US"/>
           </a:p>
           <a:p>
             <a:pPr lvl="3"/>
@@ -1552,6 +1426,7 @@
               <a:rPr lang="zh-CN" altLang="en-US"/>
               <a:t>四级</a:t>
             </a:r>
+            <a:endParaRPr lang="zh-CN" altLang="en-US"/>
           </a:p>
           <a:p>
             <a:pPr lvl="4"/>
@@ -1559,18 +1434,13 @@
               <a:rPr lang="zh-CN" altLang="en-US"/>
               <a:t>五级</a:t>
             </a:r>
-          </a:p>
-        </p:txBody>
-      </p:sp>
-      <p:sp>
-        <p:nvSpPr>
-          <p:cNvPr id="4" name="日期占位符 3">
-            <a:extLst>
-              <a:ext uri="{FF2B5EF4-FFF2-40B4-BE49-F238E27FC236}">
-                <a16:creationId xmlns:a16="http://schemas.microsoft.com/office/drawing/2014/main" id="{A6B82439-CB63-464A-816C-3BA77E612D76}"/>
-              </a:ext>
-            </a:extLst>
-          </p:cNvPr>
+            <a:endParaRPr lang="zh-CN" altLang="en-US"/>
+          </a:p>
+        </p:txBody>
+      </p:sp>
+      <p:sp>
+        <p:nvSpPr>
+          <p:cNvPr id="4" name="日期占位符 3"/>
           <p:cNvSpPr>
             <a:spLocks noGrp="1"/>
           </p:cNvSpPr>
@@ -1585,7 +1455,6 @@
           <a:p>
             <a:fld id="{299BC13E-C5C7-4C89-AEA2-3466C529D53D}" type="datetimeFigureOut">
               <a:rPr lang="zh-CN" altLang="en-US" smtClean="0"/>
-              <a:t>2019/6/11</a:t>
             </a:fld>
             <a:endParaRPr lang="zh-CN" altLang="en-US"/>
           </a:p>
@@ -1593,13 +1462,7 @@
       </p:sp>
       <p:sp>
         <p:nvSpPr>
-          <p:cNvPr id="5" name="页脚占位符 4">
-            <a:extLst>
-              <a:ext uri="{FF2B5EF4-FFF2-40B4-BE49-F238E27FC236}">
-                <a16:creationId xmlns:a16="http://schemas.microsoft.com/office/drawing/2014/main" id="{8CCF0FF9-B9ED-40A1-BD27-A09A0752EF10}"/>
-              </a:ext>
-            </a:extLst>
-          </p:cNvPr>
+          <p:cNvPr id="5" name="页脚占位符 4"/>
           <p:cNvSpPr>
             <a:spLocks noGrp="1"/>
           </p:cNvSpPr>
@@ -1618,13 +1481,7 @@
       </p:sp>
       <p:sp>
         <p:nvSpPr>
-          <p:cNvPr id="6" name="灯片编号占位符 5">
-            <a:extLst>
-              <a:ext uri="{FF2B5EF4-FFF2-40B4-BE49-F238E27FC236}">
-                <a16:creationId xmlns:a16="http://schemas.microsoft.com/office/drawing/2014/main" id="{794ED6A8-98AD-4B8B-B4C0-D5382EA29AFC}"/>
-              </a:ext>
-            </a:extLst>
-          </p:cNvPr>
+          <p:cNvPr id="6" name="灯片编号占位符 5"/>
           <p:cNvSpPr>
             <a:spLocks noGrp="1"/>
           </p:cNvSpPr>
@@ -1639,18 +1496,12 @@
           <a:p>
             <a:fld id="{857345F9-384F-4D81-87CF-ACC48838300D}" type="slidenum">
               <a:rPr lang="zh-CN" altLang="en-US" smtClean="0"/>
-              <a:t>‹#›</a:t>
             </a:fld>
             <a:endParaRPr lang="zh-CN" altLang="en-US"/>
           </a:p>
         </p:txBody>
       </p:sp>
     </p:spTree>
-    <p:extLst>
-      <p:ext uri="{BB962C8B-B14F-4D97-AF65-F5344CB8AC3E}">
-        <p14:creationId xmlns:p14="http://schemas.microsoft.com/office/powerpoint/2010/main" val="1636467222"/>
-      </p:ext>
-    </p:extLst>
   </p:cSld>
   <p:clrMapOvr>
     <a:masterClrMapping/>
@@ -1677,13 +1528,7 @@
       </p:grpSpPr>
       <p:sp>
         <p:nvSpPr>
-          <p:cNvPr id="2" name="标题 1">
-            <a:extLst>
-              <a:ext uri="{FF2B5EF4-FFF2-40B4-BE49-F238E27FC236}">
-                <a16:creationId xmlns:a16="http://schemas.microsoft.com/office/drawing/2014/main" id="{DDE6E3DC-2C33-4198-A873-4E31B7DD28BB}"/>
-              </a:ext>
-            </a:extLst>
-          </p:cNvPr>
+          <p:cNvPr id="2" name="标题 1"/>
           <p:cNvSpPr>
             <a:spLocks noGrp="1"/>
           </p:cNvSpPr>
@@ -1709,18 +1554,13 @@
               <a:rPr lang="zh-CN" altLang="en-US"/>
               <a:t>单击此处编辑母版标题样式</a:t>
             </a:r>
-          </a:p>
-        </p:txBody>
-      </p:sp>
-      <p:sp>
-        <p:nvSpPr>
-          <p:cNvPr id="3" name="文本占位符 2">
-            <a:extLst>
-              <a:ext uri="{FF2B5EF4-FFF2-40B4-BE49-F238E27FC236}">
-                <a16:creationId xmlns:a16="http://schemas.microsoft.com/office/drawing/2014/main" id="{FD983AFC-DE8F-4FEF-9B38-190D25ED97E5}"/>
-              </a:ext>
-            </a:extLst>
-          </p:cNvPr>
+            <a:endParaRPr lang="zh-CN" altLang="en-US"/>
+          </a:p>
+        </p:txBody>
+      </p:sp>
+      <p:sp>
+        <p:nvSpPr>
+          <p:cNvPr id="3" name="文本占位符 2"/>
           <p:cNvSpPr>
             <a:spLocks noGrp="1"/>
           </p:cNvSpPr>
@@ -1834,18 +1674,13 @@
               <a:rPr lang="zh-CN" altLang="en-US"/>
               <a:t>单击此处编辑母版文本样式</a:t>
             </a:r>
-          </a:p>
-        </p:txBody>
-      </p:sp>
-      <p:sp>
-        <p:nvSpPr>
-          <p:cNvPr id="4" name="日期占位符 3">
-            <a:extLst>
-              <a:ext uri="{FF2B5EF4-FFF2-40B4-BE49-F238E27FC236}">
-                <a16:creationId xmlns:a16="http://schemas.microsoft.com/office/drawing/2014/main" id="{77DAE832-B87C-426B-8CFB-100623FBEDE4}"/>
-              </a:ext>
-            </a:extLst>
-          </p:cNvPr>
+            <a:endParaRPr lang="zh-CN" altLang="en-US"/>
+          </a:p>
+        </p:txBody>
+      </p:sp>
+      <p:sp>
+        <p:nvSpPr>
+          <p:cNvPr id="4" name="日期占位符 3"/>
           <p:cNvSpPr>
             <a:spLocks noGrp="1"/>
           </p:cNvSpPr>
@@ -1860,7 +1695,6 @@
           <a:p>
             <a:fld id="{299BC13E-C5C7-4C89-AEA2-3466C529D53D}" type="datetimeFigureOut">
               <a:rPr lang="zh-CN" altLang="en-US" smtClean="0"/>
-              <a:t>2019/6/11</a:t>
             </a:fld>
             <a:endParaRPr lang="zh-CN" altLang="en-US"/>
           </a:p>
@@ -1868,13 +1702,7 @@
       </p:sp>
       <p:sp>
         <p:nvSpPr>
-          <p:cNvPr id="5" name="页脚占位符 4">
-            <a:extLst>
-              <a:ext uri="{FF2B5EF4-FFF2-40B4-BE49-F238E27FC236}">
-                <a16:creationId xmlns:a16="http://schemas.microsoft.com/office/drawing/2014/main" id="{E34AEF06-7602-40AA-A2C5-4B1CA393905F}"/>
-              </a:ext>
-            </a:extLst>
-          </p:cNvPr>
+          <p:cNvPr id="5" name="页脚占位符 4"/>
           <p:cNvSpPr>
             <a:spLocks noGrp="1"/>
           </p:cNvSpPr>
@@ -1893,13 +1721,7 @@
       </p:sp>
       <p:sp>
         <p:nvSpPr>
-          <p:cNvPr id="6" name="灯片编号占位符 5">
-            <a:extLst>
-              <a:ext uri="{FF2B5EF4-FFF2-40B4-BE49-F238E27FC236}">
-                <a16:creationId xmlns:a16="http://schemas.microsoft.com/office/drawing/2014/main" id="{95E3766E-61DC-4595-826C-A21F9917CDDB}"/>
-              </a:ext>
-            </a:extLst>
-          </p:cNvPr>
+          <p:cNvPr id="6" name="灯片编号占位符 5"/>
           <p:cNvSpPr>
             <a:spLocks noGrp="1"/>
           </p:cNvSpPr>
@@ -1914,18 +1736,12 @@
           <a:p>
             <a:fld id="{857345F9-384F-4D81-87CF-ACC48838300D}" type="slidenum">
               <a:rPr lang="zh-CN" altLang="en-US" smtClean="0"/>
-              <a:t>‹#›</a:t>
             </a:fld>
             <a:endParaRPr lang="zh-CN" altLang="en-US"/>
           </a:p>
         </p:txBody>
       </p:sp>
     </p:spTree>
-    <p:extLst>
-      <p:ext uri="{BB962C8B-B14F-4D97-AF65-F5344CB8AC3E}">
-        <p14:creationId xmlns:p14="http://schemas.microsoft.com/office/powerpoint/2010/main" val="4034857310"/>
-      </p:ext>
-    </p:extLst>
   </p:cSld>
   <p:clrMapOvr>
     <a:masterClrMapping/>
@@ -1952,13 +1768,7 @@
       </p:grpSpPr>
       <p:sp>
         <p:nvSpPr>
-          <p:cNvPr id="2" name="标题 1">
-            <a:extLst>
-              <a:ext uri="{FF2B5EF4-FFF2-40B4-BE49-F238E27FC236}">
-                <a16:creationId xmlns:a16="http://schemas.microsoft.com/office/drawing/2014/main" id="{C05931BE-A4C2-424E-B85D-E119CCBD85E7}"/>
-              </a:ext>
-            </a:extLst>
-          </p:cNvPr>
+          <p:cNvPr id="2" name="标题 1"/>
           <p:cNvSpPr>
             <a:spLocks noGrp="1"/>
           </p:cNvSpPr>
@@ -1975,18 +1785,13 @@
               <a:rPr lang="zh-CN" altLang="en-US"/>
               <a:t>单击此处编辑母版标题样式</a:t>
             </a:r>
-          </a:p>
-        </p:txBody>
-      </p:sp>
-      <p:sp>
-        <p:nvSpPr>
-          <p:cNvPr id="3" name="内容占位符 2">
-            <a:extLst>
-              <a:ext uri="{FF2B5EF4-FFF2-40B4-BE49-F238E27FC236}">
-                <a16:creationId xmlns:a16="http://schemas.microsoft.com/office/drawing/2014/main" id="{064A559C-4EB5-4C4F-BBBF-D0C5BF53D488}"/>
-              </a:ext>
-            </a:extLst>
-          </p:cNvPr>
+            <a:endParaRPr lang="zh-CN" altLang="en-US"/>
+          </a:p>
+        </p:txBody>
+      </p:sp>
+      <p:sp>
+        <p:nvSpPr>
+          <p:cNvPr id="3" name="内容占位符 2"/>
           <p:cNvSpPr>
             <a:spLocks noGrp="1"/>
           </p:cNvSpPr>
@@ -2009,6 +1814,7 @@
               <a:rPr lang="zh-CN" altLang="en-US"/>
               <a:t>单击此处编辑母版文本样式</a:t>
             </a:r>
+            <a:endParaRPr lang="zh-CN" altLang="en-US"/>
           </a:p>
           <a:p>
             <a:pPr lvl="1"/>
@@ -2016,6 +1822,7 @@
               <a:rPr lang="zh-CN" altLang="en-US"/>
               <a:t>二级</a:t>
             </a:r>
+            <a:endParaRPr lang="zh-CN" altLang="en-US"/>
           </a:p>
           <a:p>
             <a:pPr lvl="2"/>
@@ -2023,6 +1830,7 @@
               <a:rPr lang="zh-CN" altLang="en-US"/>
               <a:t>三级</a:t>
             </a:r>
+            <a:endParaRPr lang="zh-CN" altLang="en-US"/>
           </a:p>
           <a:p>
             <a:pPr lvl="3"/>
@@ -2030,6 +1838,7 @@
               <a:rPr lang="zh-CN" altLang="en-US"/>
               <a:t>四级</a:t>
             </a:r>
+            <a:endParaRPr lang="zh-CN" altLang="en-US"/>
           </a:p>
           <a:p>
             <a:pPr lvl="4"/>
@@ -2037,18 +1846,13 @@
               <a:rPr lang="zh-CN" altLang="en-US"/>
               <a:t>五级</a:t>
             </a:r>
-          </a:p>
-        </p:txBody>
-      </p:sp>
-      <p:sp>
-        <p:nvSpPr>
-          <p:cNvPr id="4" name="内容占位符 3">
-            <a:extLst>
-              <a:ext uri="{FF2B5EF4-FFF2-40B4-BE49-F238E27FC236}">
-                <a16:creationId xmlns:a16="http://schemas.microsoft.com/office/drawing/2014/main" id="{0546719D-6086-49D0-8D78-48112E8DDB7A}"/>
-              </a:ext>
-            </a:extLst>
-          </p:cNvPr>
+            <a:endParaRPr lang="zh-CN" altLang="en-US"/>
+          </a:p>
+        </p:txBody>
+      </p:sp>
+      <p:sp>
+        <p:nvSpPr>
+          <p:cNvPr id="4" name="内容占位符 3"/>
           <p:cNvSpPr>
             <a:spLocks noGrp="1"/>
           </p:cNvSpPr>
@@ -2071,6 +1875,7 @@
               <a:rPr lang="zh-CN" altLang="en-US"/>
               <a:t>单击此处编辑母版文本样式</a:t>
             </a:r>
+            <a:endParaRPr lang="zh-CN" altLang="en-US"/>
           </a:p>
           <a:p>
             <a:pPr lvl="1"/>
@@ -2078,6 +1883,7 @@
               <a:rPr lang="zh-CN" altLang="en-US"/>
               <a:t>二级</a:t>
             </a:r>
+            <a:endParaRPr lang="zh-CN" altLang="en-US"/>
           </a:p>
           <a:p>
             <a:pPr lvl="2"/>
@@ -2085,6 +1891,7 @@
               <a:rPr lang="zh-CN" altLang="en-US"/>
               <a:t>三级</a:t>
             </a:r>
+            <a:endParaRPr lang="zh-CN" altLang="en-US"/>
           </a:p>
           <a:p>
             <a:pPr lvl="3"/>
@@ -2092,6 +1899,7 @@
               <a:rPr lang="zh-CN" altLang="en-US"/>
               <a:t>四级</a:t>
             </a:r>
+            <a:endParaRPr lang="zh-CN" altLang="en-US"/>
           </a:p>
           <a:p>
             <a:pPr lvl="4"/>
@@ -2099,18 +1907,13 @@
               <a:rPr lang="zh-CN" altLang="en-US"/>
               <a:t>五级</a:t>
             </a:r>
-          </a:p>
-        </p:txBody>
-      </p:sp>
-      <p:sp>
-        <p:nvSpPr>
-          <p:cNvPr id="5" name="日期占位符 4">
-            <a:extLst>
-              <a:ext uri="{FF2B5EF4-FFF2-40B4-BE49-F238E27FC236}">
-                <a16:creationId xmlns:a16="http://schemas.microsoft.com/office/drawing/2014/main" id="{6539A507-70EF-415B-A5E6-7A40F9172076}"/>
-              </a:ext>
-            </a:extLst>
-          </p:cNvPr>
+            <a:endParaRPr lang="zh-CN" altLang="en-US"/>
+          </a:p>
+        </p:txBody>
+      </p:sp>
+      <p:sp>
+        <p:nvSpPr>
+          <p:cNvPr id="5" name="日期占位符 4"/>
           <p:cNvSpPr>
             <a:spLocks noGrp="1"/>
           </p:cNvSpPr>
@@ -2125,7 +1928,6 @@
           <a:p>
             <a:fld id="{299BC13E-C5C7-4C89-AEA2-3466C529D53D}" type="datetimeFigureOut">
               <a:rPr lang="zh-CN" altLang="en-US" smtClean="0"/>
-              <a:t>2019/6/11</a:t>
             </a:fld>
             <a:endParaRPr lang="zh-CN" altLang="en-US"/>
           </a:p>
@@ -2133,13 +1935,7 @@
       </p:sp>
       <p:sp>
         <p:nvSpPr>
-          <p:cNvPr id="6" name="页脚占位符 5">
-            <a:extLst>
-              <a:ext uri="{FF2B5EF4-FFF2-40B4-BE49-F238E27FC236}">
-                <a16:creationId xmlns:a16="http://schemas.microsoft.com/office/drawing/2014/main" id="{597623A1-2F5C-4315-86FD-3C646BCEE6F9}"/>
-              </a:ext>
-            </a:extLst>
-          </p:cNvPr>
+          <p:cNvPr id="6" name="页脚占位符 5"/>
           <p:cNvSpPr>
             <a:spLocks noGrp="1"/>
           </p:cNvSpPr>
@@ -2158,13 +1954,7 @@
       </p:sp>
       <p:sp>
         <p:nvSpPr>
-          <p:cNvPr id="7" name="灯片编号占位符 6">
-            <a:extLst>
-              <a:ext uri="{FF2B5EF4-FFF2-40B4-BE49-F238E27FC236}">
-                <a16:creationId xmlns:a16="http://schemas.microsoft.com/office/drawing/2014/main" id="{ED9DE241-E76C-4C46-AE09-1720908C2153}"/>
-              </a:ext>
-            </a:extLst>
-          </p:cNvPr>
+          <p:cNvPr id="7" name="灯片编号占位符 6"/>
           <p:cNvSpPr>
             <a:spLocks noGrp="1"/>
           </p:cNvSpPr>
@@ -2179,18 +1969,12 @@
           <a:p>
             <a:fld id="{857345F9-384F-4D81-87CF-ACC48838300D}" type="slidenum">
               <a:rPr lang="zh-CN" altLang="en-US" smtClean="0"/>
-              <a:t>‹#›</a:t>
             </a:fld>
             <a:endParaRPr lang="zh-CN" altLang="en-US"/>
           </a:p>
         </p:txBody>
       </p:sp>
     </p:spTree>
-    <p:extLst>
-      <p:ext uri="{BB962C8B-B14F-4D97-AF65-F5344CB8AC3E}">
-        <p14:creationId xmlns:p14="http://schemas.microsoft.com/office/powerpoint/2010/main" val="3776758058"/>
-      </p:ext>
-    </p:extLst>
   </p:cSld>
   <p:clrMapOvr>
     <a:masterClrMapping/>
@@ -2217,13 +2001,7 @@
       </p:grpSpPr>
       <p:sp>
         <p:nvSpPr>
-          <p:cNvPr id="2" name="标题 1">
-            <a:extLst>
-              <a:ext uri="{FF2B5EF4-FFF2-40B4-BE49-F238E27FC236}">
-                <a16:creationId xmlns:a16="http://schemas.microsoft.com/office/drawing/2014/main" id="{80D0A244-A836-4858-A06D-078949285211}"/>
-              </a:ext>
-            </a:extLst>
-          </p:cNvPr>
+          <p:cNvPr id="2" name="标题 1"/>
           <p:cNvSpPr>
             <a:spLocks noGrp="1"/>
           </p:cNvSpPr>
@@ -2245,18 +2023,13 @@
               <a:rPr lang="zh-CN" altLang="en-US"/>
               <a:t>单击此处编辑母版标题样式</a:t>
             </a:r>
-          </a:p>
-        </p:txBody>
-      </p:sp>
-      <p:sp>
-        <p:nvSpPr>
-          <p:cNvPr id="3" name="文本占位符 2">
-            <a:extLst>
-              <a:ext uri="{FF2B5EF4-FFF2-40B4-BE49-F238E27FC236}">
-                <a16:creationId xmlns:a16="http://schemas.microsoft.com/office/drawing/2014/main" id="{65C10BD3-13A1-4E96-90C7-3DD58789C27D}"/>
-              </a:ext>
-            </a:extLst>
-          </p:cNvPr>
+            <a:endParaRPr lang="zh-CN" altLang="en-US"/>
+          </a:p>
+        </p:txBody>
+      </p:sp>
+      <p:sp>
+        <p:nvSpPr>
+          <p:cNvPr id="3" name="文本占位符 2"/>
           <p:cNvSpPr>
             <a:spLocks noGrp="1"/>
           </p:cNvSpPr>
@@ -2316,18 +2089,13 @@
               <a:rPr lang="zh-CN" altLang="en-US"/>
               <a:t>单击此处编辑母版文本样式</a:t>
             </a:r>
-          </a:p>
-        </p:txBody>
-      </p:sp>
-      <p:sp>
-        <p:nvSpPr>
-          <p:cNvPr id="4" name="内容占位符 3">
-            <a:extLst>
-              <a:ext uri="{FF2B5EF4-FFF2-40B4-BE49-F238E27FC236}">
-                <a16:creationId xmlns:a16="http://schemas.microsoft.com/office/drawing/2014/main" id="{DCCF5149-15AF-4056-960E-A35686309D4A}"/>
-              </a:ext>
-            </a:extLst>
-          </p:cNvPr>
+            <a:endParaRPr lang="zh-CN" altLang="en-US"/>
+          </a:p>
+        </p:txBody>
+      </p:sp>
+      <p:sp>
+        <p:nvSpPr>
+          <p:cNvPr id="4" name="内容占位符 3"/>
           <p:cNvSpPr>
             <a:spLocks noGrp="1"/>
           </p:cNvSpPr>
@@ -2350,6 +2118,7 @@
               <a:rPr lang="zh-CN" altLang="en-US"/>
               <a:t>单击此处编辑母版文本样式</a:t>
             </a:r>
+            <a:endParaRPr lang="zh-CN" altLang="en-US"/>
           </a:p>
           <a:p>
             <a:pPr lvl="1"/>
@@ -2357,6 +2126,7 @@
               <a:rPr lang="zh-CN" altLang="en-US"/>
               <a:t>二级</a:t>
             </a:r>
+            <a:endParaRPr lang="zh-CN" altLang="en-US"/>
           </a:p>
           <a:p>
             <a:pPr lvl="2"/>
@@ -2364,6 +2134,7 @@
               <a:rPr lang="zh-CN" altLang="en-US"/>
               <a:t>三级</a:t>
             </a:r>
+            <a:endParaRPr lang="zh-CN" altLang="en-US"/>
           </a:p>
           <a:p>
             <a:pPr lvl="3"/>
@@ -2371,6 +2142,7 @@
               <a:rPr lang="zh-CN" altLang="en-US"/>
               <a:t>四级</a:t>
             </a:r>
+            <a:endParaRPr lang="zh-CN" altLang="en-US"/>
           </a:p>
           <a:p>
             <a:pPr lvl="4"/>
@@ -2378,18 +2150,13 @@
               <a:rPr lang="zh-CN" altLang="en-US"/>
               <a:t>五级</a:t>
             </a:r>
-          </a:p>
-        </p:txBody>
-      </p:sp>
-      <p:sp>
-        <p:nvSpPr>
-          <p:cNvPr id="5" name="文本占位符 4">
-            <a:extLst>
-              <a:ext uri="{FF2B5EF4-FFF2-40B4-BE49-F238E27FC236}">
-                <a16:creationId xmlns:a16="http://schemas.microsoft.com/office/drawing/2014/main" id="{9A282B18-E685-4681-A810-5A73459EF754}"/>
-              </a:ext>
-            </a:extLst>
-          </p:cNvPr>
+            <a:endParaRPr lang="zh-CN" altLang="en-US"/>
+          </a:p>
+        </p:txBody>
+      </p:sp>
+      <p:sp>
+        <p:nvSpPr>
+          <p:cNvPr id="5" name="文本占位符 4"/>
           <p:cNvSpPr>
             <a:spLocks noGrp="1"/>
           </p:cNvSpPr>
@@ -2449,18 +2216,13 @@
               <a:rPr lang="zh-CN" altLang="en-US"/>
               <a:t>单击此处编辑母版文本样式</a:t>
             </a:r>
-          </a:p>
-        </p:txBody>
-      </p:sp>
-      <p:sp>
-        <p:nvSpPr>
-          <p:cNvPr id="6" name="内容占位符 5">
-            <a:extLst>
-              <a:ext uri="{FF2B5EF4-FFF2-40B4-BE49-F238E27FC236}">
-                <a16:creationId xmlns:a16="http://schemas.microsoft.com/office/drawing/2014/main" id="{337044C4-A5CB-46E1-924B-D410183E40F0}"/>
-              </a:ext>
-            </a:extLst>
-          </p:cNvPr>
+            <a:endParaRPr lang="zh-CN" altLang="en-US"/>
+          </a:p>
+        </p:txBody>
+      </p:sp>
+      <p:sp>
+        <p:nvSpPr>
+          <p:cNvPr id="6" name="内容占位符 5"/>
           <p:cNvSpPr>
             <a:spLocks noGrp="1"/>
           </p:cNvSpPr>
@@ -2483,6 +2245,7 @@
               <a:rPr lang="zh-CN" altLang="en-US"/>
               <a:t>单击此处编辑母版文本样式</a:t>
             </a:r>
+            <a:endParaRPr lang="zh-CN" altLang="en-US"/>
           </a:p>
           <a:p>
             <a:pPr lvl="1"/>
@@ -2490,6 +2253,7 @@
               <a:rPr lang="zh-CN" altLang="en-US"/>
               <a:t>二级</a:t>
             </a:r>
+            <a:endParaRPr lang="zh-CN" altLang="en-US"/>
           </a:p>
           <a:p>
             <a:pPr lvl="2"/>
@@ -2497,6 +2261,7 @@
               <a:rPr lang="zh-CN" altLang="en-US"/>
               <a:t>三级</a:t>
             </a:r>
+            <a:endParaRPr lang="zh-CN" altLang="en-US"/>
           </a:p>
           <a:p>
             <a:pPr lvl="3"/>
@@ -2504,6 +2269,7 @@
               <a:rPr lang="zh-CN" altLang="en-US"/>
               <a:t>四级</a:t>
             </a:r>
+            <a:endParaRPr lang="zh-CN" altLang="en-US"/>
           </a:p>
           <a:p>
             <a:pPr lvl="4"/>
@@ -2511,18 +2277,13 @@
               <a:rPr lang="zh-CN" altLang="en-US"/>
               <a:t>五级</a:t>
             </a:r>
-          </a:p>
-        </p:txBody>
-      </p:sp>
-      <p:sp>
-        <p:nvSpPr>
-          <p:cNvPr id="7" name="日期占位符 6">
-            <a:extLst>
-              <a:ext uri="{FF2B5EF4-FFF2-40B4-BE49-F238E27FC236}">
-                <a16:creationId xmlns:a16="http://schemas.microsoft.com/office/drawing/2014/main" id="{68FDA5C0-DCE0-4A63-A2F5-B0CF0AFD518B}"/>
-              </a:ext>
-            </a:extLst>
-          </p:cNvPr>
+            <a:endParaRPr lang="zh-CN" altLang="en-US"/>
+          </a:p>
+        </p:txBody>
+      </p:sp>
+      <p:sp>
+        <p:nvSpPr>
+          <p:cNvPr id="7" name="日期占位符 6"/>
           <p:cNvSpPr>
             <a:spLocks noGrp="1"/>
           </p:cNvSpPr>
@@ -2537,7 +2298,6 @@
           <a:p>
             <a:fld id="{299BC13E-C5C7-4C89-AEA2-3466C529D53D}" type="datetimeFigureOut">
               <a:rPr lang="zh-CN" altLang="en-US" smtClean="0"/>
-              <a:t>2019/6/11</a:t>
             </a:fld>
             <a:endParaRPr lang="zh-CN" altLang="en-US"/>
           </a:p>
@@ -2545,13 +2305,7 @@
       </p:sp>
       <p:sp>
         <p:nvSpPr>
-          <p:cNvPr id="8" name="页脚占位符 7">
-            <a:extLst>
-              <a:ext uri="{FF2B5EF4-FFF2-40B4-BE49-F238E27FC236}">
-                <a16:creationId xmlns:a16="http://schemas.microsoft.com/office/drawing/2014/main" id="{4073F531-5E1C-4FA0-AAE6-D6BF3D7E2801}"/>
-              </a:ext>
-            </a:extLst>
-          </p:cNvPr>
+          <p:cNvPr id="8" name="页脚占位符 7"/>
           <p:cNvSpPr>
             <a:spLocks noGrp="1"/>
           </p:cNvSpPr>
@@ -2570,13 +2324,7 @@
       </p:sp>
       <p:sp>
         <p:nvSpPr>
-          <p:cNvPr id="9" name="灯片编号占位符 8">
-            <a:extLst>
-              <a:ext uri="{FF2B5EF4-FFF2-40B4-BE49-F238E27FC236}">
-                <a16:creationId xmlns:a16="http://schemas.microsoft.com/office/drawing/2014/main" id="{8C83C020-6D4E-4B79-BAF7-9BDD34483605}"/>
-              </a:ext>
-            </a:extLst>
-          </p:cNvPr>
+          <p:cNvPr id="9" name="灯片编号占位符 8"/>
           <p:cNvSpPr>
             <a:spLocks noGrp="1"/>
           </p:cNvSpPr>
@@ -2591,18 +2339,12 @@
           <a:p>
             <a:fld id="{857345F9-384F-4D81-87CF-ACC48838300D}" type="slidenum">
               <a:rPr lang="zh-CN" altLang="en-US" smtClean="0"/>
-              <a:t>‹#›</a:t>
             </a:fld>
             <a:endParaRPr lang="zh-CN" altLang="en-US"/>
           </a:p>
         </p:txBody>
       </p:sp>
     </p:spTree>
-    <p:extLst>
-      <p:ext uri="{BB962C8B-B14F-4D97-AF65-F5344CB8AC3E}">
-        <p14:creationId xmlns:p14="http://schemas.microsoft.com/office/powerpoint/2010/main" val="3521990452"/>
-      </p:ext>
-    </p:extLst>
   </p:cSld>
   <p:clrMapOvr>
     <a:masterClrMapping/>
@@ -2629,13 +2371,7 @@
       </p:grpSpPr>
       <p:sp>
         <p:nvSpPr>
-          <p:cNvPr id="2" name="标题 1">
-            <a:extLst>
-              <a:ext uri="{FF2B5EF4-FFF2-40B4-BE49-F238E27FC236}">
-                <a16:creationId xmlns:a16="http://schemas.microsoft.com/office/drawing/2014/main" id="{1527E0E0-A412-45E8-85D6-4235CE36D642}"/>
-              </a:ext>
-            </a:extLst>
-          </p:cNvPr>
+          <p:cNvPr id="2" name="标题 1"/>
           <p:cNvSpPr>
             <a:spLocks noGrp="1"/>
           </p:cNvSpPr>
@@ -2652,18 +2388,13 @@
               <a:rPr lang="zh-CN" altLang="en-US"/>
               <a:t>单击此处编辑母版标题样式</a:t>
             </a:r>
-          </a:p>
-        </p:txBody>
-      </p:sp>
-      <p:sp>
-        <p:nvSpPr>
-          <p:cNvPr id="3" name="日期占位符 2">
-            <a:extLst>
-              <a:ext uri="{FF2B5EF4-FFF2-40B4-BE49-F238E27FC236}">
-                <a16:creationId xmlns:a16="http://schemas.microsoft.com/office/drawing/2014/main" id="{3BABE210-6FA8-4AB1-AF2B-6E55409EA1DA}"/>
-              </a:ext>
-            </a:extLst>
-          </p:cNvPr>
+            <a:endParaRPr lang="zh-CN" altLang="en-US"/>
+          </a:p>
+        </p:txBody>
+      </p:sp>
+      <p:sp>
+        <p:nvSpPr>
+          <p:cNvPr id="3" name="日期占位符 2"/>
           <p:cNvSpPr>
             <a:spLocks noGrp="1"/>
           </p:cNvSpPr>
@@ -2678,7 +2409,6 @@
           <a:p>
             <a:fld id="{299BC13E-C5C7-4C89-AEA2-3466C529D53D}" type="datetimeFigureOut">
               <a:rPr lang="zh-CN" altLang="en-US" smtClean="0"/>
-              <a:t>2019/6/11</a:t>
             </a:fld>
             <a:endParaRPr lang="zh-CN" altLang="en-US"/>
           </a:p>
@@ -2686,13 +2416,7 @@
       </p:sp>
       <p:sp>
         <p:nvSpPr>
-          <p:cNvPr id="4" name="页脚占位符 3">
-            <a:extLst>
-              <a:ext uri="{FF2B5EF4-FFF2-40B4-BE49-F238E27FC236}">
-                <a16:creationId xmlns:a16="http://schemas.microsoft.com/office/drawing/2014/main" id="{66CC49EB-BF43-485D-BC9A-1A916D01AB78}"/>
-              </a:ext>
-            </a:extLst>
-          </p:cNvPr>
+          <p:cNvPr id="4" name="页脚占位符 3"/>
           <p:cNvSpPr>
             <a:spLocks noGrp="1"/>
           </p:cNvSpPr>
@@ -2711,13 +2435,7 @@
       </p:sp>
       <p:sp>
         <p:nvSpPr>
-          <p:cNvPr id="5" name="灯片编号占位符 4">
-            <a:extLst>
-              <a:ext uri="{FF2B5EF4-FFF2-40B4-BE49-F238E27FC236}">
-                <a16:creationId xmlns:a16="http://schemas.microsoft.com/office/drawing/2014/main" id="{40B5BA86-4998-4A39-BCF5-CDF3132404BF}"/>
-              </a:ext>
-            </a:extLst>
-          </p:cNvPr>
+          <p:cNvPr id="5" name="灯片编号占位符 4"/>
           <p:cNvSpPr>
             <a:spLocks noGrp="1"/>
           </p:cNvSpPr>
@@ -2732,18 +2450,12 @@
           <a:p>
             <a:fld id="{857345F9-384F-4D81-87CF-ACC48838300D}" type="slidenum">
               <a:rPr lang="zh-CN" altLang="en-US" smtClean="0"/>
-              <a:t>‹#›</a:t>
             </a:fld>
             <a:endParaRPr lang="zh-CN" altLang="en-US"/>
           </a:p>
         </p:txBody>
       </p:sp>
     </p:spTree>
-    <p:extLst>
-      <p:ext uri="{BB962C8B-B14F-4D97-AF65-F5344CB8AC3E}">
-        <p14:creationId xmlns:p14="http://schemas.microsoft.com/office/powerpoint/2010/main" val="4063032642"/>
-      </p:ext>
-    </p:extLst>
   </p:cSld>
   <p:clrMapOvr>
     <a:masterClrMapping/>
@@ -2770,13 +2482,7 @@
       </p:grpSpPr>
       <p:sp>
         <p:nvSpPr>
-          <p:cNvPr id="2" name="日期占位符 1">
-            <a:extLst>
-              <a:ext uri="{FF2B5EF4-FFF2-40B4-BE49-F238E27FC236}">
-                <a16:creationId xmlns:a16="http://schemas.microsoft.com/office/drawing/2014/main" id="{04E83690-3AFA-48C1-887C-24F932D44DA7}"/>
-              </a:ext>
-            </a:extLst>
-          </p:cNvPr>
+          <p:cNvPr id="2" name="日期占位符 1"/>
           <p:cNvSpPr>
             <a:spLocks noGrp="1"/>
           </p:cNvSpPr>
@@ -2791,7 +2497,6 @@
           <a:p>
             <a:fld id="{299BC13E-C5C7-4C89-AEA2-3466C529D53D}" type="datetimeFigureOut">
               <a:rPr lang="zh-CN" altLang="en-US" smtClean="0"/>
-              <a:t>2019/6/11</a:t>
             </a:fld>
             <a:endParaRPr lang="zh-CN" altLang="en-US"/>
           </a:p>
@@ -2799,13 +2504,7 @@
       </p:sp>
       <p:sp>
         <p:nvSpPr>
-          <p:cNvPr id="3" name="页脚占位符 2">
-            <a:extLst>
-              <a:ext uri="{FF2B5EF4-FFF2-40B4-BE49-F238E27FC236}">
-                <a16:creationId xmlns:a16="http://schemas.microsoft.com/office/drawing/2014/main" id="{558745C8-B023-4406-9EFD-365ACBAFB5A2}"/>
-              </a:ext>
-            </a:extLst>
-          </p:cNvPr>
+          <p:cNvPr id="3" name="页脚占位符 2"/>
           <p:cNvSpPr>
             <a:spLocks noGrp="1"/>
           </p:cNvSpPr>
@@ -2824,13 +2523,7 @@
       </p:sp>
       <p:sp>
         <p:nvSpPr>
-          <p:cNvPr id="4" name="灯片编号占位符 3">
-            <a:extLst>
-              <a:ext uri="{FF2B5EF4-FFF2-40B4-BE49-F238E27FC236}">
-                <a16:creationId xmlns:a16="http://schemas.microsoft.com/office/drawing/2014/main" id="{5ED3240D-36AE-4F9C-B4D0-31DB00920E1B}"/>
-              </a:ext>
-            </a:extLst>
-          </p:cNvPr>
+          <p:cNvPr id="4" name="灯片编号占位符 3"/>
           <p:cNvSpPr>
             <a:spLocks noGrp="1"/>
           </p:cNvSpPr>
@@ -2845,18 +2538,12 @@
           <a:p>
             <a:fld id="{857345F9-384F-4D81-87CF-ACC48838300D}" type="slidenum">
               <a:rPr lang="zh-CN" altLang="en-US" smtClean="0"/>
-              <a:t>‹#›</a:t>
             </a:fld>
             <a:endParaRPr lang="zh-CN" altLang="en-US"/>
           </a:p>
         </p:txBody>
       </p:sp>
     </p:spTree>
-    <p:extLst>
-      <p:ext uri="{BB962C8B-B14F-4D97-AF65-F5344CB8AC3E}">
-        <p14:creationId xmlns:p14="http://schemas.microsoft.com/office/powerpoint/2010/main" val="1937578789"/>
-      </p:ext>
-    </p:extLst>
   </p:cSld>
   <p:clrMapOvr>
     <a:masterClrMapping/>
@@ -2883,13 +2570,7 @@
       </p:grpSpPr>
       <p:sp>
         <p:nvSpPr>
-          <p:cNvPr id="2" name="标题 1">
-            <a:extLst>
-              <a:ext uri="{FF2B5EF4-FFF2-40B4-BE49-F238E27FC236}">
-                <a16:creationId xmlns:a16="http://schemas.microsoft.com/office/drawing/2014/main" id="{EFC6D62F-11E6-4A6A-A0B3-B51F2C323C6F}"/>
-              </a:ext>
-            </a:extLst>
-          </p:cNvPr>
+          <p:cNvPr id="2" name="标题 1"/>
           <p:cNvSpPr>
             <a:spLocks noGrp="1"/>
           </p:cNvSpPr>
@@ -2915,18 +2596,13 @@
               <a:rPr lang="zh-CN" altLang="en-US"/>
               <a:t>单击此处编辑母版标题样式</a:t>
             </a:r>
-          </a:p>
-        </p:txBody>
-      </p:sp>
-      <p:sp>
-        <p:nvSpPr>
-          <p:cNvPr id="3" name="内容占位符 2">
-            <a:extLst>
-              <a:ext uri="{FF2B5EF4-FFF2-40B4-BE49-F238E27FC236}">
-                <a16:creationId xmlns:a16="http://schemas.microsoft.com/office/drawing/2014/main" id="{EC0C6C0C-CF75-4DD7-8A7C-4720A13BED4D}"/>
-              </a:ext>
-            </a:extLst>
-          </p:cNvPr>
+            <a:endParaRPr lang="zh-CN" altLang="en-US"/>
+          </a:p>
+        </p:txBody>
+      </p:sp>
+      <p:sp>
+        <p:nvSpPr>
+          <p:cNvPr id="3" name="内容占位符 2"/>
           <p:cNvSpPr>
             <a:spLocks noGrp="1"/>
           </p:cNvSpPr>
@@ -2977,6 +2653,7 @@
               <a:rPr lang="zh-CN" altLang="en-US"/>
               <a:t>单击此处编辑母版文本样式</a:t>
             </a:r>
+            <a:endParaRPr lang="zh-CN" altLang="en-US"/>
           </a:p>
           <a:p>
             <a:pPr lvl="1"/>
@@ -2984,6 +2661,7 @@
               <a:rPr lang="zh-CN" altLang="en-US"/>
               <a:t>二级</a:t>
             </a:r>
+            <a:endParaRPr lang="zh-CN" altLang="en-US"/>
           </a:p>
           <a:p>
             <a:pPr lvl="2"/>
@@ -2991,6 +2669,7 @@
               <a:rPr lang="zh-CN" altLang="en-US"/>
               <a:t>三级</a:t>
             </a:r>
+            <a:endParaRPr lang="zh-CN" altLang="en-US"/>
           </a:p>
           <a:p>
             <a:pPr lvl="3"/>
@@ -2998,6 +2677,7 @@
               <a:rPr lang="zh-CN" altLang="en-US"/>
               <a:t>四级</a:t>
             </a:r>
+            <a:endParaRPr lang="zh-CN" altLang="en-US"/>
           </a:p>
           <a:p>
             <a:pPr lvl="4"/>
@@ -3005,18 +2685,13 @@
               <a:rPr lang="zh-CN" altLang="en-US"/>
               <a:t>五级</a:t>
             </a:r>
-          </a:p>
-        </p:txBody>
-      </p:sp>
-      <p:sp>
-        <p:nvSpPr>
-          <p:cNvPr id="4" name="文本占位符 3">
-            <a:extLst>
-              <a:ext uri="{FF2B5EF4-FFF2-40B4-BE49-F238E27FC236}">
-                <a16:creationId xmlns:a16="http://schemas.microsoft.com/office/drawing/2014/main" id="{86A7F22F-BE02-4E24-A3BF-EA4980B66E90}"/>
-              </a:ext>
-            </a:extLst>
-          </p:cNvPr>
+            <a:endParaRPr lang="zh-CN" altLang="en-US"/>
+          </a:p>
+        </p:txBody>
+      </p:sp>
+      <p:sp>
+        <p:nvSpPr>
+          <p:cNvPr id="4" name="文本占位符 3"/>
           <p:cNvSpPr>
             <a:spLocks noGrp="1"/>
           </p:cNvSpPr>
@@ -3076,18 +2751,13 @@
               <a:rPr lang="zh-CN" altLang="en-US"/>
               <a:t>单击此处编辑母版文本样式</a:t>
             </a:r>
-          </a:p>
-        </p:txBody>
-      </p:sp>
-      <p:sp>
-        <p:nvSpPr>
-          <p:cNvPr id="5" name="日期占位符 4">
-            <a:extLst>
-              <a:ext uri="{FF2B5EF4-FFF2-40B4-BE49-F238E27FC236}">
-                <a16:creationId xmlns:a16="http://schemas.microsoft.com/office/drawing/2014/main" id="{C751387D-F731-4C6B-A463-94F28DD26F13}"/>
-              </a:ext>
-            </a:extLst>
-          </p:cNvPr>
+            <a:endParaRPr lang="zh-CN" altLang="en-US"/>
+          </a:p>
+        </p:txBody>
+      </p:sp>
+      <p:sp>
+        <p:nvSpPr>
+          <p:cNvPr id="5" name="日期占位符 4"/>
           <p:cNvSpPr>
             <a:spLocks noGrp="1"/>
           </p:cNvSpPr>
@@ -3102,7 +2772,6 @@
           <a:p>
             <a:fld id="{299BC13E-C5C7-4C89-AEA2-3466C529D53D}" type="datetimeFigureOut">
               <a:rPr lang="zh-CN" altLang="en-US" smtClean="0"/>
-              <a:t>2019/6/11</a:t>
             </a:fld>
             <a:endParaRPr lang="zh-CN" altLang="en-US"/>
           </a:p>
@@ -3110,13 +2779,7 @@
       </p:sp>
       <p:sp>
         <p:nvSpPr>
-          <p:cNvPr id="6" name="页脚占位符 5">
-            <a:extLst>
-              <a:ext uri="{FF2B5EF4-FFF2-40B4-BE49-F238E27FC236}">
-                <a16:creationId xmlns:a16="http://schemas.microsoft.com/office/drawing/2014/main" id="{70CBE9F2-B849-40B2-BC8C-F9089BEBE71C}"/>
-              </a:ext>
-            </a:extLst>
-          </p:cNvPr>
+          <p:cNvPr id="6" name="页脚占位符 5"/>
           <p:cNvSpPr>
             <a:spLocks noGrp="1"/>
           </p:cNvSpPr>
@@ -3135,13 +2798,7 @@
       </p:sp>
       <p:sp>
         <p:nvSpPr>
-          <p:cNvPr id="7" name="灯片编号占位符 6">
-            <a:extLst>
-              <a:ext uri="{FF2B5EF4-FFF2-40B4-BE49-F238E27FC236}">
-                <a16:creationId xmlns:a16="http://schemas.microsoft.com/office/drawing/2014/main" id="{2090DF4E-51B4-433C-9A38-B9BB655A9F49}"/>
-              </a:ext>
-            </a:extLst>
-          </p:cNvPr>
+          <p:cNvPr id="7" name="灯片编号占位符 6"/>
           <p:cNvSpPr>
             <a:spLocks noGrp="1"/>
           </p:cNvSpPr>
@@ -3156,18 +2813,12 @@
           <a:p>
             <a:fld id="{857345F9-384F-4D81-87CF-ACC48838300D}" type="slidenum">
               <a:rPr lang="zh-CN" altLang="en-US" smtClean="0"/>
-              <a:t>‹#›</a:t>
             </a:fld>
             <a:endParaRPr lang="zh-CN" altLang="en-US"/>
           </a:p>
         </p:txBody>
       </p:sp>
     </p:spTree>
-    <p:extLst>
-      <p:ext uri="{BB962C8B-B14F-4D97-AF65-F5344CB8AC3E}">
-        <p14:creationId xmlns:p14="http://schemas.microsoft.com/office/powerpoint/2010/main" val="1830688393"/>
-      </p:ext>
-    </p:extLst>
   </p:cSld>
   <p:clrMapOvr>
     <a:masterClrMapping/>
@@ -3194,13 +2845,7 @@
       </p:grpSpPr>
       <p:sp>
         <p:nvSpPr>
-          <p:cNvPr id="2" name="标题 1">
-            <a:extLst>
-              <a:ext uri="{FF2B5EF4-FFF2-40B4-BE49-F238E27FC236}">
-                <a16:creationId xmlns:a16="http://schemas.microsoft.com/office/drawing/2014/main" id="{720AD32C-22E8-4866-94BA-F912CDB68B71}"/>
-              </a:ext>
-            </a:extLst>
-          </p:cNvPr>
+          <p:cNvPr id="2" name="标题 1"/>
           <p:cNvSpPr>
             <a:spLocks noGrp="1"/>
           </p:cNvSpPr>
@@ -3226,18 +2871,13 @@
               <a:rPr lang="zh-CN" altLang="en-US"/>
               <a:t>单击此处编辑母版标题样式</a:t>
             </a:r>
-          </a:p>
-        </p:txBody>
-      </p:sp>
-      <p:sp>
-        <p:nvSpPr>
-          <p:cNvPr id="3" name="图片占位符 2">
-            <a:extLst>
-              <a:ext uri="{FF2B5EF4-FFF2-40B4-BE49-F238E27FC236}">
-                <a16:creationId xmlns:a16="http://schemas.microsoft.com/office/drawing/2014/main" id="{C89727FB-1FFC-4AA2-91BB-211B4F8361D4}"/>
-              </a:ext>
-            </a:extLst>
-          </p:cNvPr>
+            <a:endParaRPr lang="zh-CN" altLang="en-US"/>
+          </a:p>
+        </p:txBody>
+      </p:sp>
+      <p:sp>
+        <p:nvSpPr>
+          <p:cNvPr id="3" name="图片占位符 2"/>
           <p:cNvSpPr>
             <a:spLocks noGrp="1"/>
           </p:cNvSpPr>
@@ -3298,13 +2938,7 @@
       </p:sp>
       <p:sp>
         <p:nvSpPr>
-          <p:cNvPr id="4" name="文本占位符 3">
-            <a:extLst>
-              <a:ext uri="{FF2B5EF4-FFF2-40B4-BE49-F238E27FC236}">
-                <a16:creationId xmlns:a16="http://schemas.microsoft.com/office/drawing/2014/main" id="{F6CB4CE5-EA05-4A8A-9EA6-1D25A23F7641}"/>
-              </a:ext>
-            </a:extLst>
-          </p:cNvPr>
+          <p:cNvPr id="4" name="文本占位符 3"/>
           <p:cNvSpPr>
             <a:spLocks noGrp="1"/>
           </p:cNvSpPr>
@@ -3364,18 +2998,13 @@
               <a:rPr lang="zh-CN" altLang="en-US"/>
               <a:t>单击此处编辑母版文本样式</a:t>
             </a:r>
-          </a:p>
-        </p:txBody>
-      </p:sp>
-      <p:sp>
-        <p:nvSpPr>
-          <p:cNvPr id="5" name="日期占位符 4">
-            <a:extLst>
-              <a:ext uri="{FF2B5EF4-FFF2-40B4-BE49-F238E27FC236}">
-                <a16:creationId xmlns:a16="http://schemas.microsoft.com/office/drawing/2014/main" id="{81B547A2-2FFF-4B8D-9379-0805F65A31DA}"/>
-              </a:ext>
-            </a:extLst>
-          </p:cNvPr>
+            <a:endParaRPr lang="zh-CN" altLang="en-US"/>
+          </a:p>
+        </p:txBody>
+      </p:sp>
+      <p:sp>
+        <p:nvSpPr>
+          <p:cNvPr id="5" name="日期占位符 4"/>
           <p:cNvSpPr>
             <a:spLocks noGrp="1"/>
           </p:cNvSpPr>
@@ -3390,7 +3019,6 @@
           <a:p>
             <a:fld id="{299BC13E-C5C7-4C89-AEA2-3466C529D53D}" type="datetimeFigureOut">
               <a:rPr lang="zh-CN" altLang="en-US" smtClean="0"/>
-              <a:t>2019/6/11</a:t>
             </a:fld>
             <a:endParaRPr lang="zh-CN" altLang="en-US"/>
           </a:p>
@@ -3398,13 +3026,7 @@
       </p:sp>
       <p:sp>
         <p:nvSpPr>
-          <p:cNvPr id="6" name="页脚占位符 5">
-            <a:extLst>
-              <a:ext uri="{FF2B5EF4-FFF2-40B4-BE49-F238E27FC236}">
-                <a16:creationId xmlns:a16="http://schemas.microsoft.com/office/drawing/2014/main" id="{620095BF-7FB5-45BE-A775-2B1F1340519E}"/>
-              </a:ext>
-            </a:extLst>
-          </p:cNvPr>
+          <p:cNvPr id="6" name="页脚占位符 5"/>
           <p:cNvSpPr>
             <a:spLocks noGrp="1"/>
           </p:cNvSpPr>
@@ -3423,13 +3045,7 @@
       </p:sp>
       <p:sp>
         <p:nvSpPr>
-          <p:cNvPr id="7" name="灯片编号占位符 6">
-            <a:extLst>
-              <a:ext uri="{FF2B5EF4-FFF2-40B4-BE49-F238E27FC236}">
-                <a16:creationId xmlns:a16="http://schemas.microsoft.com/office/drawing/2014/main" id="{C3521958-3D8D-40A7-8824-BDB1EC47B04E}"/>
-              </a:ext>
-            </a:extLst>
-          </p:cNvPr>
+          <p:cNvPr id="7" name="灯片编号占位符 6"/>
           <p:cNvSpPr>
             <a:spLocks noGrp="1"/>
           </p:cNvSpPr>
@@ -3444,18 +3060,12 @@
           <a:p>
             <a:fld id="{857345F9-384F-4D81-87CF-ACC48838300D}" type="slidenum">
               <a:rPr lang="zh-CN" altLang="en-US" smtClean="0"/>
-              <a:t>‹#›</a:t>
             </a:fld>
             <a:endParaRPr lang="zh-CN" altLang="en-US"/>
           </a:p>
         </p:txBody>
       </p:sp>
     </p:spTree>
-    <p:extLst>
-      <p:ext uri="{BB962C8B-B14F-4D97-AF65-F5344CB8AC3E}">
-        <p14:creationId xmlns:p14="http://schemas.microsoft.com/office/powerpoint/2010/main" val="2502113621"/>
-      </p:ext>
-    </p:extLst>
   </p:cSld>
   <p:clrMapOvr>
     <a:masterClrMapping/>
@@ -3487,13 +3097,7 @@
       </p:grpSpPr>
       <p:sp>
         <p:nvSpPr>
-          <p:cNvPr id="2" name="标题占位符 1">
-            <a:extLst>
-              <a:ext uri="{FF2B5EF4-FFF2-40B4-BE49-F238E27FC236}">
-                <a16:creationId xmlns:a16="http://schemas.microsoft.com/office/drawing/2014/main" id="{F1607771-DFD1-4051-977B-9E4A60AD9DD0}"/>
-              </a:ext>
-            </a:extLst>
-          </p:cNvPr>
+          <p:cNvPr id="2" name="标题占位符 1"/>
           <p:cNvSpPr>
             <a:spLocks noGrp="1"/>
           </p:cNvSpPr>
@@ -3520,18 +3124,13 @@
               <a:rPr lang="zh-CN" altLang="en-US"/>
               <a:t>单击此处编辑母版标题样式</a:t>
             </a:r>
-          </a:p>
-        </p:txBody>
-      </p:sp>
-      <p:sp>
-        <p:nvSpPr>
-          <p:cNvPr id="3" name="文本占位符 2">
-            <a:extLst>
-              <a:ext uri="{FF2B5EF4-FFF2-40B4-BE49-F238E27FC236}">
-                <a16:creationId xmlns:a16="http://schemas.microsoft.com/office/drawing/2014/main" id="{592E6456-F05C-45A3-AC1D-71ECA7A743E4}"/>
-              </a:ext>
-            </a:extLst>
-          </p:cNvPr>
+            <a:endParaRPr lang="zh-CN" altLang="en-US"/>
+          </a:p>
+        </p:txBody>
+      </p:sp>
+      <p:sp>
+        <p:nvSpPr>
+          <p:cNvPr id="3" name="文本占位符 2"/>
           <p:cNvSpPr>
             <a:spLocks noGrp="1"/>
           </p:cNvSpPr>
@@ -3559,6 +3158,7 @@
               <a:rPr lang="zh-CN" altLang="en-US"/>
               <a:t>单击此处编辑母版文本样式</a:t>
             </a:r>
+            <a:endParaRPr lang="zh-CN" altLang="en-US"/>
           </a:p>
           <a:p>
             <a:pPr lvl="1"/>
@@ -3566,6 +3166,7 @@
               <a:rPr lang="zh-CN" altLang="en-US"/>
               <a:t>二级</a:t>
             </a:r>
+            <a:endParaRPr lang="zh-CN" altLang="en-US"/>
           </a:p>
           <a:p>
             <a:pPr lvl="2"/>
@@ -3573,6 +3174,7 @@
               <a:rPr lang="zh-CN" altLang="en-US"/>
               <a:t>三级</a:t>
             </a:r>
+            <a:endParaRPr lang="zh-CN" altLang="en-US"/>
           </a:p>
           <a:p>
             <a:pPr lvl="3"/>
@@ -3580,6 +3182,7 @@
               <a:rPr lang="zh-CN" altLang="en-US"/>
               <a:t>四级</a:t>
             </a:r>
+            <a:endParaRPr lang="zh-CN" altLang="en-US"/>
           </a:p>
           <a:p>
             <a:pPr lvl="4"/>
@@ -3587,18 +3190,13 @@
               <a:rPr lang="zh-CN" altLang="en-US"/>
               <a:t>五级</a:t>
             </a:r>
-          </a:p>
-        </p:txBody>
-      </p:sp>
-      <p:sp>
-        <p:nvSpPr>
-          <p:cNvPr id="4" name="日期占位符 3">
-            <a:extLst>
-              <a:ext uri="{FF2B5EF4-FFF2-40B4-BE49-F238E27FC236}">
-                <a16:creationId xmlns:a16="http://schemas.microsoft.com/office/drawing/2014/main" id="{C4FA68E3-4B6B-41FA-9D0C-30F6FF923CB7}"/>
-              </a:ext>
-            </a:extLst>
-          </p:cNvPr>
+            <a:endParaRPr lang="zh-CN" altLang="en-US"/>
+          </a:p>
+        </p:txBody>
+      </p:sp>
+      <p:sp>
+        <p:nvSpPr>
+          <p:cNvPr id="4" name="日期占位符 3"/>
           <p:cNvSpPr>
             <a:spLocks noGrp="1"/>
           </p:cNvSpPr>
@@ -3631,7 +3229,6 @@
           <a:p>
             <a:fld id="{299BC13E-C5C7-4C89-AEA2-3466C529D53D}" type="datetimeFigureOut">
               <a:rPr lang="zh-CN" altLang="en-US" smtClean="0"/>
-              <a:t>2019/6/11</a:t>
             </a:fld>
             <a:endParaRPr lang="zh-CN" altLang="en-US"/>
           </a:p>
@@ -3639,13 +3236,7 @@
       </p:sp>
       <p:sp>
         <p:nvSpPr>
-          <p:cNvPr id="5" name="页脚占位符 4">
-            <a:extLst>
-              <a:ext uri="{FF2B5EF4-FFF2-40B4-BE49-F238E27FC236}">
-                <a16:creationId xmlns:a16="http://schemas.microsoft.com/office/drawing/2014/main" id="{E23E4D58-609D-4F5A-8E68-D46BF50D8283}"/>
-              </a:ext>
-            </a:extLst>
-          </p:cNvPr>
+          <p:cNvPr id="5" name="页脚占位符 4"/>
           <p:cNvSpPr>
             <a:spLocks noGrp="1"/>
           </p:cNvSpPr>
@@ -3682,13 +3273,7 @@
       </p:sp>
       <p:sp>
         <p:nvSpPr>
-          <p:cNvPr id="6" name="灯片编号占位符 5">
-            <a:extLst>
-              <a:ext uri="{FF2B5EF4-FFF2-40B4-BE49-F238E27FC236}">
-                <a16:creationId xmlns:a16="http://schemas.microsoft.com/office/drawing/2014/main" id="{CB59C3F9-D183-4CBF-8A93-CAD4C274A66F}"/>
-              </a:ext>
-            </a:extLst>
-          </p:cNvPr>
+          <p:cNvPr id="6" name="灯片编号占位符 5"/>
           <p:cNvSpPr>
             <a:spLocks noGrp="1"/>
           </p:cNvSpPr>
@@ -3721,18 +3306,12 @@
           <a:p>
             <a:fld id="{857345F9-384F-4D81-87CF-ACC48838300D}" type="slidenum">
               <a:rPr lang="zh-CN" altLang="en-US" smtClean="0"/>
-              <a:t>‹#›</a:t>
             </a:fld>
             <a:endParaRPr lang="zh-CN" altLang="en-US"/>
           </a:p>
         </p:txBody>
       </p:sp>
     </p:spTree>
-    <p:extLst>
-      <p:ext uri="{BB962C8B-B14F-4D97-AF65-F5344CB8AC3E}">
-        <p14:creationId xmlns:p14="http://schemas.microsoft.com/office/powerpoint/2010/main" val="739564004"/>
-      </p:ext>
-    </p:extLst>
   </p:cSld>
   <p:clrMap bg1="lt1" tx1="dk1" bg2="lt2" tx2="dk2" accent1="accent1" accent2="accent2" accent3="accent3" accent4="accent4" accent5="accent5" accent6="accent6" hlink="hlink" folHlink="folHlink"/>
   <p:sldLayoutIdLst>
@@ -4050,60 +3629,442 @@
       </p:grpSpPr>
       <p:sp>
         <p:nvSpPr>
-          <p:cNvPr id="2" name="标题 1">
+          <p:cNvPr id="2" name="标题 1"/>
+          <p:cNvSpPr>
+            <a:spLocks noGrp="1"/>
+          </p:cNvSpPr>
+          <p:nvPr>
+            <p:ph type="ctrTitle"/>
+          </p:nvPr>
+        </p:nvSpPr>
+        <p:spPr/>
+        <p:txBody>
+          <a:bodyPr/>
+          <a:lstStyle/>
+          <a:p>
+            <a:r>
+              <a:rPr lang="en-US" altLang="zh-CN" dirty="0"/>
+              <a:t>Unity</a:t>
+            </a:r>
+            <a:r>
+              <a:rPr lang="zh-CN" altLang="en-US" dirty="0"/>
+              <a:t>引擎和游戏框架设计</a:t>
+            </a:r>
+            <a:endParaRPr lang="zh-CN" altLang="en-US" dirty="0"/>
+          </a:p>
+        </p:txBody>
+      </p:sp>
+      <p:sp>
+        <p:nvSpPr>
+          <p:cNvPr id="3" name="副标题 2"/>
+          <p:cNvSpPr>
+            <a:spLocks noGrp="1"/>
+          </p:cNvSpPr>
+          <p:nvPr>
+            <p:ph type="subTitle" idx="1"/>
+          </p:nvPr>
+        </p:nvSpPr>
+        <p:spPr/>
+        <p:txBody>
+          <a:bodyPr/>
+          <a:lstStyle/>
+          <a:p>
+            <a:r>
+              <a:rPr lang="zh-CN" altLang="en-US" dirty="0"/>
+              <a:t>研发五部</a:t>
+            </a:r>
+            <a:r>
+              <a:rPr lang="en-US" altLang="zh-CN" dirty="0"/>
+              <a:t>-</a:t>
+            </a:r>
+            <a:r>
+              <a:rPr lang="zh-CN" altLang="en-US" dirty="0"/>
+              <a:t>吴保情</a:t>
+            </a:r>
+            <a:endParaRPr lang="zh-CN" altLang="en-US" dirty="0"/>
+          </a:p>
+        </p:txBody>
+      </p:sp>
+    </p:spTree>
+  </p:cSld>
+  <p:clrMapOvr>
+    <a:masterClrMapping/>
+  </p:clrMapOvr>
+</p:sld>
+</file>
+
+<file path=ppt/slides/slide10.xml><?xml version="1.0" encoding="utf-8"?>
+<p:sld xmlns:a="http://schemas.openxmlformats.org/drawingml/2006/main" xmlns:r="http://schemas.openxmlformats.org/officeDocument/2006/relationships" xmlns:p="http://schemas.openxmlformats.org/presentationml/2006/main">
+  <p:cSld>
+    <p:spTree>
+      <p:nvGrpSpPr>
+        <p:cNvPr id="1" name=""/>
+        <p:cNvGrpSpPr/>
+        <p:nvPr/>
+      </p:nvGrpSpPr>
+      <p:grpSpPr>
+        <a:xfrm>
+          <a:off x="0" y="0"/>
+          <a:ext cx="0" cy="0"/>
+          <a:chOff x="0" y="0"/>
+          <a:chExt cx="0" cy="0"/>
+        </a:xfrm>
+      </p:grpSpPr>
+      <p:sp>
+        <p:nvSpPr>
+          <p:cNvPr id="2" name="标题 1"/>
+          <p:cNvSpPr>
+            <a:spLocks noGrp="1"/>
+          </p:cNvSpPr>
+          <p:nvPr>
+            <p:ph type="title"/>
+          </p:nvPr>
+        </p:nvSpPr>
+        <p:spPr/>
+        <p:txBody>
+          <a:bodyPr/>
+          <a:lstStyle/>
+          <a:p>
+            <a:r>
+              <a:rPr lang="en-US" altLang="zh-CN" dirty="0"/>
+              <a:t>Unity</a:t>
+            </a:r>
+            <a:r>
+              <a:rPr lang="zh-CN" altLang="en-US" dirty="0"/>
+              <a:t>容易上手</a:t>
+            </a:r>
+            <a:r>
+              <a:rPr lang="zh-CN" altLang="en-US" dirty="0"/>
+              <a:t>编辑器功能</a:t>
+            </a:r>
+            <a:endParaRPr lang="zh-CN" altLang="en-US" dirty="0"/>
+          </a:p>
+        </p:txBody>
+      </p:sp>
+      <p:pic>
+        <p:nvPicPr>
+          <p:cNvPr id="5" name="内容占位符 4"/>
+          <p:cNvPicPr>
+            <a:picLocks noGrp="1" noChangeAspect="1"/>
+          </p:cNvPicPr>
+          <p:nvPr>
+            <p:ph idx="1"/>
+          </p:nvPr>
+        </p:nvPicPr>
+        <p:blipFill>
+          <a:blip r:embed="rId1">
             <a:extLst>
-              <a:ext uri="{FF2B5EF4-FFF2-40B4-BE49-F238E27FC236}">
-                <a16:creationId xmlns:a16="http://schemas.microsoft.com/office/drawing/2014/main" id="{81229057-1C5A-4EA9-BA6A-FD914610275F}"/>
+              <a:ext uri="{28A0092B-C50C-407E-A947-70E740481C1C}">
+                <a14:useLocalDpi xmlns:a14="http://schemas.microsoft.com/office/drawing/2010/main" val="0"/>
               </a:ext>
             </a:extLst>
-          </p:cNvPr>
-          <p:cNvSpPr>
-            <a:spLocks noGrp="1"/>
-          </p:cNvSpPr>
-          <p:nvPr>
-            <p:ph type="ctrTitle"/>
-          </p:nvPr>
-        </p:nvSpPr>
-        <p:spPr/>
-        <p:txBody>
-          <a:bodyPr/>
-          <a:lstStyle/>
-          <a:p>
+          </a:blip>
+          <a:stretch>
+            <a:fillRect/>
+          </a:stretch>
+        </p:blipFill>
+        <p:spPr>
+          <a:xfrm>
+            <a:off x="1028113" y="1690687"/>
+            <a:ext cx="9216718" cy="5009917"/>
+          </a:xfrm>
+        </p:spPr>
+      </p:pic>
+    </p:spTree>
+  </p:cSld>
+  <p:clrMapOvr>
+    <a:masterClrMapping/>
+  </p:clrMapOvr>
+</p:sld>
+</file>
+
+<file path=ppt/slides/slide11.xml><?xml version="1.0" encoding="utf-8"?>
+<p:sld xmlns:a="http://schemas.openxmlformats.org/drawingml/2006/main" xmlns:r="http://schemas.openxmlformats.org/officeDocument/2006/relationships" xmlns:p="http://schemas.openxmlformats.org/presentationml/2006/main">
+  <p:cSld>
+    <p:spTree>
+      <p:nvGrpSpPr>
+        <p:cNvPr id="1" name=""/>
+        <p:cNvGrpSpPr/>
+        <p:nvPr/>
+      </p:nvGrpSpPr>
+      <p:grpSpPr>
+        <a:xfrm>
+          <a:off x="0" y="0"/>
+          <a:ext cx="0" cy="0"/>
+          <a:chOff x="0" y="0"/>
+          <a:chExt cx="0" cy="0"/>
+        </a:xfrm>
+      </p:grpSpPr>
+      <p:sp>
+        <p:nvSpPr>
+          <p:cNvPr id="3" name="内容占位符 2"/>
+          <p:cNvSpPr>
+            <a:spLocks noGrp="1"/>
+          </p:cNvSpPr>
+          <p:nvPr>
+            <p:ph idx="1"/>
+          </p:nvPr>
+        </p:nvSpPr>
+        <p:spPr>
+          <a:xfrm>
+            <a:off x="838200" y="476655"/>
+            <a:ext cx="10515600" cy="5700308"/>
+          </a:xfrm>
+        </p:spPr>
+        <p:txBody>
+          <a:bodyPr/>
+          <a:lstStyle/>
+          <a:p>
+            <a:endParaRPr lang="zh-CN" altLang="en-US" dirty="0"/>
+          </a:p>
+          <a:p>
+            <a:pPr marL="0" indent="0">
+              <a:buNone/>
+            </a:pPr>
+            <a:r>
+              <a:rPr lang="zh-CN" altLang="en-US" dirty="0"/>
+              <a:t>大家刚刚做</a:t>
+            </a:r>
+            <a:r>
+              <a:rPr lang="en-US" altLang="zh-CN" dirty="0"/>
+              <a:t>Unity </a:t>
+            </a:r>
+            <a:r>
+              <a:rPr lang="zh-CN" altLang="en-US" dirty="0"/>
+              <a:t>项目的时候，都喜欢使用</a:t>
+            </a:r>
+            <a:r>
+              <a:rPr lang="en-US" altLang="zh-CN" dirty="0" err="1"/>
+              <a:t>Untiy</a:t>
+            </a:r>
+            <a:r>
+              <a:rPr lang="zh-CN" altLang="en-US" dirty="0"/>
+              <a:t>自带的场景编辑器编辑完想要的</a:t>
+            </a:r>
+            <a:r>
+              <a:rPr lang="en-US" altLang="zh-CN" dirty="0"/>
+              <a:t>3D</a:t>
+            </a:r>
+            <a:r>
+              <a:rPr lang="zh-CN" altLang="en-US" dirty="0"/>
+              <a:t>场景。在场景里面放一个主角。放上很多怪物。再给这个角色添加很多组件，物理特性，添加动画组件</a:t>
+            </a:r>
+            <a:r>
+              <a:rPr lang="en-US" altLang="zh-CN" dirty="0"/>
+              <a:t>FSM</a:t>
+            </a:r>
+            <a:r>
+              <a:rPr lang="zh-CN" altLang="en-US" dirty="0"/>
+              <a:t>。直接写代码挂在角色上面。</a:t>
+            </a:r>
+            <a:endParaRPr lang="zh-CN" altLang="en-US" dirty="0"/>
+          </a:p>
+          <a:p>
+            <a:pPr marL="0" indent="0">
+              <a:buNone/>
+            </a:pPr>
+            <a:r>
+              <a:rPr lang="zh-CN" altLang="en-US" dirty="0"/>
+              <a:t>看起来，没问题。很简单也容易理解。这样制作一个简单</a:t>
+            </a:r>
+            <a:r>
+              <a:rPr lang="en-US" altLang="zh-CN" dirty="0"/>
+              <a:t>demo</a:t>
+            </a:r>
+            <a:r>
+              <a:rPr lang="zh-CN" altLang="en-US" dirty="0"/>
+              <a:t>或者小游戏这样制作流程可能是没问题。</a:t>
+            </a:r>
+            <a:endParaRPr lang="zh-CN" altLang="en-US" dirty="0"/>
+          </a:p>
+        </p:txBody>
+      </p:sp>
+    </p:spTree>
+  </p:cSld>
+  <p:clrMapOvr>
+    <a:masterClrMapping/>
+  </p:clrMapOvr>
+</p:sld>
+</file>
+
+<file path=ppt/slides/slide12.xml><?xml version="1.0" encoding="utf-8"?>
+<p:sld xmlns:a="http://schemas.openxmlformats.org/drawingml/2006/main" xmlns:r="http://schemas.openxmlformats.org/officeDocument/2006/relationships" xmlns:p="http://schemas.openxmlformats.org/presentationml/2006/main">
+  <p:cSld>
+    <p:spTree>
+      <p:nvGrpSpPr>
+        <p:cNvPr id="1" name=""/>
+        <p:cNvGrpSpPr/>
+        <p:nvPr/>
+      </p:nvGrpSpPr>
+      <p:grpSpPr>
+        <a:xfrm>
+          <a:off x="0" y="0"/>
+          <a:ext cx="0" cy="0"/>
+          <a:chOff x="0" y="0"/>
+          <a:chExt cx="0" cy="0"/>
+        </a:xfrm>
+      </p:grpSpPr>
+      <p:sp>
+        <p:nvSpPr>
+          <p:cNvPr id="3" name="内容占位符 2"/>
+          <p:cNvSpPr>
+            <a:spLocks noGrp="1"/>
+          </p:cNvSpPr>
+          <p:nvPr>
+            <p:ph idx="1"/>
+          </p:nvPr>
+        </p:nvSpPr>
+        <p:spPr>
+          <a:xfrm>
+            <a:off x="838200" y="622570"/>
+            <a:ext cx="10515600" cy="5554393"/>
+          </a:xfrm>
+        </p:spPr>
+        <p:txBody>
+          <a:bodyPr>
+            <a:normAutofit/>
+          </a:bodyPr>
+          <a:lstStyle/>
+          <a:p>
+            <a:pPr marL="0" indent="0">
+              <a:buNone/>
+            </a:pPr>
+            <a:r>
+              <a:rPr lang="zh-CN" altLang="en-US" dirty="0"/>
+              <a:t>比如我们打个比方，我们要个</a:t>
+            </a:r>
+            <a:r>
+              <a:rPr lang="en-US" altLang="zh-CN" dirty="0"/>
+              <a:t>SLG</a:t>
+            </a:r>
+            <a:r>
+              <a:rPr lang="zh-CN" altLang="en-US" dirty="0"/>
+              <a:t>游戏，就像公司的招牌项目</a:t>
+            </a:r>
+            <a:r>
+              <a:rPr lang="en-US" altLang="zh-CN" dirty="0"/>
+              <a:t>Lord Mobile</a:t>
+            </a:r>
+            <a:r>
+              <a:rPr lang="zh-CN" altLang="en-US" dirty="0"/>
+              <a:t>，这样的有一个大世界的室外场景。如果直接把所有的东西直接放在</a:t>
+            </a:r>
             <a:r>
               <a:rPr lang="en-US" altLang="zh-CN" dirty="0"/>
               <a:t>Unity</a:t>
             </a:r>
             <a:r>
               <a:rPr lang="zh-CN" altLang="en-US" dirty="0"/>
-              <a:t>引擎和游戏框架设计</a:t>
-            </a:r>
-          </a:p>
-        </p:txBody>
-      </p:sp>
-      <p:sp>
-        <p:nvSpPr>
-          <p:cNvPr id="3" name="副标题 2">
-            <a:extLst>
-              <a:ext uri="{FF2B5EF4-FFF2-40B4-BE49-F238E27FC236}">
-                <a16:creationId xmlns:a16="http://schemas.microsoft.com/office/drawing/2014/main" id="{CBB582B9-2161-4A43-A0F1-DC056308C8D3}"/>
-              </a:ext>
-            </a:extLst>
-          </p:cNvPr>
-          <p:cNvSpPr>
-            <a:spLocks noGrp="1"/>
-          </p:cNvSpPr>
-          <p:nvPr>
-            <p:ph type="subTitle" idx="1"/>
-          </p:nvPr>
-        </p:nvSpPr>
-        <p:spPr/>
-        <p:txBody>
-          <a:bodyPr/>
-          <a:lstStyle/>
-          <a:p>
+              <a:t>自带的场景编辑器中。我们会遇到什么问题？</a:t>
+            </a:r>
+            <a:endParaRPr lang="zh-CN" altLang="en-US" dirty="0"/>
+          </a:p>
+          <a:p>
+            <a:pPr marL="0" indent="0">
+              <a:buNone/>
+            </a:pPr>
+            <a:r>
+              <a:rPr lang="en-US" altLang="zh-CN" dirty="0"/>
+              <a:t>1.0 </a:t>
+            </a:r>
             <a:r>
               <a:rPr lang="zh-CN" altLang="en-US" dirty="0"/>
-              <a:t>研发五部</a:t>
+              <a:t>游戏可能跑不起来，随着世界越来越大，资源越来越多。这个场景会越来越复杂，可能在加载场景手机就闪退了。不可控。</a:t>
+            </a:r>
+            <a:endParaRPr lang="zh-CN" altLang="en-US" dirty="0"/>
+          </a:p>
+          <a:p>
+            <a:pPr marL="0" indent="0">
+              <a:buNone/>
+            </a:pPr>
+            <a:r>
+              <a:rPr lang="en-US" altLang="zh-CN" dirty="0"/>
+              <a:t>2.0 </a:t>
+            </a:r>
+            <a:r>
+              <a:rPr lang="zh-CN" altLang="en-US" dirty="0"/>
+              <a:t>第二制作流程行不通，因为就一个场景文件。我们整个项目组有好几个地编，如何让他们协同制作呢？</a:t>
+            </a:r>
+            <a:endParaRPr lang="zh-CN" altLang="en-US" dirty="0"/>
+          </a:p>
+          <a:p>
+            <a:pPr marL="0" indent="0">
+              <a:buNone/>
+            </a:pPr>
+            <a:r>
+              <a:rPr lang="en-US" altLang="zh-CN" dirty="0"/>
+              <a:t>3.0 </a:t>
+            </a:r>
+            <a:r>
+              <a:rPr lang="zh-CN" altLang="en-US" dirty="0"/>
+              <a:t>如果这是个网络游戏，角色随时会改变的，怪物也是动态改变的。</a:t>
+            </a:r>
+            <a:endParaRPr lang="zh-CN" altLang="en-US" dirty="0"/>
+          </a:p>
+          <a:p>
+            <a:pPr marL="0" indent="0">
+              <a:buNone/>
+            </a:pPr>
+            <a:r>
+              <a:rPr lang="en-US" altLang="zh-CN" dirty="0"/>
+              <a:t>4.0 </a:t>
+            </a:r>
+            <a:r>
+              <a:rPr lang="zh-CN" altLang="en-US" dirty="0"/>
+              <a:t>如果这个动画系统随着角色升级，动画不一样呢？</a:t>
+            </a:r>
+            <a:endParaRPr lang="zh-CN" altLang="en-US" dirty="0"/>
+          </a:p>
+        </p:txBody>
+      </p:sp>
+    </p:spTree>
+  </p:cSld>
+  <p:clrMapOvr>
+    <a:masterClrMapping/>
+  </p:clrMapOvr>
+</p:sld>
+</file>
+
+<file path=ppt/slides/slide13.xml><?xml version="1.0" encoding="utf-8"?>
+<p:sld xmlns:a="http://schemas.openxmlformats.org/drawingml/2006/main" xmlns:r="http://schemas.openxmlformats.org/officeDocument/2006/relationships" xmlns:p="http://schemas.openxmlformats.org/presentationml/2006/main">
+  <p:cSld>
+    <p:spTree>
+      <p:nvGrpSpPr>
+        <p:cNvPr id="1" name=""/>
+        <p:cNvGrpSpPr/>
+        <p:nvPr/>
+      </p:nvGrpSpPr>
+      <p:grpSpPr>
+        <a:xfrm>
+          <a:off x="0" y="0"/>
+          <a:ext cx="0" cy="0"/>
+          <a:chOff x="0" y="0"/>
+          <a:chExt cx="0" cy="0"/>
+        </a:xfrm>
+      </p:grpSpPr>
+      <p:sp>
+        <p:nvSpPr>
+          <p:cNvPr id="3" name="内容占位符 2"/>
+          <p:cNvSpPr>
+            <a:spLocks noGrp="1"/>
+          </p:cNvSpPr>
+          <p:nvPr>
+            <p:ph idx="1"/>
+          </p:nvPr>
+        </p:nvSpPr>
+        <p:spPr>
+          <a:xfrm>
+            <a:off x="838200" y="301557"/>
+            <a:ext cx="10515600" cy="5875406"/>
+          </a:xfrm>
+        </p:spPr>
+        <p:txBody>
+          <a:bodyPr/>
+          <a:lstStyle/>
+          <a:p>
+            <a:r>
+              <a:rPr lang="zh-CN" altLang="en-US" dirty="0"/>
+              <a:t> 可维护</a:t>
             </a:r>
             <a:r>
               <a:rPr lang="en-US" altLang="zh-CN" dirty="0"/>
@@ -4111,17 +4072,79 @@
             </a:r>
             <a:r>
               <a:rPr lang="zh-CN" altLang="en-US" dirty="0"/>
-              <a:t>吴保情</a:t>
-            </a:r>
+              <a:t>好拓展</a:t>
+            </a:r>
+            <a:endParaRPr lang="en-US" altLang="zh-CN" dirty="0"/>
+          </a:p>
+          <a:p>
+            <a:r>
+              <a:rPr lang="en-US" altLang="zh-CN" dirty="0"/>
+              <a:t> </a:t>
+            </a:r>
+            <a:r>
+              <a:rPr lang="zh-CN" altLang="en-US" dirty="0"/>
+              <a:t>性能可控</a:t>
+            </a:r>
+            <a:r>
+              <a:rPr lang="en-US" altLang="zh-CN" dirty="0"/>
+              <a:t>-</a:t>
+            </a:r>
+            <a:r>
+              <a:rPr lang="zh-CN" altLang="en-US" dirty="0"/>
+              <a:t>不能非常卡顿</a:t>
+            </a:r>
+            <a:endParaRPr lang="en-US" altLang="zh-CN" dirty="0"/>
+          </a:p>
+          <a:p>
+            <a:r>
+              <a:rPr lang="en-US" altLang="zh-CN" dirty="0"/>
+              <a:t> </a:t>
+            </a:r>
+            <a:r>
+              <a:rPr lang="zh-CN" altLang="en-US" dirty="0"/>
+              <a:t>内存可控</a:t>
+            </a:r>
+            <a:r>
+              <a:rPr lang="en-US" altLang="zh-CN" dirty="0"/>
+              <a:t>-</a:t>
+            </a:r>
+            <a:r>
+              <a:rPr lang="zh-CN" altLang="en-US" dirty="0"/>
+              <a:t>不能闪退</a:t>
+            </a:r>
+            <a:endParaRPr lang="en-US" altLang="zh-CN" dirty="0"/>
+          </a:p>
+          <a:p>
+            <a:r>
+              <a:rPr lang="zh-CN" altLang="en-US" dirty="0"/>
+              <a:t>制作流程可控</a:t>
+            </a:r>
+            <a:r>
+              <a:rPr lang="en-US" altLang="zh-CN" dirty="0"/>
+              <a:t>-</a:t>
+            </a:r>
+            <a:r>
+              <a:rPr lang="zh-CN" altLang="en-US" dirty="0"/>
+              <a:t>制作流程要清楚，可实现</a:t>
+            </a:r>
+            <a:endParaRPr lang="en-US" altLang="zh-CN" dirty="0"/>
+          </a:p>
+          <a:p>
+            <a:pPr marL="0" indent="0">
+              <a:buNone/>
+            </a:pPr>
+            <a:r>
+              <a:rPr lang="en-US" altLang="zh-CN" dirty="0"/>
+              <a:t>......</a:t>
+            </a:r>
+            <a:endParaRPr lang="en-US" altLang="zh-CN" dirty="0"/>
+          </a:p>
+          <a:p>
+            <a:endParaRPr lang="zh-CN" altLang="en-US" dirty="0"/>
           </a:p>
         </p:txBody>
       </p:sp>
     </p:spTree>
-    <p:extLst>
-      <p:ext uri="{BB962C8B-B14F-4D97-AF65-F5344CB8AC3E}">
-        <p14:creationId xmlns:p14="http://schemas.microsoft.com/office/powerpoint/2010/main" val="1762664360"/>
-      </p:ext>
-    </p:extLst>
   </p:cSld>
   <p:clrMapOvr>
     <a:masterClrMapping/>
@@ -4138,23 +4161,10 @@
         <p:cNvGrpSpPr/>
         <p:nvPr/>
       </p:nvGrpSpPr>
-      <p:grpSpPr>
-        <a:xfrm>
-          <a:off x="0" y="0"/>
-          <a:ext cx="0" cy="0"/>
-          <a:chOff x="0" y="0"/>
-          <a:chExt cx="0" cy="0"/>
-        </a:xfrm>
-      </p:grpSpPr>
-      <p:sp>
-        <p:nvSpPr>
-          <p:cNvPr id="3" name="内容占位符 2">
-            <a:extLst>
-              <a:ext uri="{FF2B5EF4-FFF2-40B4-BE49-F238E27FC236}">
-                <a16:creationId xmlns:a16="http://schemas.microsoft.com/office/drawing/2014/main" id="{EEF098CE-B440-44E8-8BD6-353ECF8FB45F}"/>
-              </a:ext>
-            </a:extLst>
-          </p:cNvPr>
+      <p:grpSpPr/>
+      <p:sp>
+        <p:nvSpPr>
+          <p:cNvPr id="3" name="内容占位符 2"/>
           <p:cNvSpPr>
             <a:spLocks noGrp="1"/>
           </p:cNvSpPr>
@@ -4164,68 +4174,94 @@
         </p:nvSpPr>
         <p:spPr>
           <a:xfrm>
-            <a:off x="838200" y="291830"/>
-            <a:ext cx="10515600" cy="5885133"/>
+            <a:off x="838200" y="329565"/>
+            <a:ext cx="10515600" cy="5847715"/>
           </a:xfrm>
         </p:spPr>
         <p:txBody>
           <a:bodyPr/>
-          <a:lstStyle/>
-          <a:p>
-            <a:r>
-              <a:rPr lang="en-US" altLang="zh-CN" dirty="0"/>
+          <a:p>
+            <a:r>
+              <a:rPr lang="zh-CN" altLang="en-US"/>
+              <a:t>游戏引擎是什么？</a:t>
+            </a:r>
+            <a:endParaRPr lang="zh-CN" altLang="en-US"/>
+          </a:p>
+          <a:p>
+            <a:pPr marL="0" indent="0">
+              <a:buNone/>
+            </a:pPr>
+            <a:r>
+              <a:rPr lang="en-US" altLang="zh-CN"/>
+              <a:t>-</a:t>
+            </a:r>
+            <a:r>
+              <a:rPr lang="zh-CN" altLang="en-US"/>
+              <a:t>代码工具箱，节省专业并且重复的工作</a:t>
+            </a:r>
+            <a:endParaRPr lang="zh-CN" altLang="en-US"/>
+          </a:p>
+          <a:p>
+            <a:pPr marL="0" indent="0">
+              <a:buNone/>
+            </a:pPr>
+            <a:endParaRPr lang="zh-CN" altLang="en-US"/>
+          </a:p>
+          <a:p>
+            <a:pPr marL="0" indent="0">
+              <a:buNone/>
+            </a:pPr>
+            <a:r>
+              <a:rPr lang="zh-CN" altLang="en-US"/>
+              <a:t>游戏引擎有什么</a:t>
+            </a:r>
+            <a:endParaRPr lang="zh-CN" altLang="en-US"/>
+          </a:p>
+          <a:p>
+            <a:pPr marL="0" indent="0">
+              <a:buNone/>
+            </a:pPr>
+            <a:r>
+              <a:rPr lang="en-US" altLang="zh-CN"/>
+              <a:t>-</a:t>
+            </a:r>
+            <a:r>
+              <a:rPr lang="zh-CN" altLang="en-US"/>
+              <a:t>渲染，物理，动画，</a:t>
+            </a:r>
+            <a:r>
+              <a:rPr lang="en-US" altLang="zh-CN"/>
+              <a:t>UI</a:t>
+            </a:r>
+            <a:r>
+              <a:rPr lang="zh-CN" altLang="en-US"/>
+              <a:t>，音频，网络等等组件</a:t>
+            </a:r>
+            <a:endParaRPr lang="zh-CN" altLang="en-US"/>
+          </a:p>
+          <a:p>
+            <a:pPr marL="0" indent="0">
+              <a:buNone/>
+            </a:pPr>
+            <a:endParaRPr lang="zh-CN" altLang="en-US"/>
+          </a:p>
+          <a:p>
+            <a:pPr marL="0" indent="0">
+              <a:buNone/>
+            </a:pPr>
+            <a:r>
+              <a:rPr lang="en-US" altLang="zh-CN"/>
               <a:t>Unity</a:t>
             </a:r>
             <a:r>
-              <a:rPr lang="zh-CN" altLang="en-US" dirty="0"/>
-              <a:t>的设计理念</a:t>
-            </a:r>
-            <a:endParaRPr lang="en-US" altLang="zh-CN" dirty="0"/>
-          </a:p>
-          <a:p>
-            <a:pPr marL="0" indent="0">
-              <a:buNone/>
-            </a:pPr>
-            <a:endParaRPr lang="en-US" altLang="zh-CN" dirty="0"/>
-          </a:p>
-          <a:p>
-            <a:pPr marL="0" indent="0">
-              <a:buNone/>
-            </a:pPr>
-            <a:r>
-              <a:rPr lang="zh-CN" altLang="en-US" dirty="0"/>
-              <a:t>所见即所得的开发流程，通过</a:t>
-            </a:r>
-            <a:r>
-              <a:rPr lang="en-US" altLang="zh-CN" dirty="0"/>
-              <a:t>Unity</a:t>
-            </a:r>
-            <a:r>
-              <a:rPr lang="zh-CN" altLang="en-US" dirty="0"/>
-              <a:t>自带的场景编辑器。可以动态添加各种组件，添加脚本。</a:t>
-            </a:r>
-            <a:endParaRPr lang="en-US" altLang="zh-CN" dirty="0"/>
-          </a:p>
-          <a:p>
-            <a:pPr marL="0" indent="0">
-              <a:buNone/>
-            </a:pPr>
-            <a:endParaRPr lang="en-US" altLang="zh-CN" dirty="0"/>
-          </a:p>
-          <a:p>
-            <a:pPr marL="0" indent="0">
-              <a:buNone/>
-            </a:pPr>
-            <a:endParaRPr lang="en-US" altLang="zh-CN" dirty="0"/>
+              <a:rPr lang="zh-CN" altLang="en-US"/>
+              <a:t>引擎是通用引擎不单单是为制作游戏而开发的。</a:t>
+            </a:r>
+            <a:endParaRPr lang="zh-CN" altLang="en-US"/>
           </a:p>
         </p:txBody>
       </p:sp>
     </p:spTree>
-    <p:extLst>
-      <p:ext uri="{BB962C8B-B14F-4D97-AF65-F5344CB8AC3E}">
-        <p14:creationId xmlns:p14="http://schemas.microsoft.com/office/powerpoint/2010/main" val="60828589"/>
-      </p:ext>
-    </p:extLst>
   </p:cSld>
   <p:clrMapOvr>
     <a:masterClrMapping/>
@@ -4242,55 +4278,10 @@
         <p:cNvGrpSpPr/>
         <p:nvPr/>
       </p:nvGrpSpPr>
-      <p:grpSpPr>
-        <a:xfrm>
-          <a:off x="0" y="0"/>
-          <a:ext cx="0" cy="0"/>
-          <a:chOff x="0" y="0"/>
-          <a:chExt cx="0" cy="0"/>
-        </a:xfrm>
-      </p:grpSpPr>
-      <p:sp>
-        <p:nvSpPr>
-          <p:cNvPr id="2" name="标题 1">
-            <a:extLst>
-              <a:ext uri="{FF2B5EF4-FFF2-40B4-BE49-F238E27FC236}">
-                <a16:creationId xmlns:a16="http://schemas.microsoft.com/office/drawing/2014/main" id="{08135229-847B-4DC7-885C-EF1926C4773E}"/>
-              </a:ext>
-            </a:extLst>
-          </p:cNvPr>
-          <p:cNvSpPr>
-            <a:spLocks noGrp="1"/>
-          </p:cNvSpPr>
-          <p:nvPr>
-            <p:ph type="title"/>
-          </p:nvPr>
-        </p:nvSpPr>
-        <p:spPr/>
-        <p:txBody>
-          <a:bodyPr/>
-          <a:lstStyle/>
-          <a:p>
-            <a:r>
-              <a:rPr lang="en-US" altLang="zh-CN" dirty="0"/>
-              <a:t>Unity</a:t>
-            </a:r>
-            <a:r>
-              <a:rPr lang="zh-CN" altLang="en-US" dirty="0"/>
-              <a:t>的组件</a:t>
-            </a:r>
-          </a:p>
-        </p:txBody>
-      </p:sp>
-      <p:sp>
-        <p:nvSpPr>
-          <p:cNvPr id="3" name="内容占位符 2">
-            <a:extLst>
-              <a:ext uri="{FF2B5EF4-FFF2-40B4-BE49-F238E27FC236}">
-                <a16:creationId xmlns:a16="http://schemas.microsoft.com/office/drawing/2014/main" id="{2982516E-3065-495E-9DBF-76FDA5178AA6}"/>
-              </a:ext>
-            </a:extLst>
-          </p:cNvPr>
+      <p:grpSpPr/>
+      <p:sp>
+        <p:nvSpPr>
+          <p:cNvPr id="3" name="内容占位符 2"/>
           <p:cNvSpPr>
             <a:spLocks noGrp="1"/>
           </p:cNvSpPr>
@@ -4298,147 +4289,70 @@
             <p:ph idx="1"/>
           </p:nvPr>
         </p:nvSpPr>
-        <p:spPr/>
-        <p:txBody>
-          <a:bodyPr>
-            <a:normAutofit fontScale="77500" lnSpcReduction="20000"/>
-          </a:bodyPr>
-          <a:lstStyle/>
-          <a:p>
-            <a:r>
-              <a:rPr lang="zh-CN" altLang="en-US" dirty="0"/>
-              <a:t>资源模块 </a:t>
-            </a:r>
-          </a:p>
-          <a:p>
-            <a:pPr lvl="1"/>
-            <a:r>
-              <a:rPr lang="zh-CN" altLang="en-US" dirty="0"/>
-              <a:t>资源加载 </a:t>
-            </a:r>
-            <a:r>
-              <a:rPr lang="en-US" altLang="zh-CN" dirty="0"/>
-              <a:t>Resource Asset Bundle </a:t>
-            </a:r>
-          </a:p>
-          <a:p>
-            <a:pPr lvl="1"/>
-            <a:r>
-              <a:rPr lang="zh-CN" altLang="en-US" dirty="0"/>
-              <a:t>第三方资源导入 </a:t>
-            </a:r>
-            <a:r>
-              <a:rPr lang="en-US" altLang="zh-CN" dirty="0"/>
-              <a:t>Import</a:t>
-            </a:r>
-          </a:p>
-          <a:p>
-            <a:pPr lvl="1"/>
-            <a:endParaRPr lang="en-US" altLang="zh-CN" dirty="0"/>
-          </a:p>
-          <a:p>
-            <a:r>
-              <a:rPr lang="zh-CN" altLang="en-US" dirty="0"/>
-              <a:t>图形模块 </a:t>
-            </a:r>
-            <a:r>
-              <a:rPr lang="en-US" altLang="zh-CN" dirty="0"/>
-              <a:t>2D 3D </a:t>
-            </a:r>
-          </a:p>
-          <a:p>
-            <a:pPr lvl="1"/>
-            <a:r>
-              <a:rPr lang="en-US" altLang="zh-CN" dirty="0"/>
-              <a:t>2D</a:t>
-            </a:r>
-            <a:r>
-              <a:rPr lang="zh-CN" altLang="en-US" dirty="0"/>
-              <a:t>： </a:t>
-            </a:r>
-            <a:r>
-              <a:rPr lang="en-US" altLang="zh-CN" dirty="0"/>
-              <a:t>Sprite Render Tile Map</a:t>
-            </a:r>
-          </a:p>
-          <a:p>
-            <a:pPr lvl="1"/>
-            <a:r>
-              <a:rPr lang="en-US" altLang="zh-CN" dirty="0"/>
-              <a:t>3D </a:t>
-            </a:r>
-          </a:p>
-          <a:p>
-            <a:pPr lvl="2"/>
-            <a:r>
-              <a:rPr lang="en-US" altLang="zh-CN" dirty="0"/>
-              <a:t>Mesh Render Skinned Mesh Render Mesh</a:t>
-            </a:r>
-          </a:p>
-          <a:p>
-            <a:pPr lvl="2"/>
-            <a:r>
-              <a:rPr lang="en-US" altLang="zh-CN" dirty="0"/>
-              <a:t>Lighting</a:t>
-            </a:r>
-          </a:p>
-          <a:p>
-            <a:pPr lvl="2"/>
-            <a:r>
-              <a:rPr lang="en-US" altLang="zh-CN" dirty="0"/>
-              <a:t>Camera</a:t>
-            </a:r>
-          </a:p>
-          <a:p>
-            <a:pPr lvl="2"/>
-            <a:r>
-              <a:rPr lang="en-US" altLang="zh-CN" dirty="0"/>
-              <a:t>Particle System</a:t>
-            </a:r>
-          </a:p>
-          <a:p>
-            <a:pPr lvl="2"/>
-            <a:r>
-              <a:rPr lang="en-US" altLang="zh-CN" dirty="0"/>
-              <a:t>Post-Processing</a:t>
-            </a:r>
-          </a:p>
-          <a:p>
-            <a:pPr lvl="1"/>
-            <a:r>
-              <a:rPr lang="en-US" altLang="zh-CN" dirty="0"/>
-              <a:t>Material </a:t>
-            </a:r>
-          </a:p>
-          <a:p>
-            <a:pPr lvl="2"/>
-            <a:r>
-              <a:rPr lang="en-US" altLang="zh-CN" dirty="0"/>
-              <a:t>Shader</a:t>
-            </a:r>
-          </a:p>
-          <a:p>
-            <a:pPr lvl="1"/>
-            <a:r>
-              <a:rPr lang="en-US" altLang="zh-CN" dirty="0"/>
-              <a:t>UI:</a:t>
-            </a:r>
-          </a:p>
-          <a:p>
-            <a:pPr lvl="2"/>
-            <a:r>
-              <a:rPr lang="en-US" altLang="zh-CN" dirty="0"/>
-              <a:t>Canvas text Button Input....</a:t>
-            </a:r>
+        <p:spPr>
+          <a:xfrm>
+            <a:off x="838200" y="433705"/>
+            <a:ext cx="10515600" cy="5743575"/>
+          </a:xfrm>
+        </p:spPr>
+        <p:txBody>
+          <a:bodyPr/>
+          <a:p>
+            <a:r>
+              <a:rPr lang="zh-CN" altLang="en-US">
+                <a:sym typeface="+mn-ea"/>
+              </a:rPr>
+              <a:t>渲染接口 </a:t>
+            </a:r>
+            <a:r>
+              <a:rPr lang="en-US" altLang="zh-CN">
+                <a:sym typeface="+mn-ea"/>
+              </a:rPr>
+              <a:t>OpenGL</a:t>
+            </a:r>
+            <a:r>
+              <a:rPr lang="zh-CN" altLang="en-US">
+                <a:sym typeface="+mn-ea"/>
+              </a:rPr>
+              <a:t>，</a:t>
+            </a:r>
+            <a:r>
+              <a:rPr lang="en-US" altLang="zh-CN">
+                <a:sym typeface="+mn-ea"/>
+              </a:rPr>
+              <a:t>OpenGL-ES</a:t>
+            </a:r>
+            <a:r>
+              <a:rPr lang="zh-CN" altLang="en-US">
+                <a:sym typeface="+mn-ea"/>
+              </a:rPr>
+              <a:t>，</a:t>
+            </a:r>
+            <a:r>
+              <a:rPr lang="en-US" altLang="zh-CN">
+                <a:sym typeface="+mn-ea"/>
+              </a:rPr>
+              <a:t>WebGL;</a:t>
+            </a:r>
+            <a:endParaRPr lang="en-US" altLang="zh-CN">
+              <a:sym typeface="+mn-ea"/>
+            </a:endParaRPr>
+          </a:p>
+          <a:p>
+            <a:r>
+              <a:rPr lang="en-US" altLang="zh-CN">
+                <a:sym typeface="+mn-ea"/>
+              </a:rPr>
+              <a:t>DirectX </a:t>
+            </a:r>
+            <a:endParaRPr lang="en-US" altLang="zh-CN"/>
+          </a:p>
+          <a:p>
+            <a:endParaRPr lang="en-US" altLang="zh-CN"/>
           </a:p>
         </p:txBody>
       </p:sp>
     </p:spTree>
-    <p:extLst>
-      <p:ext uri="{BB962C8B-B14F-4D97-AF65-F5344CB8AC3E}">
-        <p14:creationId xmlns:p14="http://schemas.microsoft.com/office/powerpoint/2010/main" val="4147091995"/>
-      </p:ext>
-    </p:extLst>
   </p:cSld>
   <p:clrMapOvr>
     <a:masterClrMapping/>
@@ -4455,147 +4369,56 @@
         <p:cNvGrpSpPr/>
         <p:nvPr/>
       </p:nvGrpSpPr>
-      <p:grpSpPr>
-        <a:xfrm>
-          <a:off x="0" y="0"/>
-          <a:ext cx="0" cy="0"/>
-          <a:chOff x="0" y="0"/>
-          <a:chExt cx="0" cy="0"/>
-        </a:xfrm>
-      </p:grpSpPr>
-      <p:sp>
-        <p:nvSpPr>
-          <p:cNvPr id="3" name="内容占位符 2">
-            <a:extLst>
-              <a:ext uri="{FF2B5EF4-FFF2-40B4-BE49-F238E27FC236}">
-                <a16:creationId xmlns:a16="http://schemas.microsoft.com/office/drawing/2014/main" id="{5145AFF8-12BD-451E-9786-457E224EF3BB}"/>
-              </a:ext>
-            </a:extLst>
-          </p:cNvPr>
-          <p:cNvSpPr>
-            <a:spLocks noGrp="1"/>
-          </p:cNvSpPr>
-          <p:nvPr>
-            <p:ph idx="1"/>
-          </p:nvPr>
-        </p:nvSpPr>
+      <p:grpSpPr/>
+      <p:pic>
+        <p:nvPicPr>
+          <p:cNvPr id="7" name="图片 6" descr="捕获"/>
+          <p:cNvPicPr>
+            <a:picLocks noChangeAspect="1"/>
+          </p:cNvPicPr>
+          <p:nvPr/>
+        </p:nvPicPr>
+        <p:blipFill>
+          <a:blip r:embed="rId1"/>
+          <a:stretch>
+            <a:fillRect/>
+          </a:stretch>
+        </p:blipFill>
         <p:spPr>
           <a:xfrm>
-            <a:off x="838200" y="0"/>
-            <a:ext cx="10515600" cy="6176963"/>
+            <a:off x="4445" y="-6985"/>
+            <a:ext cx="5059680" cy="6817360"/>
           </a:xfrm>
+          <a:prstGeom prst="rect">
+            <a:avLst/>
+          </a:prstGeom>
         </p:spPr>
-        <p:txBody>
-          <a:bodyPr/>
-          <a:lstStyle/>
-          <a:p>
-            <a:r>
-              <a:rPr lang="en-US" altLang="zh-CN" dirty="0"/>
-              <a:t>Physics </a:t>
-            </a:r>
-          </a:p>
-          <a:p>
-            <a:pPr lvl="1"/>
-            <a:r>
-              <a:rPr lang="en-US" altLang="zh-CN" dirty="0"/>
-              <a:t>Rigid body</a:t>
-            </a:r>
-            <a:endParaRPr lang="zh-CN" altLang="en-US" dirty="0"/>
-          </a:p>
-          <a:p>
-            <a:pPr lvl="1"/>
-            <a:r>
-              <a:rPr lang="en-US" altLang="zh-CN" dirty="0"/>
-              <a:t>Colliders</a:t>
-            </a:r>
-          </a:p>
-          <a:p>
-            <a:pPr lvl="1"/>
-            <a:r>
-              <a:rPr lang="en-US" altLang="zh-CN" dirty="0"/>
-              <a:t>Joints</a:t>
-            </a:r>
-          </a:p>
-          <a:p>
-            <a:pPr lvl="1"/>
-            <a:endParaRPr lang="en-US" altLang="zh-CN" dirty="0"/>
-          </a:p>
-          <a:p>
-            <a:r>
-              <a:rPr lang="en-US" altLang="zh-CN" dirty="0"/>
-              <a:t>Net Work</a:t>
-            </a:r>
-          </a:p>
-          <a:p>
-            <a:pPr lvl="1"/>
-            <a:r>
-              <a:rPr lang="zh-CN" altLang="en-US" dirty="0"/>
-              <a:t>网络层 </a:t>
-            </a:r>
-            <a:r>
-              <a:rPr lang="en-US" altLang="zh-CN" dirty="0"/>
-              <a:t>Unity </a:t>
-            </a:r>
-            <a:r>
-              <a:rPr lang="zh-CN" altLang="en-US" dirty="0"/>
-              <a:t>自带的网络组件需要跟</a:t>
-            </a:r>
-            <a:r>
-              <a:rPr lang="en-US" altLang="zh-CN" dirty="0"/>
-              <a:t>Unity</a:t>
-            </a:r>
-            <a:r>
-              <a:rPr lang="zh-CN" altLang="en-US" dirty="0"/>
-              <a:t>的服务器配合使用。</a:t>
-            </a:r>
-            <a:endParaRPr lang="en-US" altLang="zh-CN" dirty="0"/>
-          </a:p>
-          <a:p>
-            <a:r>
-              <a:rPr lang="en-US" altLang="zh-CN" dirty="0"/>
-              <a:t>Input</a:t>
-            </a:r>
-          </a:p>
-          <a:p>
-            <a:r>
-              <a:rPr lang="en-US" altLang="zh-CN" dirty="0"/>
-              <a:t>Audio</a:t>
-            </a:r>
-          </a:p>
-          <a:p>
-            <a:r>
-              <a:rPr lang="en-US" altLang="zh-CN" dirty="0"/>
-              <a:t>Animation</a:t>
-            </a:r>
-          </a:p>
-          <a:p>
-            <a:r>
-              <a:rPr lang="en-US" altLang="zh-CN" dirty="0"/>
-              <a:t>AI </a:t>
-            </a:r>
-          </a:p>
-          <a:p>
-            <a:pPr lvl="1"/>
-            <a:r>
-              <a:rPr lang="zh-CN" altLang="en-US" dirty="0"/>
-              <a:t>导航系统</a:t>
-            </a:r>
-            <a:endParaRPr lang="en-US" altLang="zh-CN" dirty="0"/>
-          </a:p>
-          <a:p>
-            <a:r>
-              <a:rPr lang="zh-CN" altLang="en-US" dirty="0"/>
-              <a:t>平台相关特性</a:t>
-            </a:r>
-          </a:p>
-        </p:txBody>
-      </p:sp>
+      </p:pic>
+      <p:pic>
+        <p:nvPicPr>
+          <p:cNvPr id="8" name="图片 7" descr="捕获2"/>
+          <p:cNvPicPr>
+            <a:picLocks noChangeAspect="1"/>
+          </p:cNvPicPr>
+          <p:nvPr/>
+        </p:nvPicPr>
+        <p:blipFill>
+          <a:blip r:embed="rId2"/>
+          <a:stretch>
+            <a:fillRect/>
+          </a:stretch>
+        </p:blipFill>
+        <p:spPr>
+          <a:xfrm>
+            <a:off x="5121275" y="-6985"/>
+            <a:ext cx="4829175" cy="5105400"/>
+          </a:xfrm>
+          <a:prstGeom prst="rect">
+            <a:avLst/>
+          </a:prstGeom>
+        </p:spPr>
+      </p:pic>
     </p:spTree>
-    <p:extLst>
-      <p:ext uri="{BB962C8B-B14F-4D97-AF65-F5344CB8AC3E}">
-        <p14:creationId xmlns:p14="http://schemas.microsoft.com/office/powerpoint/2010/main" val="2354599305"/>
-      </p:ext>
-    </p:extLst>
   </p:cSld>
   <p:clrMapOvr>
     <a:masterClrMapping/>
@@ -4622,45 +4445,7 @@
       </p:grpSpPr>
       <p:sp>
         <p:nvSpPr>
-          <p:cNvPr id="2" name="标题 1">
-            <a:extLst>
-              <a:ext uri="{FF2B5EF4-FFF2-40B4-BE49-F238E27FC236}">
-                <a16:creationId xmlns:a16="http://schemas.microsoft.com/office/drawing/2014/main" id="{C7A0815F-BD75-437D-BE02-9FE6A03AB4B4}"/>
-              </a:ext>
-            </a:extLst>
-          </p:cNvPr>
-          <p:cNvSpPr>
-            <a:spLocks noGrp="1"/>
-          </p:cNvSpPr>
-          <p:nvPr>
-            <p:ph type="title"/>
-          </p:nvPr>
-        </p:nvSpPr>
-        <p:spPr/>
-        <p:txBody>
-          <a:bodyPr/>
-          <a:lstStyle/>
-          <a:p>
-            <a:r>
-              <a:rPr lang="en-US" altLang="zh-CN" dirty="0"/>
-              <a:t>Component-</a:t>
-            </a:r>
-            <a:r>
-              <a:rPr lang="zh-CN" altLang="en-US" dirty="0"/>
-              <a:t>组件式</a:t>
-            </a:r>
-          </a:p>
-        </p:txBody>
-      </p:sp>
-      <p:sp>
-        <p:nvSpPr>
-          <p:cNvPr id="3" name="内容占位符 2">
-            <a:extLst>
-              <a:ext uri="{FF2B5EF4-FFF2-40B4-BE49-F238E27FC236}">
-                <a16:creationId xmlns:a16="http://schemas.microsoft.com/office/drawing/2014/main" id="{74932B63-0C38-4B5C-A573-9E89DE92EA34}"/>
-              </a:ext>
-            </a:extLst>
-          </p:cNvPr>
+          <p:cNvPr id="3" name="内容占位符 2"/>
           <p:cNvSpPr>
             <a:spLocks noGrp="1"/>
           </p:cNvSpPr>
@@ -4670,38 +4455,25 @@
         </p:nvSpPr>
         <p:spPr>
           <a:xfrm>
-            <a:off x="838200" y="1825625"/>
-            <a:ext cx="10515600" cy="4335478"/>
+            <a:off x="838200" y="291830"/>
+            <a:ext cx="10515600" cy="5885133"/>
           </a:xfrm>
         </p:spPr>
         <p:txBody>
           <a:bodyPr/>
           <a:lstStyle/>
           <a:p>
-            <a:pPr marL="0" indent="0">
-              <a:buNone/>
-            </a:pPr>
-            <a:r>
-              <a:rPr lang="zh-CN" altLang="en-US" dirty="0"/>
-              <a:t>脚本也是组件！</a:t>
-            </a:r>
-            <a:endParaRPr lang="en-US" altLang="zh-CN" dirty="0"/>
-          </a:p>
-          <a:p>
-            <a:pPr marL="0" indent="0">
-              <a:buNone/>
-            </a:pPr>
-            <a:r>
-              <a:rPr lang="zh-CN" altLang="en-US" dirty="0"/>
-              <a:t>脚本可以认为胶水。增，删，改各种</a:t>
-            </a:r>
             <a:r>
               <a:rPr lang="en-US" altLang="zh-CN" dirty="0"/>
               <a:t>Unity</a:t>
             </a:r>
             <a:r>
               <a:rPr lang="zh-CN" altLang="en-US" dirty="0"/>
-              <a:t>提供的组件，添加逻辑控制。</a:t>
+              <a:t>实现</a:t>
+            </a:r>
+            <a:r>
+              <a:rPr lang="en-US" altLang="zh-CN" dirty="0"/>
+              <a:t>-les1</a:t>
             </a:r>
             <a:endParaRPr lang="en-US" altLang="zh-CN" dirty="0"/>
           </a:p>
@@ -4709,67 +4481,71 @@
             <a:pPr marL="0" indent="0">
               <a:buNone/>
             </a:pPr>
-            <a:r>
-              <a:rPr lang="zh-CN" altLang="en-US" dirty="0"/>
-              <a:t>我们学习的过程，也是通过目标导向。不会做，就去看</a:t>
-            </a:r>
-            <a:r>
-              <a:rPr lang="en-US" altLang="zh-CN" dirty="0"/>
-              <a:t>Unity Document</a:t>
-            </a:r>
-            <a:r>
-              <a:rPr lang="zh-CN" altLang="en-US" dirty="0"/>
-              <a:t>，看文档看</a:t>
-            </a:r>
-            <a:r>
-              <a:rPr lang="en-US" altLang="zh-CN" dirty="0"/>
-              <a:t>API</a:t>
-            </a:r>
-            <a:r>
-              <a:rPr lang="zh-CN" altLang="en-US" dirty="0"/>
-              <a:t>。通过事例慢慢上手。</a:t>
-            </a:r>
-          </a:p>
-        </p:txBody>
-      </p:sp>
-      <p:sp>
-        <p:nvSpPr>
-          <p:cNvPr id="4" name="文本框 3">
-            <a:extLst>
-              <a:ext uri="{FF2B5EF4-FFF2-40B4-BE49-F238E27FC236}">
-                <a16:creationId xmlns:a16="http://schemas.microsoft.com/office/drawing/2014/main" id="{E9423C40-5444-480B-80D6-78189F20F99A}"/>
-              </a:ext>
-            </a:extLst>
-          </p:cNvPr>
-          <p:cNvSpPr txBox="1"/>
+            <a:endParaRPr lang="en-US" altLang="zh-CN" dirty="0"/>
+          </a:p>
+          <a:p>
+            <a:pPr marL="0" indent="0">
+              <a:buNone/>
+            </a:pPr>
+            <a:endParaRPr lang="en-US" altLang="zh-CN" dirty="0"/>
+          </a:p>
+          <a:p>
+            <a:pPr marL="0" indent="0">
+              <a:buNone/>
+            </a:pPr>
+            <a:endParaRPr lang="en-US" altLang="zh-CN" dirty="0"/>
+          </a:p>
+        </p:txBody>
+      </p:sp>
+      <p:pic>
+        <p:nvPicPr>
+          <p:cNvPr id="4" name="图片 3" descr="1"/>
+          <p:cNvPicPr>
+            <a:picLocks noChangeAspect="1"/>
+          </p:cNvPicPr>
           <p:nvPr/>
-        </p:nvSpPr>
+        </p:nvPicPr>
+        <p:blipFill>
+          <a:blip r:embed="rId1"/>
+          <a:stretch>
+            <a:fillRect/>
+          </a:stretch>
+        </p:blipFill>
         <p:spPr>
           <a:xfrm>
-            <a:off x="838201" y="3329126"/>
-            <a:ext cx="10515599" cy="369332"/>
+            <a:off x="838200" y="913130"/>
+            <a:ext cx="6090920" cy="4643120"/>
           </a:xfrm>
           <a:prstGeom prst="rect">
             <a:avLst/>
           </a:prstGeom>
-          <a:noFill/>
         </p:spPr>
-        <p:txBody>
-          <a:bodyPr wrap="square" rtlCol="0">
-            <a:spAutoFit/>
-          </a:bodyPr>
-          <a:lstStyle/>
-          <a:p>
-            <a:endParaRPr lang="zh-CN" altLang="en-US" dirty="0"/>
-          </a:p>
-        </p:txBody>
-      </p:sp>
+      </p:pic>
+      <p:pic>
+        <p:nvPicPr>
+          <p:cNvPr id="5" name="图片 4" descr="2"/>
+          <p:cNvPicPr>
+            <a:picLocks noChangeAspect="1"/>
+          </p:cNvPicPr>
+          <p:nvPr/>
+        </p:nvPicPr>
+        <p:blipFill>
+          <a:blip r:embed="rId2"/>
+          <a:stretch>
+            <a:fillRect/>
+          </a:stretch>
+        </p:blipFill>
+        <p:spPr>
+          <a:xfrm>
+            <a:off x="6929120" y="913130"/>
+            <a:ext cx="5226050" cy="3239135"/>
+          </a:xfrm>
+          <a:prstGeom prst="rect">
+            <a:avLst/>
+          </a:prstGeom>
+        </p:spPr>
+      </p:pic>
     </p:spTree>
-    <p:extLst>
-      <p:ext uri="{BB962C8B-B14F-4D97-AF65-F5344CB8AC3E}">
-        <p14:creationId xmlns:p14="http://schemas.microsoft.com/office/powerpoint/2010/main" val="1683089682"/>
-      </p:ext>
-    </p:extLst>
   </p:cSld>
   <p:clrMapOvr>
     <a:masterClrMapping/>
@@ -4786,87 +4562,8 @@
         <p:cNvGrpSpPr/>
         <p:nvPr/>
       </p:nvGrpSpPr>
-      <p:grpSpPr>
-        <a:xfrm>
-          <a:off x="0" y="0"/>
-          <a:ext cx="0" cy="0"/>
-          <a:chOff x="0" y="0"/>
-          <a:chExt cx="0" cy="0"/>
-        </a:xfrm>
-      </p:grpSpPr>
-      <p:sp>
-        <p:nvSpPr>
-          <p:cNvPr id="2" name="标题 1">
-            <a:extLst>
-              <a:ext uri="{FF2B5EF4-FFF2-40B4-BE49-F238E27FC236}">
-                <a16:creationId xmlns:a16="http://schemas.microsoft.com/office/drawing/2014/main" id="{4697E45D-539B-4800-A1A4-7F642AA6F4FF}"/>
-              </a:ext>
-            </a:extLst>
-          </p:cNvPr>
-          <p:cNvSpPr>
-            <a:spLocks noGrp="1"/>
-          </p:cNvSpPr>
-          <p:nvPr>
-            <p:ph type="title"/>
-          </p:nvPr>
-        </p:nvSpPr>
-        <p:spPr/>
-        <p:txBody>
-          <a:bodyPr/>
-          <a:lstStyle/>
-          <a:p>
-            <a:r>
-              <a:rPr lang="en-US" altLang="zh-CN" dirty="0"/>
-              <a:t>Unity</a:t>
-            </a:r>
-            <a:r>
-              <a:rPr lang="zh-CN" altLang="en-US" dirty="0"/>
-              <a:t>好用的编辑器功能</a:t>
-            </a:r>
-          </a:p>
-        </p:txBody>
-      </p:sp>
-      <p:pic>
-        <p:nvPicPr>
-          <p:cNvPr id="5" name="内容占位符 4">
-            <a:extLst>
-              <a:ext uri="{FF2B5EF4-FFF2-40B4-BE49-F238E27FC236}">
-                <a16:creationId xmlns:a16="http://schemas.microsoft.com/office/drawing/2014/main" id="{0E632F9F-F134-45D1-B3F9-81B12CC9767B}"/>
-              </a:ext>
-            </a:extLst>
-          </p:cNvPr>
-          <p:cNvPicPr>
-            <a:picLocks noGrp="1" noChangeAspect="1"/>
-          </p:cNvPicPr>
-          <p:nvPr>
-            <p:ph idx="1"/>
-          </p:nvPr>
-        </p:nvPicPr>
-        <p:blipFill>
-          <a:blip r:embed="rId3">
-            <a:extLst>
-              <a:ext uri="{28A0092B-C50C-407E-A947-70E740481C1C}">
-                <a14:useLocalDpi xmlns:a14="http://schemas.microsoft.com/office/drawing/2010/main" val="0"/>
-              </a:ext>
-            </a:extLst>
-          </a:blip>
-          <a:stretch>
-            <a:fillRect/>
-          </a:stretch>
-        </p:blipFill>
-        <p:spPr>
-          <a:xfrm>
-            <a:off x="1028113" y="1690687"/>
-            <a:ext cx="9216718" cy="5009917"/>
-          </a:xfrm>
-        </p:spPr>
-      </p:pic>
+      <p:grpSpPr/>
     </p:spTree>
-    <p:extLst>
-      <p:ext uri="{BB962C8B-B14F-4D97-AF65-F5344CB8AC3E}">
-        <p14:creationId xmlns:p14="http://schemas.microsoft.com/office/powerpoint/2010/main" val="2231826926"/>
-      </p:ext>
-    </p:extLst>
   </p:cSld>
   <p:clrMapOvr>
     <a:masterClrMapping/>
@@ -4893,13 +4590,34 @@
       </p:grpSpPr>
       <p:sp>
         <p:nvSpPr>
-          <p:cNvPr id="3" name="内容占位符 2">
-            <a:extLst>
-              <a:ext uri="{FF2B5EF4-FFF2-40B4-BE49-F238E27FC236}">
-                <a16:creationId xmlns:a16="http://schemas.microsoft.com/office/drawing/2014/main" id="{80A4B384-F287-41F9-B69A-E8C78FB365C3}"/>
-              </a:ext>
-            </a:extLst>
-          </p:cNvPr>
+          <p:cNvPr id="2" name="标题 1"/>
+          <p:cNvSpPr>
+            <a:spLocks noGrp="1"/>
+          </p:cNvSpPr>
+          <p:nvPr>
+            <p:ph type="title"/>
+          </p:nvPr>
+        </p:nvSpPr>
+        <p:spPr/>
+        <p:txBody>
+          <a:bodyPr/>
+          <a:lstStyle/>
+          <a:p>
+            <a:r>
+              <a:rPr lang="en-US" altLang="zh-CN" dirty="0"/>
+              <a:t>Unity</a:t>
+            </a:r>
+            <a:r>
+              <a:rPr lang="zh-CN" altLang="en-US" dirty="0"/>
+              <a:t>的组件</a:t>
+            </a:r>
+            <a:endParaRPr lang="zh-CN" altLang="en-US" dirty="0"/>
+          </a:p>
+        </p:txBody>
+      </p:sp>
+      <p:sp>
+        <p:nvSpPr>
+          <p:cNvPr id="3" name="内容占位符 2"/>
           <p:cNvSpPr>
             <a:spLocks noGrp="1"/>
           </p:cNvSpPr>
@@ -4907,84 +4625,157 @@
             <p:ph idx="1"/>
           </p:nvPr>
         </p:nvSpPr>
-        <p:spPr>
-          <a:xfrm>
-            <a:off x="838200" y="476655"/>
-            <a:ext cx="10515600" cy="5700308"/>
-          </a:xfrm>
-        </p:spPr>
-        <p:txBody>
-          <a:bodyPr/>
-          <a:lstStyle/>
-          <a:p>
+        <p:spPr/>
+        <p:txBody>
+          <a:bodyPr>
+            <a:normAutofit fontScale="77500" lnSpcReduction="20000"/>
+          </a:bodyPr>
+          <a:lstStyle/>
+          <a:p>
+            <a:r>
+              <a:rPr lang="zh-CN" altLang="en-US" dirty="0"/>
+              <a:t>资源模块 </a:t>
+            </a:r>
             <a:endParaRPr lang="zh-CN" altLang="en-US" dirty="0"/>
           </a:p>
           <a:p>
-            <a:pPr marL="0" indent="0">
-              <a:buNone/>
-            </a:pPr>
+            <a:pPr lvl="1"/>
             <a:r>
               <a:rPr lang="zh-CN" altLang="en-US" dirty="0"/>
-              <a:t>大家刚刚做</a:t>
+              <a:t>资源加载 </a:t>
             </a:r>
             <a:r>
               <a:rPr lang="en-US" altLang="zh-CN" dirty="0"/>
-              <a:t>Unity </a:t>
-            </a:r>
+              <a:t>Resource Asset Bundle </a:t>
+            </a:r>
+            <a:endParaRPr lang="en-US" altLang="zh-CN" dirty="0"/>
+          </a:p>
+          <a:p>
+            <a:pPr lvl="1"/>
             <a:r>
               <a:rPr lang="zh-CN" altLang="en-US" dirty="0"/>
-              <a:t>项目的时候，都喜欢使用</a:t>
-            </a:r>
-            <a:r>
-              <a:rPr lang="en-US" altLang="zh-CN" dirty="0" err="1"/>
-              <a:t>Untiy</a:t>
-            </a:r>
+              <a:t>第三方资源导入 </a:t>
+            </a:r>
+            <a:r>
+              <a:rPr lang="en-US" altLang="zh-CN" dirty="0"/>
+              <a:t>Import</a:t>
+            </a:r>
+            <a:endParaRPr lang="en-US" altLang="zh-CN" dirty="0"/>
+          </a:p>
+          <a:p>
+            <a:pPr lvl="1"/>
+            <a:endParaRPr lang="en-US" altLang="zh-CN" dirty="0"/>
+          </a:p>
+          <a:p>
             <a:r>
               <a:rPr lang="zh-CN" altLang="en-US" dirty="0"/>
-              <a:t>自带的场景编辑器编辑完想要的</a:t>
+              <a:t>图形模块 </a:t>
             </a:r>
             <a:r>
               <a:rPr lang="en-US" altLang="zh-CN" dirty="0"/>
-              <a:t>3D</a:t>
+              <a:t>2D 3D </a:t>
+            </a:r>
+            <a:endParaRPr lang="en-US" altLang="zh-CN" dirty="0"/>
+          </a:p>
+          <a:p>
+            <a:pPr lvl="1"/>
+            <a:r>
+              <a:rPr lang="en-US" altLang="zh-CN" dirty="0"/>
+              <a:t>2D</a:t>
             </a:r>
             <a:r>
               <a:rPr lang="zh-CN" altLang="en-US" dirty="0"/>
-              <a:t>场景。在场景里面放一个主角。放上很多怪物。再给这个角色添加很多组件，物理特性，添加动画组件</a:t>
+              <a:t>： </a:t>
             </a:r>
             <a:r>
               <a:rPr lang="en-US" altLang="zh-CN" dirty="0"/>
-              <a:t>FSM</a:t>
-            </a:r>
-            <a:r>
-              <a:rPr lang="zh-CN" altLang="en-US" dirty="0"/>
-              <a:t>。直接写代码挂在角色上面。</a:t>
-            </a:r>
-          </a:p>
-          <a:p>
-            <a:pPr marL="0" indent="0">
-              <a:buNone/>
-            </a:pPr>
-            <a:r>
-              <a:rPr lang="zh-CN" altLang="en-US" dirty="0"/>
-              <a:t>看起来，没问题。很简单也容易理解。这样制作一个简单</a:t>
-            </a:r>
+              <a:t>Sprite Render Tile Map</a:t>
+            </a:r>
+            <a:endParaRPr lang="en-US" altLang="zh-CN" dirty="0"/>
+          </a:p>
+          <a:p>
+            <a:pPr lvl="1"/>
             <a:r>
               <a:rPr lang="en-US" altLang="zh-CN" dirty="0"/>
-              <a:t>demo</a:t>
-            </a:r>
-            <a:r>
-              <a:rPr lang="zh-CN" altLang="en-US" dirty="0"/>
-              <a:t>或者小游戏这样制作流程可能是没问题。</a:t>
-            </a:r>
+              <a:t>3D </a:t>
+            </a:r>
+            <a:endParaRPr lang="en-US" altLang="zh-CN" dirty="0"/>
+          </a:p>
+          <a:p>
+            <a:pPr lvl="2"/>
+            <a:r>
+              <a:rPr lang="en-US" altLang="zh-CN" dirty="0"/>
+              <a:t>Mesh Render Skinned Mesh Render Mesh</a:t>
+            </a:r>
+            <a:endParaRPr lang="en-US" altLang="zh-CN" dirty="0"/>
+          </a:p>
+          <a:p>
+            <a:pPr lvl="2"/>
+            <a:r>
+              <a:rPr lang="en-US" altLang="zh-CN" dirty="0"/>
+              <a:t>Lighting</a:t>
+            </a:r>
+            <a:endParaRPr lang="en-US" altLang="zh-CN" dirty="0"/>
+          </a:p>
+          <a:p>
+            <a:pPr lvl="2"/>
+            <a:r>
+              <a:rPr lang="en-US" altLang="zh-CN" dirty="0"/>
+              <a:t>Camera</a:t>
+            </a:r>
+            <a:endParaRPr lang="en-US" altLang="zh-CN" dirty="0"/>
+          </a:p>
+          <a:p>
+            <a:pPr lvl="2"/>
+            <a:r>
+              <a:rPr lang="en-US" altLang="zh-CN" dirty="0"/>
+              <a:t>Particle System</a:t>
+            </a:r>
+            <a:endParaRPr lang="en-US" altLang="zh-CN" dirty="0"/>
+          </a:p>
+          <a:p>
+            <a:pPr lvl="2"/>
+            <a:r>
+              <a:rPr lang="en-US" altLang="zh-CN" dirty="0"/>
+              <a:t>Post-Processing</a:t>
+            </a:r>
+            <a:endParaRPr lang="en-US" altLang="zh-CN" dirty="0"/>
+          </a:p>
+          <a:p>
+            <a:pPr lvl="1"/>
+            <a:r>
+              <a:rPr lang="en-US" altLang="zh-CN" dirty="0"/>
+              <a:t>Material </a:t>
+            </a:r>
+            <a:endParaRPr lang="en-US" altLang="zh-CN" dirty="0"/>
+          </a:p>
+          <a:p>
+            <a:pPr lvl="2"/>
+            <a:r>
+              <a:rPr lang="en-US" altLang="zh-CN" dirty="0"/>
+              <a:t>Shader</a:t>
+            </a:r>
+            <a:endParaRPr lang="en-US" altLang="zh-CN" dirty="0"/>
+          </a:p>
+          <a:p>
+            <a:pPr lvl="1"/>
+            <a:r>
+              <a:rPr lang="en-US" altLang="zh-CN" dirty="0"/>
+              <a:t>UI:</a:t>
+            </a:r>
+            <a:endParaRPr lang="en-US" altLang="zh-CN" dirty="0"/>
+          </a:p>
+          <a:p>
+            <a:pPr lvl="2"/>
+            <a:r>
+              <a:rPr lang="en-US" altLang="zh-CN" dirty="0"/>
+              <a:t>Canvas text Button Input....</a:t>
+            </a:r>
+            <a:endParaRPr lang="en-US" altLang="zh-CN" dirty="0"/>
           </a:p>
         </p:txBody>
       </p:sp>
     </p:spTree>
-    <p:extLst>
-      <p:ext uri="{BB962C8B-B14F-4D97-AF65-F5344CB8AC3E}">
-        <p14:creationId xmlns:p14="http://schemas.microsoft.com/office/powerpoint/2010/main" val="2497301046"/>
-      </p:ext>
-    </p:extLst>
   </p:cSld>
   <p:clrMapOvr>
     <a:masterClrMapping/>
@@ -5011,13 +4802,7 @@
       </p:grpSpPr>
       <p:sp>
         <p:nvSpPr>
-          <p:cNvPr id="3" name="内容占位符 2">
-            <a:extLst>
-              <a:ext uri="{FF2B5EF4-FFF2-40B4-BE49-F238E27FC236}">
-                <a16:creationId xmlns:a16="http://schemas.microsoft.com/office/drawing/2014/main" id="{FF195C03-D027-47C4-AEB2-8F35D4724F81}"/>
-              </a:ext>
-            </a:extLst>
-          </p:cNvPr>
+          <p:cNvPr id="3" name="内容占位符 2"/>
           <p:cNvSpPr>
             <a:spLocks noGrp="1"/>
           </p:cNvSpPr>
@@ -5027,38 +4812,68 @@
         </p:nvSpPr>
         <p:spPr>
           <a:xfrm>
-            <a:off x="838200" y="622570"/>
-            <a:ext cx="10515600" cy="5554393"/>
+            <a:off x="838200" y="0"/>
+            <a:ext cx="10515600" cy="6176963"/>
           </a:xfrm>
         </p:spPr>
         <p:txBody>
-          <a:bodyPr>
-            <a:normAutofit/>
-          </a:bodyPr>
-          <a:lstStyle/>
-          <a:p>
-            <a:pPr marL="0" indent="0">
-              <a:buNone/>
-            </a:pPr>
+          <a:bodyPr/>
+          <a:lstStyle/>
+          <a:p>
+            <a:r>
+              <a:rPr lang="en-US" altLang="zh-CN" dirty="0"/>
+              <a:t>Physics </a:t>
+            </a:r>
+            <a:endParaRPr lang="en-US" altLang="zh-CN" dirty="0"/>
+          </a:p>
+          <a:p>
+            <a:pPr lvl="1"/>
+            <a:r>
+              <a:rPr lang="en-US" altLang="zh-CN" dirty="0"/>
+              <a:t>Rigid body</a:t>
+            </a:r>
+            <a:endParaRPr lang="zh-CN" altLang="en-US" dirty="0"/>
+          </a:p>
+          <a:p>
+            <a:pPr lvl="1"/>
+            <a:r>
+              <a:rPr lang="en-US" altLang="zh-CN" dirty="0"/>
+              <a:t>Colliders</a:t>
+            </a:r>
+            <a:endParaRPr lang="en-US" altLang="zh-CN" dirty="0"/>
+          </a:p>
+          <a:p>
+            <a:pPr lvl="1"/>
+            <a:r>
+              <a:rPr lang="en-US" altLang="zh-CN" dirty="0"/>
+              <a:t>Joints</a:t>
+            </a:r>
+            <a:endParaRPr lang="en-US" altLang="zh-CN" dirty="0"/>
+          </a:p>
+          <a:p>
+            <a:pPr lvl="1"/>
+            <a:endParaRPr lang="en-US" altLang="zh-CN" dirty="0"/>
+          </a:p>
+          <a:p>
+            <a:r>
+              <a:rPr lang="en-US" altLang="zh-CN" dirty="0"/>
+              <a:t>Net Work</a:t>
+            </a:r>
+            <a:endParaRPr lang="en-US" altLang="zh-CN" dirty="0"/>
+          </a:p>
+          <a:p>
+            <a:pPr lvl="1"/>
             <a:r>
               <a:rPr lang="zh-CN" altLang="en-US" dirty="0"/>
-              <a:t>比如我们打个比方，我们要个</a:t>
+              <a:t>网络层 </a:t>
             </a:r>
             <a:r>
               <a:rPr lang="en-US" altLang="zh-CN" dirty="0"/>
-              <a:t>SLG</a:t>
+              <a:t>Unity </a:t>
             </a:r>
             <a:r>
               <a:rPr lang="zh-CN" altLang="en-US" dirty="0"/>
-              <a:t>游戏，就像公司的招牌项目</a:t>
-            </a:r>
-            <a:r>
-              <a:rPr lang="en-US" altLang="zh-CN" dirty="0"/>
-              <a:t>Lord Mobile</a:t>
-            </a:r>
-            <a:r>
-              <a:rPr lang="zh-CN" altLang="en-US" dirty="0"/>
-              <a:t>，这样的有一个大世界的室外场景。如果直接把所有的东西直接放在</a:t>
+              <a:t>自带的网络组件需要跟</a:t>
             </a:r>
             <a:r>
               <a:rPr lang="en-US" altLang="zh-CN" dirty="0"/>
@@ -5066,69 +4881,56 @@
             </a:r>
             <a:r>
               <a:rPr lang="zh-CN" altLang="en-US" dirty="0"/>
-              <a:t>自带的场景编辑器中。我们会遇到什么问题？</a:t>
-            </a:r>
-          </a:p>
-          <a:p>
-            <a:pPr marL="0" indent="0">
-              <a:buNone/>
-            </a:pPr>
+              <a:t>的服务器配合使用。</a:t>
+            </a:r>
+            <a:endParaRPr lang="en-US" altLang="zh-CN" dirty="0"/>
+          </a:p>
+          <a:p>
             <a:r>
               <a:rPr lang="en-US" altLang="zh-CN" dirty="0"/>
-              <a:t>1.0 </a:t>
-            </a:r>
+              <a:t>Input</a:t>
+            </a:r>
+            <a:endParaRPr lang="en-US" altLang="zh-CN" dirty="0"/>
+          </a:p>
+          <a:p>
+            <a:r>
+              <a:rPr lang="en-US" altLang="zh-CN" dirty="0"/>
+              <a:t>Audio</a:t>
+            </a:r>
+            <a:endParaRPr lang="en-US" altLang="zh-CN" dirty="0"/>
+          </a:p>
+          <a:p>
+            <a:r>
+              <a:rPr lang="en-US" altLang="zh-CN" dirty="0"/>
+              <a:t>Animation</a:t>
+            </a:r>
+            <a:endParaRPr lang="en-US" altLang="zh-CN" dirty="0"/>
+          </a:p>
+          <a:p>
+            <a:r>
+              <a:rPr lang="en-US" altLang="zh-CN" dirty="0"/>
+              <a:t>AI </a:t>
+            </a:r>
+            <a:endParaRPr lang="en-US" altLang="zh-CN" dirty="0"/>
+          </a:p>
+          <a:p>
+            <a:pPr lvl="1"/>
             <a:r>
               <a:rPr lang="zh-CN" altLang="en-US" dirty="0"/>
-              <a:t>游戏可能跑不起来，随着世界越来越大，资源越来越多。这个场景会越来越复杂，可能在加载场景手机就闪退了。不可控。</a:t>
-            </a:r>
-          </a:p>
-          <a:p>
-            <a:pPr marL="0" indent="0">
-              <a:buNone/>
-            </a:pPr>
-            <a:r>
-              <a:rPr lang="en-US" altLang="zh-CN" dirty="0"/>
-              <a:t>2.0 </a:t>
-            </a:r>
+              <a:t>导航系统</a:t>
+            </a:r>
+            <a:endParaRPr lang="en-US" altLang="zh-CN" dirty="0"/>
+          </a:p>
+          <a:p>
             <a:r>
               <a:rPr lang="zh-CN" altLang="en-US" dirty="0"/>
-              <a:t>第二制作流程行不通，因为就一个场景文件。我们整个项目组有好几个地编，如何让他们协同制作呢？</a:t>
-            </a:r>
-          </a:p>
-          <a:p>
-            <a:pPr marL="0" indent="0">
-              <a:buNone/>
-            </a:pPr>
-            <a:r>
-              <a:rPr lang="en-US" altLang="zh-CN" dirty="0"/>
-              <a:t>3.0 </a:t>
-            </a:r>
-            <a:r>
-              <a:rPr lang="zh-CN" altLang="en-US" dirty="0"/>
-              <a:t>如果这是个网络游戏，角色随时会改变的，怪物也是动态改变的。</a:t>
-            </a:r>
-          </a:p>
-          <a:p>
-            <a:pPr marL="0" indent="0">
-              <a:buNone/>
-            </a:pPr>
-            <a:r>
-              <a:rPr lang="en-US" altLang="zh-CN" dirty="0"/>
-              <a:t>4.0 </a:t>
-            </a:r>
-            <a:r>
-              <a:rPr lang="zh-CN" altLang="en-US" dirty="0"/>
-              <a:t>如果这个动画系统随着角色升级，动画不一样呢？</a:t>
-            </a:r>
+              <a:t>平台相关特性</a:t>
+            </a:r>
+            <a:endParaRPr lang="zh-CN" altLang="en-US" dirty="0"/>
           </a:p>
         </p:txBody>
       </p:sp>
     </p:spTree>
-    <p:extLst>
-      <p:ext uri="{BB962C8B-B14F-4D97-AF65-F5344CB8AC3E}">
-        <p14:creationId xmlns:p14="http://schemas.microsoft.com/office/powerpoint/2010/main" val="3658656781"/>
-      </p:ext>
-    </p:extLst>
   </p:cSld>
   <p:clrMapOvr>
     <a:masterClrMapping/>
@@ -5155,13 +4957,34 @@
       </p:grpSpPr>
       <p:sp>
         <p:nvSpPr>
-          <p:cNvPr id="3" name="内容占位符 2">
-            <a:extLst>
-              <a:ext uri="{FF2B5EF4-FFF2-40B4-BE49-F238E27FC236}">
-                <a16:creationId xmlns:a16="http://schemas.microsoft.com/office/drawing/2014/main" id="{6FF5FBA9-1C7F-4A58-9217-506AFC426E65}"/>
-              </a:ext>
-            </a:extLst>
-          </p:cNvPr>
+          <p:cNvPr id="2" name="标题 1"/>
+          <p:cNvSpPr>
+            <a:spLocks noGrp="1"/>
+          </p:cNvSpPr>
+          <p:nvPr>
+            <p:ph type="title"/>
+          </p:nvPr>
+        </p:nvSpPr>
+        <p:spPr/>
+        <p:txBody>
+          <a:bodyPr/>
+          <a:lstStyle/>
+          <a:p>
+            <a:r>
+              <a:rPr lang="en-US" altLang="zh-CN" dirty="0"/>
+              <a:t>Component-</a:t>
+            </a:r>
+            <a:r>
+              <a:rPr lang="zh-CN" altLang="en-US" dirty="0"/>
+              <a:t>组件式</a:t>
+            </a:r>
+            <a:endParaRPr lang="zh-CN" altLang="en-US" dirty="0"/>
+          </a:p>
+        </p:txBody>
+      </p:sp>
+      <p:sp>
+        <p:nvSpPr>
+          <p:cNvPr id="3" name="内容占位符 2"/>
           <p:cNvSpPr>
             <a:spLocks noGrp="1"/>
           </p:cNvSpPr>
@@ -5171,101 +4994,96 @@
         </p:nvSpPr>
         <p:spPr>
           <a:xfrm>
-            <a:off x="838200" y="301557"/>
-            <a:ext cx="10515600" cy="5875406"/>
+            <a:off x="838200" y="1825625"/>
+            <a:ext cx="10515600" cy="4335478"/>
           </a:xfrm>
         </p:spPr>
         <p:txBody>
           <a:bodyPr/>
           <a:lstStyle/>
           <a:p>
+            <a:pPr marL="0" indent="0">
+              <a:buNone/>
+            </a:pPr>
             <a:r>
               <a:rPr lang="zh-CN" altLang="en-US" dirty="0"/>
-              <a:t> 可维护</a:t>
+              <a:t>脚本也是组件！</a:t>
+            </a:r>
+            <a:endParaRPr lang="en-US" altLang="zh-CN" dirty="0"/>
+          </a:p>
+          <a:p>
+            <a:pPr marL="0" indent="0">
+              <a:buNone/>
+            </a:pPr>
+            <a:r>
+              <a:rPr lang="zh-CN" altLang="en-US" dirty="0"/>
+              <a:t>脚本可以认为胶水。增，删，改各种</a:t>
             </a:r>
             <a:r>
               <a:rPr lang="en-US" altLang="zh-CN" dirty="0"/>
-              <a:t>-</a:t>
+              <a:t>Unity</a:t>
             </a:r>
             <a:r>
               <a:rPr lang="zh-CN" altLang="en-US" dirty="0"/>
-              <a:t>好拓展</a:t>
+              <a:t>提供的组件，添加逻辑控制。</a:t>
             </a:r>
             <a:endParaRPr lang="en-US" altLang="zh-CN" dirty="0"/>
           </a:p>
           <a:p>
+            <a:pPr marL="0" indent="0">
+              <a:buNone/>
+            </a:pPr>
+            <a:r>
+              <a:rPr lang="zh-CN" altLang="en-US" dirty="0"/>
+              <a:t>我们学习的过程，也是通过目标导向。不会做，就去看</a:t>
+            </a:r>
             <a:r>
               <a:rPr lang="en-US" altLang="zh-CN" dirty="0"/>
-              <a:t> </a:t>
+              <a:t>Unity Document</a:t>
             </a:r>
             <a:r>
               <a:rPr lang="zh-CN" altLang="en-US" dirty="0"/>
-              <a:t>性能可控</a:t>
+              <a:t>，看文档看</a:t>
             </a:r>
             <a:r>
               <a:rPr lang="en-US" altLang="zh-CN" dirty="0"/>
-              <a:t>-</a:t>
+              <a:t>API</a:t>
             </a:r>
             <a:r>
               <a:rPr lang="zh-CN" altLang="en-US" dirty="0"/>
-              <a:t>不能非常卡顿</a:t>
-            </a:r>
-            <a:endParaRPr lang="en-US" altLang="zh-CN" dirty="0"/>
-          </a:p>
-          <a:p>
-            <a:r>
-              <a:rPr lang="en-US" altLang="zh-CN" dirty="0"/>
-              <a:t> </a:t>
-            </a:r>
-            <a:r>
-              <a:rPr lang="zh-CN" altLang="en-US" dirty="0"/>
-              <a:t>内存可控</a:t>
-            </a:r>
-            <a:r>
-              <a:rPr lang="en-US" altLang="zh-CN" dirty="0"/>
-              <a:t>-</a:t>
-            </a:r>
-            <a:r>
-              <a:rPr lang="zh-CN" altLang="en-US" dirty="0"/>
-              <a:t>不能闪退</a:t>
-            </a:r>
-            <a:endParaRPr lang="en-US" altLang="zh-CN" dirty="0"/>
-          </a:p>
-          <a:p>
-            <a:r>
-              <a:rPr lang="zh-CN" altLang="en-US" dirty="0"/>
-              <a:t>制作流程可控</a:t>
-            </a:r>
-            <a:r>
-              <a:rPr lang="en-US" altLang="zh-CN" dirty="0"/>
-              <a:t>-</a:t>
-            </a:r>
-            <a:r>
-              <a:rPr lang="zh-CN" altLang="en-US" dirty="0"/>
-              <a:t>制作流程要清楚，可实现</a:t>
-            </a:r>
-            <a:endParaRPr lang="en-US" altLang="zh-CN" dirty="0"/>
-          </a:p>
-          <a:p>
-            <a:pPr marL="0" indent="0">
-              <a:buNone/>
-            </a:pPr>
-            <a:r>
-              <a:rPr lang="en-US" altLang="zh-CN" dirty="0"/>
-              <a:t>......</a:t>
-            </a:r>
-          </a:p>
-          <a:p>
+              <a:t>。通过事例慢慢上手。</a:t>
+            </a:r>
             <a:endParaRPr lang="zh-CN" altLang="en-US" dirty="0"/>
           </a:p>
         </p:txBody>
       </p:sp>
+      <p:sp>
+        <p:nvSpPr>
+          <p:cNvPr id="4" name="文本框 3"/>
+          <p:cNvSpPr txBox="1"/>
+          <p:nvPr/>
+        </p:nvSpPr>
+        <p:spPr>
+          <a:xfrm>
+            <a:off x="838201" y="3329126"/>
+            <a:ext cx="10515599" cy="369332"/>
+          </a:xfrm>
+          <a:prstGeom prst="rect">
+            <a:avLst/>
+          </a:prstGeom>
+          <a:noFill/>
+        </p:spPr>
+        <p:txBody>
+          <a:bodyPr wrap="square" rtlCol="0">
+            <a:spAutoFit/>
+          </a:bodyPr>
+          <a:lstStyle/>
+          <a:p>
+            <a:endParaRPr lang="zh-CN" altLang="en-US" dirty="0"/>
+          </a:p>
+        </p:txBody>
+      </p:sp>
     </p:spTree>
-    <p:extLst>
-      <p:ext uri="{BB962C8B-B14F-4D97-AF65-F5344CB8AC3E}">
-        <p14:creationId xmlns:p14="http://schemas.microsoft.com/office/powerpoint/2010/main" val="2170907399"/>
-      </p:ext>
-    </p:extLst>
   </p:cSld>
   <p:clrMapOvr>
     <a:masterClrMapping/>
@@ -5316,7 +5134,7 @@
     </a:clrScheme>
     <a:fontScheme name="Office">
       <a:majorFont>
-        <a:latin typeface="等线 Light" panose="020F0302020204030204"/>
+        <a:latin typeface="等线 Light"/>
         <a:ea typeface=""/>
         <a:cs typeface=""/>
         <a:font script="Jpan" typeface="游ゴシック Light"/>
@@ -5349,26 +5167,9 @@
         <a:font script="Viet" typeface="Times New Roman"/>
         <a:font script="Uigh" typeface="Microsoft Uighur"/>
         <a:font script="Geor" typeface="Sylfaen"/>
-        <a:font script="Armn" typeface="Arial"/>
-        <a:font script="Bugi" typeface="Leelawadee UI"/>
-        <a:font script="Bopo" typeface="Microsoft JhengHei"/>
-        <a:font script="Java" typeface="Javanese Text"/>
-        <a:font script="Lisu" typeface="Segoe UI"/>
-        <a:font script="Mymr" typeface="Myanmar Text"/>
-        <a:font script="Nkoo" typeface="Ebrima"/>
-        <a:font script="Olck" typeface="Nirmala UI"/>
-        <a:font script="Osma" typeface="Ebrima"/>
-        <a:font script="Phag" typeface="Phagspa"/>
-        <a:font script="Syrn" typeface="Estrangelo Edessa"/>
-        <a:font script="Syrj" typeface="Estrangelo Edessa"/>
-        <a:font script="Syre" typeface="Estrangelo Edessa"/>
-        <a:font script="Sora" typeface="Nirmala UI"/>
-        <a:font script="Tale" typeface="Microsoft Tai Le"/>
-        <a:font script="Talu" typeface="Microsoft New Tai Lue"/>
-        <a:font script="Tfng" typeface="Ebrima"/>
       </a:majorFont>
       <a:minorFont>
-        <a:latin typeface="等线" panose="020F0502020204030204"/>
+        <a:latin typeface="等线"/>
         <a:ea typeface=""/>
         <a:cs typeface=""/>
         <a:font script="Jpan" typeface="游ゴシック"/>
@@ -5401,23 +5202,6 @@
         <a:font script="Viet" typeface="Arial"/>
         <a:font script="Uigh" typeface="Microsoft Uighur"/>
         <a:font script="Geor" typeface="Sylfaen"/>
-        <a:font script="Armn" typeface="Arial"/>
-        <a:font script="Bugi" typeface="Leelawadee UI"/>
-        <a:font script="Bopo" typeface="Microsoft JhengHei"/>
-        <a:font script="Java" typeface="Javanese Text"/>
-        <a:font script="Lisu" typeface="Segoe UI"/>
-        <a:font script="Mymr" typeface="Myanmar Text"/>
-        <a:font script="Nkoo" typeface="Ebrima"/>
-        <a:font script="Olck" typeface="Nirmala UI"/>
-        <a:font script="Osma" typeface="Ebrima"/>
-        <a:font script="Phag" typeface="Phagspa"/>
-        <a:font script="Syrn" typeface="Estrangelo Edessa"/>
-        <a:font script="Syrj" typeface="Estrangelo Edessa"/>
-        <a:font script="Syre" typeface="Estrangelo Edessa"/>
-        <a:font script="Sora" typeface="Nirmala UI"/>
-        <a:font script="Tale" typeface="Microsoft Tai Le"/>
-        <a:font script="Talu" typeface="Microsoft New Tai Lue"/>
-        <a:font script="Tfng" typeface="Ebrima"/>
       </a:minorFont>
     </a:fontScheme>
     <a:fmtScheme name="Office">
@@ -5558,8 +5342,6 @@
       </a:bgFillStyleLst>
     </a:fmtScheme>
   </a:themeElements>
-  <a:objectDefaults/>
-  <a:extraClrSchemeLst/>
   <a:extLst>
     <a:ext uri="{05A4C25C-085E-4340-85A3-A5531E510DB2}">
       <thm15:themeFamily xmlns:thm15="http://schemas.microsoft.com/office/thememl/2012/main" name="Office Theme" id="{62F939B6-93AF-4DB8-9C6B-D6C7DFDC589F}" vid="{4A3C46E8-61CC-4603-A589-7422A47A8E4A}"/>
@@ -5611,7 +5393,7 @@
     </a:clrScheme>
     <a:fontScheme name="Office">
       <a:majorFont>
-        <a:latin typeface="等线 Light" panose="020F0302020204030204"/>
+        <a:latin typeface="等线 Light"/>
         <a:ea typeface=""/>
         <a:cs typeface=""/>
         <a:font script="Jpan" typeface="游ゴシック Light"/>
@@ -5644,26 +5426,9 @@
         <a:font script="Viet" typeface="Times New Roman"/>
         <a:font script="Uigh" typeface="Microsoft Uighur"/>
         <a:font script="Geor" typeface="Sylfaen"/>
-        <a:font script="Armn" typeface="Arial"/>
-        <a:font script="Bugi" typeface="Leelawadee UI"/>
-        <a:font script="Bopo" typeface="Microsoft JhengHei"/>
-        <a:font script="Java" typeface="Javanese Text"/>
-        <a:font script="Lisu" typeface="Segoe UI"/>
-        <a:font script="Mymr" typeface="Myanmar Text"/>
-        <a:font script="Nkoo" typeface="Ebrima"/>
-        <a:font script="Olck" typeface="Nirmala UI"/>
-        <a:font script="Osma" typeface="Ebrima"/>
-        <a:font script="Phag" typeface="Phagspa"/>
-        <a:font script="Syrn" typeface="Estrangelo Edessa"/>
-        <a:font script="Syrj" typeface="Estrangelo Edessa"/>
-        <a:font script="Syre" typeface="Estrangelo Edessa"/>
-        <a:font script="Sora" typeface="Nirmala UI"/>
-        <a:font script="Tale" typeface="Microsoft Tai Le"/>
-        <a:font script="Talu" typeface="Microsoft New Tai Lue"/>
-        <a:font script="Tfng" typeface="Ebrima"/>
       </a:majorFont>
       <a:minorFont>
-        <a:latin typeface="等线" panose="020F0502020204030204"/>
+        <a:latin typeface="等线"/>
         <a:ea typeface=""/>
         <a:cs typeface=""/>
         <a:font script="Jpan" typeface="游ゴシック"/>
@@ -5696,23 +5461,6 @@
         <a:font script="Viet" typeface="Arial"/>
         <a:font script="Uigh" typeface="Microsoft Uighur"/>
         <a:font script="Geor" typeface="Sylfaen"/>
-        <a:font script="Armn" typeface="Arial"/>
-        <a:font script="Bugi" typeface="Leelawadee UI"/>
-        <a:font script="Bopo" typeface="Microsoft JhengHei"/>
-        <a:font script="Java" typeface="Javanese Text"/>
-        <a:font script="Lisu" typeface="Segoe UI"/>
-        <a:font script="Mymr" typeface="Myanmar Text"/>
-        <a:font script="Nkoo" typeface="Ebrima"/>
-        <a:font script="Olck" typeface="Nirmala UI"/>
-        <a:font script="Osma" typeface="Ebrima"/>
-        <a:font script="Phag" typeface="Phagspa"/>
-        <a:font script="Syrn" typeface="Estrangelo Edessa"/>
-        <a:font script="Syrj" typeface="Estrangelo Edessa"/>
-        <a:font script="Syre" typeface="Estrangelo Edessa"/>
-        <a:font script="Sora" typeface="Nirmala UI"/>
-        <a:font script="Tale" typeface="Microsoft Tai Le"/>
-        <a:font script="Talu" typeface="Microsoft New Tai Lue"/>
-        <a:font script="Tfng" typeface="Ebrima"/>
       </a:minorFont>
     </a:fontScheme>
     <a:fmtScheme name="Office">
@@ -5853,8 +5601,6 @@
       </a:bgFillStyleLst>
     </a:fmtScheme>
   </a:themeElements>
-  <a:objectDefaults/>
-  <a:extraClrSchemeLst/>
   <a:extLst>
     <a:ext uri="{05A4C25C-085E-4340-85A3-A5531E510DB2}">
       <thm15:themeFamily xmlns:thm15="http://schemas.microsoft.com/office/thememl/2012/main" name="Office Theme" id="{62F939B6-93AF-4DB8-9C6B-D6C7DFDC589F}" vid="{4A3C46E8-61CC-4603-A589-7422A47A8E4A}"/>

--- a/Document/培训PPT.pptx
+++ b/Document/培训PPT.pptx
@@ -5,22 +5,28 @@
     <p:sldMasterId id="2147483648" r:id="rId1"/>
   </p:sldMasterIdLst>
   <p:notesMasterIdLst>
-    <p:notesMasterId r:id="rId13"/>
+    <p:notesMasterId r:id="rId21"/>
   </p:notesMasterIdLst>
   <p:sldIdLst>
-    <p:sldId id="256" r:id="rId3"/>
-    <p:sldId id="272" r:id="rId4"/>
-    <p:sldId id="274" r:id="rId5"/>
-    <p:sldId id="273" r:id="rId6"/>
-    <p:sldId id="264" r:id="rId7"/>
-    <p:sldId id="275" r:id="rId8"/>
-    <p:sldId id="257" r:id="rId9"/>
-    <p:sldId id="258" r:id="rId10"/>
-    <p:sldId id="259" r:id="rId11"/>
-    <p:sldId id="260" r:id="rId12"/>
-    <p:sldId id="261" r:id="rId14"/>
-    <p:sldId id="262" r:id="rId15"/>
-    <p:sldId id="263" r:id="rId16"/>
+    <p:sldId id="256" r:id="rId2"/>
+    <p:sldId id="272" r:id="rId3"/>
+    <p:sldId id="276" r:id="rId4"/>
+    <p:sldId id="273" r:id="rId5"/>
+    <p:sldId id="264" r:id="rId6"/>
+    <p:sldId id="277" r:id="rId7"/>
+    <p:sldId id="278" r:id="rId8"/>
+    <p:sldId id="279" r:id="rId9"/>
+    <p:sldId id="280" r:id="rId10"/>
+    <p:sldId id="275" r:id="rId11"/>
+    <p:sldId id="281" r:id="rId12"/>
+    <p:sldId id="282" r:id="rId13"/>
+    <p:sldId id="257" r:id="rId14"/>
+    <p:sldId id="258" r:id="rId15"/>
+    <p:sldId id="259" r:id="rId16"/>
+    <p:sldId id="260" r:id="rId17"/>
+    <p:sldId id="261" r:id="rId18"/>
+    <p:sldId id="262" r:id="rId19"/>
+    <p:sldId id="263" r:id="rId20"/>
   </p:sldIdLst>
   <p:sldSz cx="12192000" cy="6858000"/>
   <p:notesSz cx="6858000" cy="9144000"/>
@@ -119,6 +125,11 @@
       </a:defRPr>
     </a:lvl9pPr>
   </p:defaultTextStyle>
+  <p:extLst>
+    <p:ext uri="{EFAFB233-063F-42B5-8137-9DF3F51BA10A}">
+      <p15:sldGuideLst xmlns:p15="http://schemas.microsoft.com/office/powerpoint/2012/main"/>
+    </p:ext>
+  </p:extLst>
 </p:presentation>
 </file>
 
@@ -204,6 +215,7 @@
           <a:p>
             <a:fld id="{6892A035-C05F-482E-83C6-D8D4B0E23238}" type="datetimeFigureOut">
               <a:rPr lang="zh-CN" altLang="en-US" smtClean="0"/>
+              <a:t>2019/6/17</a:t>
             </a:fld>
             <a:endParaRPr lang="zh-CN" altLang="en-US"/>
           </a:p>
@@ -270,7 +282,6 @@
               <a:rPr lang="zh-CN" altLang="en-US"/>
               <a:t>单击此处编辑母版文本样式</a:t>
             </a:r>
-            <a:endParaRPr lang="zh-CN" altLang="en-US"/>
           </a:p>
           <a:p>
             <a:pPr lvl="1"/>
@@ -278,7 +289,6 @@
               <a:rPr lang="zh-CN" altLang="en-US"/>
               <a:t>二级</a:t>
             </a:r>
-            <a:endParaRPr lang="zh-CN" altLang="en-US"/>
           </a:p>
           <a:p>
             <a:pPr lvl="2"/>
@@ -286,7 +296,6 @@
               <a:rPr lang="zh-CN" altLang="en-US"/>
               <a:t>三级</a:t>
             </a:r>
-            <a:endParaRPr lang="zh-CN" altLang="en-US"/>
           </a:p>
           <a:p>
             <a:pPr lvl="3"/>
@@ -294,7 +303,6 @@
               <a:rPr lang="zh-CN" altLang="en-US"/>
               <a:t>四级</a:t>
             </a:r>
-            <a:endParaRPr lang="zh-CN" altLang="en-US"/>
           </a:p>
           <a:p>
             <a:pPr lvl="4"/>
@@ -302,7 +310,6 @@
               <a:rPr lang="zh-CN" altLang="en-US"/>
               <a:t>五级</a:t>
             </a:r>
-            <a:endParaRPr lang="zh-CN" altLang="en-US"/>
           </a:p>
         </p:txBody>
       </p:sp>
@@ -366,6 +373,7 @@
           <a:p>
             <a:fld id="{6EFF56B4-AA9B-4CAD-A1CC-F368E2291C09}" type="slidenum">
               <a:rPr lang="zh-CN" altLang="en-US" smtClean="0"/>
+              <a:t>‹#›</a:t>
             </a:fld>
             <a:endParaRPr lang="zh-CN" altLang="en-US"/>
           </a:p>
@@ -515,35 +523,7 @@
           <a:p>
             <a:r>
               <a:rPr lang="en-US" altLang="zh-CN" dirty="0"/>
-              <a:t>Unity</a:t>
-            </a:r>
-            <a:r>
-              <a:rPr lang="zh-CN" altLang="en-US" dirty="0"/>
-              <a:t>所见即所得开的编辑器拖拉开发模式非常适合小型游戏或者开发初期的</a:t>
-            </a:r>
-            <a:r>
-              <a:rPr lang="en-US" altLang="zh-CN" dirty="0"/>
-              <a:t>demo</a:t>
-            </a:r>
-            <a:r>
-              <a:rPr lang="zh-CN" altLang="en-US" dirty="0"/>
-              <a:t>制作。</a:t>
-            </a:r>
-            <a:r>
-              <a:rPr lang="en-US" altLang="zh-CN" dirty="0"/>
-              <a:t>Unity</a:t>
-            </a:r>
-            <a:r>
-              <a:rPr lang="zh-CN" altLang="en-US" dirty="0"/>
-              <a:t>的目标也是说开发一个不需要编码就能做游戏的引擎。不过现阶段是对于稍微复杂的业务需求，单独的拖拖拉拉是不能现实的。即使有了</a:t>
-            </a:r>
-            <a:r>
-              <a:rPr lang="en-US" altLang="zh-CN" dirty="0" err="1"/>
-              <a:t>PlayerMaker</a:t>
-            </a:r>
-            <a:r>
-              <a:rPr lang="zh-CN" altLang="en-US" dirty="0"/>
-              <a:t>这样第三方插件。还是有很多功能无法实现的。</a:t>
+              <a:t> </a:t>
             </a:r>
             <a:endParaRPr lang="zh-CN" altLang="en-US" dirty="0"/>
           </a:p>
@@ -566,12 +546,18 @@
           <a:p>
             <a:fld id="{6EFF56B4-AA9B-4CAD-A1CC-F368E2291C09}" type="slidenum">
               <a:rPr lang="zh-CN" altLang="en-US" smtClean="0"/>
+              <a:t>3</a:t>
             </a:fld>
             <a:endParaRPr lang="zh-CN" altLang="en-US"/>
           </a:p>
         </p:txBody>
       </p:sp>
     </p:spTree>
+    <p:extLst>
+      <p:ext uri="{BB962C8B-B14F-4D97-AF65-F5344CB8AC3E}">
+        <p14:creationId xmlns:p14="http://schemas.microsoft.com/office/powerpoint/2010/main" val="1664682821"/>
+      </p:ext>
+    </p:extLst>
   </p:cSld>
   <p:clrMapOvr>
     <a:masterClrMapping/>
@@ -644,12 +630,18 @@
           <a:p>
             <a:fld id="{6EFF56B4-AA9B-4CAD-A1CC-F368E2291C09}" type="slidenum">
               <a:rPr lang="zh-CN" altLang="en-US" smtClean="0"/>
+              <a:t>5</a:t>
             </a:fld>
             <a:endParaRPr lang="zh-CN" altLang="en-US"/>
           </a:p>
         </p:txBody>
       </p:sp>
     </p:spTree>
+    <p:extLst>
+      <p:ext uri="{BB962C8B-B14F-4D97-AF65-F5344CB8AC3E}">
+        <p14:creationId xmlns:p14="http://schemas.microsoft.com/office/powerpoint/2010/main" val="2066913480"/>
+      </p:ext>
+    </p:extLst>
   </p:cSld>
   <p:clrMapOvr>
     <a:masterClrMapping/>
@@ -722,12 +714,18 @@
           <a:p>
             <a:fld id="{6EFF56B4-AA9B-4CAD-A1CC-F368E2291C09}" type="slidenum">
               <a:rPr lang="zh-CN" altLang="en-US" smtClean="0"/>
+              <a:t>6</a:t>
             </a:fld>
             <a:endParaRPr lang="zh-CN" altLang="en-US"/>
           </a:p>
         </p:txBody>
       </p:sp>
     </p:spTree>
+    <p:extLst>
+      <p:ext uri="{BB962C8B-B14F-4D97-AF65-F5344CB8AC3E}">
+        <p14:creationId xmlns:p14="http://schemas.microsoft.com/office/powerpoint/2010/main" val="2088284806"/>
+      </p:ext>
+    </p:extLst>
   </p:cSld>
   <p:clrMapOvr>
     <a:masterClrMapping/>
@@ -779,7 +777,38 @@
           <a:bodyPr/>
           <a:lstStyle/>
           <a:p>
-            <a:endParaRPr lang="zh-CN" altLang="en-US" dirty="0"/>
+            <a:r>
+              <a:rPr lang="en-US" altLang="zh-CN" dirty="0"/>
+              <a:t>Unity</a:t>
+            </a:r>
+            <a:r>
+              <a:rPr lang="zh-CN" altLang="en-US" dirty="0"/>
+              <a:t>所见即所得开的编辑器拖拉开发模式非常适合小型游戏或者开发初期的</a:t>
+            </a:r>
+            <a:r>
+              <a:rPr lang="en-US" altLang="zh-CN" dirty="0"/>
+              <a:t>demo</a:t>
+            </a:r>
+            <a:r>
+              <a:rPr lang="zh-CN" altLang="en-US" dirty="0"/>
+              <a:t>制作。</a:t>
+            </a:r>
+            <a:r>
+              <a:rPr lang="en-US" altLang="zh-CN" dirty="0"/>
+              <a:t>Unity</a:t>
+            </a:r>
+            <a:r>
+              <a:rPr lang="zh-CN" altLang="en-US" dirty="0"/>
+              <a:t>的目标也是说开发一个不需要编码就能做游戏的引擎。不过现阶段是对于稍微复杂的业务需求，单独的拖拖拉拉是不能现实的。即使有了</a:t>
+            </a:r>
+            <a:r>
+              <a:rPr lang="en-US" altLang="zh-CN" dirty="0" err="1"/>
+              <a:t>PlayerMaker</a:t>
+            </a:r>
+            <a:r>
+              <a:rPr lang="zh-CN" altLang="en-US" dirty="0"/>
+              <a:t>这样第三方插件。还是有很多功能无法实现的。</a:t>
+            </a:r>
           </a:p>
         </p:txBody>
       </p:sp>
@@ -800,6 +829,244 @@
           <a:p>
             <a:fld id="{6EFF56B4-AA9B-4CAD-A1CC-F368E2291C09}" type="slidenum">
               <a:rPr lang="zh-CN" altLang="en-US" smtClean="0"/>
+              <a:t>16</a:t>
+            </a:fld>
+            <a:endParaRPr lang="zh-CN" altLang="en-US"/>
+          </a:p>
+        </p:txBody>
+      </p:sp>
+    </p:spTree>
+  </p:cSld>
+  <p:clrMapOvr>
+    <a:masterClrMapping/>
+  </p:clrMapOvr>
+</p:notes>
+</file>
+
+<file path=ppt/notesSlides/notesSlide5.xml><?xml version="1.0" encoding="utf-8"?>
+<p:notes xmlns:a="http://schemas.openxmlformats.org/drawingml/2006/main" xmlns:r="http://schemas.openxmlformats.org/officeDocument/2006/relationships" xmlns:p="http://schemas.openxmlformats.org/presentationml/2006/main">
+  <p:cSld>
+    <p:spTree>
+      <p:nvGrpSpPr>
+        <p:cNvPr id="1" name=""/>
+        <p:cNvGrpSpPr/>
+        <p:nvPr/>
+      </p:nvGrpSpPr>
+      <p:grpSpPr>
+        <a:xfrm>
+          <a:off x="0" y="0"/>
+          <a:ext cx="0" cy="0"/>
+          <a:chOff x="0" y="0"/>
+          <a:chExt cx="0" cy="0"/>
+        </a:xfrm>
+      </p:grpSpPr>
+      <p:sp>
+        <p:nvSpPr>
+          <p:cNvPr id="2" name="幻灯片图像占位符 1"/>
+          <p:cNvSpPr>
+            <a:spLocks noGrp="1" noRot="1" noChangeAspect="1"/>
+          </p:cNvSpPr>
+          <p:nvPr>
+            <p:ph type="sldImg"/>
+          </p:nvPr>
+        </p:nvSpPr>
+        <p:spPr/>
+      </p:sp>
+      <p:sp>
+        <p:nvSpPr>
+          <p:cNvPr id="3" name="备注占位符 2"/>
+          <p:cNvSpPr>
+            <a:spLocks noGrp="1"/>
+          </p:cNvSpPr>
+          <p:nvPr>
+            <p:ph type="body" idx="1"/>
+          </p:nvPr>
+        </p:nvSpPr>
+        <p:spPr/>
+        <p:txBody>
+          <a:bodyPr/>
+          <a:lstStyle/>
+          <a:p>
+            <a:endParaRPr lang="zh-CN" altLang="en-US" dirty="0"/>
+          </a:p>
+        </p:txBody>
+      </p:sp>
+      <p:sp>
+        <p:nvSpPr>
+          <p:cNvPr id="4" name="灯片编号占位符 3"/>
+          <p:cNvSpPr>
+            <a:spLocks noGrp="1"/>
+          </p:cNvSpPr>
+          <p:nvPr>
+            <p:ph type="sldNum" sz="quarter" idx="5"/>
+          </p:nvPr>
+        </p:nvSpPr>
+        <p:spPr/>
+        <p:txBody>
+          <a:bodyPr/>
+          <a:lstStyle/>
+          <a:p>
+            <a:fld id="{6EFF56B4-AA9B-4CAD-A1CC-F368E2291C09}" type="slidenum">
+              <a:rPr lang="zh-CN" altLang="en-US" smtClean="0"/>
+              <a:t>17</a:t>
+            </a:fld>
+            <a:endParaRPr lang="zh-CN" altLang="en-US"/>
+          </a:p>
+        </p:txBody>
+      </p:sp>
+    </p:spTree>
+  </p:cSld>
+  <p:clrMapOvr>
+    <a:masterClrMapping/>
+  </p:clrMapOvr>
+</p:notes>
+</file>
+
+<file path=ppt/notesSlides/notesSlide6.xml><?xml version="1.0" encoding="utf-8"?>
+<p:notes xmlns:a="http://schemas.openxmlformats.org/drawingml/2006/main" xmlns:r="http://schemas.openxmlformats.org/officeDocument/2006/relationships" xmlns:p="http://schemas.openxmlformats.org/presentationml/2006/main">
+  <p:cSld>
+    <p:spTree>
+      <p:nvGrpSpPr>
+        <p:cNvPr id="1" name=""/>
+        <p:cNvGrpSpPr/>
+        <p:nvPr/>
+      </p:nvGrpSpPr>
+      <p:grpSpPr>
+        <a:xfrm>
+          <a:off x="0" y="0"/>
+          <a:ext cx="0" cy="0"/>
+          <a:chOff x="0" y="0"/>
+          <a:chExt cx="0" cy="0"/>
+        </a:xfrm>
+      </p:grpSpPr>
+      <p:sp>
+        <p:nvSpPr>
+          <p:cNvPr id="2" name="幻灯片图像占位符 1"/>
+          <p:cNvSpPr>
+            <a:spLocks noGrp="1" noRot="1" noChangeAspect="1"/>
+          </p:cNvSpPr>
+          <p:nvPr>
+            <p:ph type="sldImg"/>
+          </p:nvPr>
+        </p:nvSpPr>
+        <p:spPr/>
+      </p:sp>
+      <p:sp>
+        <p:nvSpPr>
+          <p:cNvPr id="3" name="备注占位符 2"/>
+          <p:cNvSpPr>
+            <a:spLocks noGrp="1"/>
+          </p:cNvSpPr>
+          <p:nvPr>
+            <p:ph type="body" idx="1"/>
+          </p:nvPr>
+        </p:nvSpPr>
+        <p:spPr/>
+        <p:txBody>
+          <a:bodyPr/>
+          <a:lstStyle/>
+          <a:p>
+            <a:endParaRPr lang="zh-CN" altLang="en-US" dirty="0"/>
+          </a:p>
+        </p:txBody>
+      </p:sp>
+      <p:sp>
+        <p:nvSpPr>
+          <p:cNvPr id="4" name="灯片编号占位符 3"/>
+          <p:cNvSpPr>
+            <a:spLocks noGrp="1"/>
+          </p:cNvSpPr>
+          <p:nvPr>
+            <p:ph type="sldNum" sz="quarter" idx="5"/>
+          </p:nvPr>
+        </p:nvSpPr>
+        <p:spPr/>
+        <p:txBody>
+          <a:bodyPr/>
+          <a:lstStyle/>
+          <a:p>
+            <a:fld id="{6EFF56B4-AA9B-4CAD-A1CC-F368E2291C09}" type="slidenum">
+              <a:rPr lang="zh-CN" altLang="en-US" smtClean="0"/>
+              <a:t>18</a:t>
+            </a:fld>
+            <a:endParaRPr lang="zh-CN" altLang="en-US"/>
+          </a:p>
+        </p:txBody>
+      </p:sp>
+    </p:spTree>
+  </p:cSld>
+  <p:clrMapOvr>
+    <a:masterClrMapping/>
+  </p:clrMapOvr>
+</p:notes>
+</file>
+
+<file path=ppt/notesSlides/notesSlide7.xml><?xml version="1.0" encoding="utf-8"?>
+<p:notes xmlns:a="http://schemas.openxmlformats.org/drawingml/2006/main" xmlns:r="http://schemas.openxmlformats.org/officeDocument/2006/relationships" xmlns:p="http://schemas.openxmlformats.org/presentationml/2006/main">
+  <p:cSld>
+    <p:spTree>
+      <p:nvGrpSpPr>
+        <p:cNvPr id="1" name=""/>
+        <p:cNvGrpSpPr/>
+        <p:nvPr/>
+      </p:nvGrpSpPr>
+      <p:grpSpPr>
+        <a:xfrm>
+          <a:off x="0" y="0"/>
+          <a:ext cx="0" cy="0"/>
+          <a:chOff x="0" y="0"/>
+          <a:chExt cx="0" cy="0"/>
+        </a:xfrm>
+      </p:grpSpPr>
+      <p:sp>
+        <p:nvSpPr>
+          <p:cNvPr id="2" name="幻灯片图像占位符 1"/>
+          <p:cNvSpPr>
+            <a:spLocks noGrp="1" noRot="1" noChangeAspect="1"/>
+          </p:cNvSpPr>
+          <p:nvPr>
+            <p:ph type="sldImg"/>
+          </p:nvPr>
+        </p:nvSpPr>
+        <p:spPr/>
+      </p:sp>
+      <p:sp>
+        <p:nvSpPr>
+          <p:cNvPr id="3" name="备注占位符 2"/>
+          <p:cNvSpPr>
+            <a:spLocks noGrp="1"/>
+          </p:cNvSpPr>
+          <p:nvPr>
+            <p:ph type="body" idx="1"/>
+          </p:nvPr>
+        </p:nvSpPr>
+        <p:spPr/>
+        <p:txBody>
+          <a:bodyPr/>
+          <a:lstStyle/>
+          <a:p>
+            <a:endParaRPr lang="zh-CN" altLang="en-US" dirty="0"/>
+          </a:p>
+        </p:txBody>
+      </p:sp>
+      <p:sp>
+        <p:nvSpPr>
+          <p:cNvPr id="4" name="灯片编号占位符 3"/>
+          <p:cNvSpPr>
+            <a:spLocks noGrp="1"/>
+          </p:cNvSpPr>
+          <p:nvPr>
+            <p:ph type="sldNum" sz="quarter" idx="5"/>
+          </p:nvPr>
+        </p:nvSpPr>
+        <p:spPr/>
+        <p:txBody>
+          <a:bodyPr/>
+          <a:lstStyle/>
+          <a:p>
+            <a:fld id="{6EFF56B4-AA9B-4CAD-A1CC-F368E2291C09}" type="slidenum">
+              <a:rPr lang="zh-CN" altLang="en-US" smtClean="0"/>
+              <a:t>19</a:t>
             </a:fld>
             <a:endParaRPr lang="zh-CN" altLang="en-US"/>
           </a:p>
@@ -858,7 +1125,6 @@
               <a:rPr lang="zh-CN" altLang="en-US"/>
               <a:t>单击此处编辑母版标题样式</a:t>
             </a:r>
-            <a:endParaRPr lang="zh-CN" altLang="en-US"/>
           </a:p>
         </p:txBody>
       </p:sp>
@@ -923,7 +1189,6 @@
               <a:rPr lang="zh-CN" altLang="en-US"/>
               <a:t>单击此处编辑母版副标题样式</a:t>
             </a:r>
-            <a:endParaRPr lang="zh-CN" altLang="en-US"/>
           </a:p>
         </p:txBody>
       </p:sp>
@@ -944,6 +1209,7 @@
           <a:p>
             <a:fld id="{299BC13E-C5C7-4C89-AEA2-3466C529D53D}" type="datetimeFigureOut">
               <a:rPr lang="zh-CN" altLang="en-US" smtClean="0"/>
+              <a:t>2019/6/17</a:t>
             </a:fld>
             <a:endParaRPr lang="zh-CN" altLang="en-US"/>
           </a:p>
@@ -985,6 +1251,7 @@
           <a:p>
             <a:fld id="{857345F9-384F-4D81-87CF-ACC48838300D}" type="slidenum">
               <a:rPr lang="zh-CN" altLang="en-US" smtClean="0"/>
+              <a:t>‹#›</a:t>
             </a:fld>
             <a:endParaRPr lang="zh-CN" altLang="en-US"/>
           </a:p>
@@ -1034,7 +1301,6 @@
               <a:rPr lang="zh-CN" altLang="en-US"/>
               <a:t>单击此处编辑母版标题样式</a:t>
             </a:r>
-            <a:endParaRPr lang="zh-CN" altLang="en-US"/>
           </a:p>
         </p:txBody>
       </p:sp>
@@ -1058,7 +1324,6 @@
               <a:rPr lang="zh-CN" altLang="en-US"/>
               <a:t>单击此处编辑母版文本样式</a:t>
             </a:r>
-            <a:endParaRPr lang="zh-CN" altLang="en-US"/>
           </a:p>
           <a:p>
             <a:pPr lvl="1"/>
@@ -1066,7 +1331,6 @@
               <a:rPr lang="zh-CN" altLang="en-US"/>
               <a:t>二级</a:t>
             </a:r>
-            <a:endParaRPr lang="zh-CN" altLang="en-US"/>
           </a:p>
           <a:p>
             <a:pPr lvl="2"/>
@@ -1074,7 +1338,6 @@
               <a:rPr lang="zh-CN" altLang="en-US"/>
               <a:t>三级</a:t>
             </a:r>
-            <a:endParaRPr lang="zh-CN" altLang="en-US"/>
           </a:p>
           <a:p>
             <a:pPr lvl="3"/>
@@ -1082,7 +1345,6 @@
               <a:rPr lang="zh-CN" altLang="en-US"/>
               <a:t>四级</a:t>
             </a:r>
-            <a:endParaRPr lang="zh-CN" altLang="en-US"/>
           </a:p>
           <a:p>
             <a:pPr lvl="4"/>
@@ -1090,7 +1352,6 @@
               <a:rPr lang="zh-CN" altLang="en-US"/>
               <a:t>五级</a:t>
             </a:r>
-            <a:endParaRPr lang="zh-CN" altLang="en-US"/>
           </a:p>
         </p:txBody>
       </p:sp>
@@ -1111,6 +1372,7 @@
           <a:p>
             <a:fld id="{299BC13E-C5C7-4C89-AEA2-3466C529D53D}" type="datetimeFigureOut">
               <a:rPr lang="zh-CN" altLang="en-US" smtClean="0"/>
+              <a:t>2019/6/17</a:t>
             </a:fld>
             <a:endParaRPr lang="zh-CN" altLang="en-US"/>
           </a:p>
@@ -1152,6 +1414,7 @@
           <a:p>
             <a:fld id="{857345F9-384F-4D81-87CF-ACC48838300D}" type="slidenum">
               <a:rPr lang="zh-CN" altLang="en-US" smtClean="0"/>
+              <a:t>‹#›</a:t>
             </a:fld>
             <a:endParaRPr lang="zh-CN" altLang="en-US"/>
           </a:p>
@@ -1206,7 +1469,6 @@
               <a:rPr lang="zh-CN" altLang="en-US"/>
               <a:t>单击此处编辑母版标题样式</a:t>
             </a:r>
-            <a:endParaRPr lang="zh-CN" altLang="en-US"/>
           </a:p>
         </p:txBody>
       </p:sp>
@@ -1235,7 +1497,6 @@
               <a:rPr lang="zh-CN" altLang="en-US"/>
               <a:t>单击此处编辑母版文本样式</a:t>
             </a:r>
-            <a:endParaRPr lang="zh-CN" altLang="en-US"/>
           </a:p>
           <a:p>
             <a:pPr lvl="1"/>
@@ -1243,7 +1504,6 @@
               <a:rPr lang="zh-CN" altLang="en-US"/>
               <a:t>二级</a:t>
             </a:r>
-            <a:endParaRPr lang="zh-CN" altLang="en-US"/>
           </a:p>
           <a:p>
             <a:pPr lvl="2"/>
@@ -1251,7 +1511,6 @@
               <a:rPr lang="zh-CN" altLang="en-US"/>
               <a:t>三级</a:t>
             </a:r>
-            <a:endParaRPr lang="zh-CN" altLang="en-US"/>
           </a:p>
           <a:p>
             <a:pPr lvl="3"/>
@@ -1259,7 +1518,6 @@
               <a:rPr lang="zh-CN" altLang="en-US"/>
               <a:t>四级</a:t>
             </a:r>
-            <a:endParaRPr lang="zh-CN" altLang="en-US"/>
           </a:p>
           <a:p>
             <a:pPr lvl="4"/>
@@ -1267,7 +1525,6 @@
               <a:rPr lang="zh-CN" altLang="en-US"/>
               <a:t>五级</a:t>
             </a:r>
-            <a:endParaRPr lang="zh-CN" altLang="en-US"/>
           </a:p>
         </p:txBody>
       </p:sp>
@@ -1288,6 +1545,7 @@
           <a:p>
             <a:fld id="{299BC13E-C5C7-4C89-AEA2-3466C529D53D}" type="datetimeFigureOut">
               <a:rPr lang="zh-CN" altLang="en-US" smtClean="0"/>
+              <a:t>2019/6/17</a:t>
             </a:fld>
             <a:endParaRPr lang="zh-CN" altLang="en-US"/>
           </a:p>
@@ -1329,6 +1587,7 @@
           <a:p>
             <a:fld id="{857345F9-384F-4D81-87CF-ACC48838300D}" type="slidenum">
               <a:rPr lang="zh-CN" altLang="en-US" smtClean="0"/>
+              <a:t>‹#›</a:t>
             </a:fld>
             <a:endParaRPr lang="zh-CN" altLang="en-US"/>
           </a:p>
@@ -1378,7 +1637,6 @@
               <a:rPr lang="zh-CN" altLang="en-US"/>
               <a:t>单击此处编辑母版标题样式</a:t>
             </a:r>
-            <a:endParaRPr lang="zh-CN" altLang="en-US"/>
           </a:p>
         </p:txBody>
       </p:sp>
@@ -1402,7 +1660,6 @@
               <a:rPr lang="zh-CN" altLang="en-US"/>
               <a:t>单击此处编辑母版文本样式</a:t>
             </a:r>
-            <a:endParaRPr lang="zh-CN" altLang="en-US"/>
           </a:p>
           <a:p>
             <a:pPr lvl="1"/>
@@ -1410,7 +1667,6 @@
               <a:rPr lang="zh-CN" altLang="en-US"/>
               <a:t>二级</a:t>
             </a:r>
-            <a:endParaRPr lang="zh-CN" altLang="en-US"/>
           </a:p>
           <a:p>
             <a:pPr lvl="2"/>
@@ -1418,7 +1674,6 @@
               <a:rPr lang="zh-CN" altLang="en-US"/>
               <a:t>三级</a:t>
             </a:r>
-            <a:endParaRPr lang="zh-CN" altLang="en-US"/>
           </a:p>
           <a:p>
             <a:pPr lvl="3"/>
@@ -1426,7 +1681,6 @@
               <a:rPr lang="zh-CN" altLang="en-US"/>
               <a:t>四级</a:t>
             </a:r>
-            <a:endParaRPr lang="zh-CN" altLang="en-US"/>
           </a:p>
           <a:p>
             <a:pPr lvl="4"/>
@@ -1434,7 +1688,6 @@
               <a:rPr lang="zh-CN" altLang="en-US"/>
               <a:t>五级</a:t>
             </a:r>
-            <a:endParaRPr lang="zh-CN" altLang="en-US"/>
           </a:p>
         </p:txBody>
       </p:sp>
@@ -1455,6 +1708,7 @@
           <a:p>
             <a:fld id="{299BC13E-C5C7-4C89-AEA2-3466C529D53D}" type="datetimeFigureOut">
               <a:rPr lang="zh-CN" altLang="en-US" smtClean="0"/>
+              <a:t>2019/6/17</a:t>
             </a:fld>
             <a:endParaRPr lang="zh-CN" altLang="en-US"/>
           </a:p>
@@ -1496,6 +1750,7 @@
           <a:p>
             <a:fld id="{857345F9-384F-4D81-87CF-ACC48838300D}" type="slidenum">
               <a:rPr lang="zh-CN" altLang="en-US" smtClean="0"/>
+              <a:t>‹#›</a:t>
             </a:fld>
             <a:endParaRPr lang="zh-CN" altLang="en-US"/>
           </a:p>
@@ -1554,7 +1809,6 @@
               <a:rPr lang="zh-CN" altLang="en-US"/>
               <a:t>单击此处编辑母版标题样式</a:t>
             </a:r>
-            <a:endParaRPr lang="zh-CN" altLang="en-US"/>
           </a:p>
         </p:txBody>
       </p:sp>
@@ -1674,7 +1928,6 @@
               <a:rPr lang="zh-CN" altLang="en-US"/>
               <a:t>单击此处编辑母版文本样式</a:t>
             </a:r>
-            <a:endParaRPr lang="zh-CN" altLang="en-US"/>
           </a:p>
         </p:txBody>
       </p:sp>
@@ -1695,6 +1948,7 @@
           <a:p>
             <a:fld id="{299BC13E-C5C7-4C89-AEA2-3466C529D53D}" type="datetimeFigureOut">
               <a:rPr lang="zh-CN" altLang="en-US" smtClean="0"/>
+              <a:t>2019/6/17</a:t>
             </a:fld>
             <a:endParaRPr lang="zh-CN" altLang="en-US"/>
           </a:p>
@@ -1736,6 +1990,7 @@
           <a:p>
             <a:fld id="{857345F9-384F-4D81-87CF-ACC48838300D}" type="slidenum">
               <a:rPr lang="zh-CN" altLang="en-US" smtClean="0"/>
+              <a:t>‹#›</a:t>
             </a:fld>
             <a:endParaRPr lang="zh-CN" altLang="en-US"/>
           </a:p>
@@ -1785,7 +2040,6 @@
               <a:rPr lang="zh-CN" altLang="en-US"/>
               <a:t>单击此处编辑母版标题样式</a:t>
             </a:r>
-            <a:endParaRPr lang="zh-CN" altLang="en-US"/>
           </a:p>
         </p:txBody>
       </p:sp>
@@ -1814,7 +2068,6 @@
               <a:rPr lang="zh-CN" altLang="en-US"/>
               <a:t>单击此处编辑母版文本样式</a:t>
             </a:r>
-            <a:endParaRPr lang="zh-CN" altLang="en-US"/>
           </a:p>
           <a:p>
             <a:pPr lvl="1"/>
@@ -1822,7 +2075,6 @@
               <a:rPr lang="zh-CN" altLang="en-US"/>
               <a:t>二级</a:t>
             </a:r>
-            <a:endParaRPr lang="zh-CN" altLang="en-US"/>
           </a:p>
           <a:p>
             <a:pPr lvl="2"/>
@@ -1830,7 +2082,6 @@
               <a:rPr lang="zh-CN" altLang="en-US"/>
               <a:t>三级</a:t>
             </a:r>
-            <a:endParaRPr lang="zh-CN" altLang="en-US"/>
           </a:p>
           <a:p>
             <a:pPr lvl="3"/>
@@ -1838,7 +2089,6 @@
               <a:rPr lang="zh-CN" altLang="en-US"/>
               <a:t>四级</a:t>
             </a:r>
-            <a:endParaRPr lang="zh-CN" altLang="en-US"/>
           </a:p>
           <a:p>
             <a:pPr lvl="4"/>
@@ -1846,7 +2096,6 @@
               <a:rPr lang="zh-CN" altLang="en-US"/>
               <a:t>五级</a:t>
             </a:r>
-            <a:endParaRPr lang="zh-CN" altLang="en-US"/>
           </a:p>
         </p:txBody>
       </p:sp>
@@ -1875,7 +2124,6 @@
               <a:rPr lang="zh-CN" altLang="en-US"/>
               <a:t>单击此处编辑母版文本样式</a:t>
             </a:r>
-            <a:endParaRPr lang="zh-CN" altLang="en-US"/>
           </a:p>
           <a:p>
             <a:pPr lvl="1"/>
@@ -1883,7 +2131,6 @@
               <a:rPr lang="zh-CN" altLang="en-US"/>
               <a:t>二级</a:t>
             </a:r>
-            <a:endParaRPr lang="zh-CN" altLang="en-US"/>
           </a:p>
           <a:p>
             <a:pPr lvl="2"/>
@@ -1891,7 +2138,6 @@
               <a:rPr lang="zh-CN" altLang="en-US"/>
               <a:t>三级</a:t>
             </a:r>
-            <a:endParaRPr lang="zh-CN" altLang="en-US"/>
           </a:p>
           <a:p>
             <a:pPr lvl="3"/>
@@ -1899,7 +2145,6 @@
               <a:rPr lang="zh-CN" altLang="en-US"/>
               <a:t>四级</a:t>
             </a:r>
-            <a:endParaRPr lang="zh-CN" altLang="en-US"/>
           </a:p>
           <a:p>
             <a:pPr lvl="4"/>
@@ -1907,7 +2152,6 @@
               <a:rPr lang="zh-CN" altLang="en-US"/>
               <a:t>五级</a:t>
             </a:r>
-            <a:endParaRPr lang="zh-CN" altLang="en-US"/>
           </a:p>
         </p:txBody>
       </p:sp>
@@ -1928,6 +2172,7 @@
           <a:p>
             <a:fld id="{299BC13E-C5C7-4C89-AEA2-3466C529D53D}" type="datetimeFigureOut">
               <a:rPr lang="zh-CN" altLang="en-US" smtClean="0"/>
+              <a:t>2019/6/17</a:t>
             </a:fld>
             <a:endParaRPr lang="zh-CN" altLang="en-US"/>
           </a:p>
@@ -1969,6 +2214,7 @@
           <a:p>
             <a:fld id="{857345F9-384F-4D81-87CF-ACC48838300D}" type="slidenum">
               <a:rPr lang="zh-CN" altLang="en-US" smtClean="0"/>
+              <a:t>‹#›</a:t>
             </a:fld>
             <a:endParaRPr lang="zh-CN" altLang="en-US"/>
           </a:p>
@@ -2023,7 +2269,6 @@
               <a:rPr lang="zh-CN" altLang="en-US"/>
               <a:t>单击此处编辑母版标题样式</a:t>
             </a:r>
-            <a:endParaRPr lang="zh-CN" altLang="en-US"/>
           </a:p>
         </p:txBody>
       </p:sp>
@@ -2089,7 +2334,6 @@
               <a:rPr lang="zh-CN" altLang="en-US"/>
               <a:t>单击此处编辑母版文本样式</a:t>
             </a:r>
-            <a:endParaRPr lang="zh-CN" altLang="en-US"/>
           </a:p>
         </p:txBody>
       </p:sp>
@@ -2118,7 +2362,6 @@
               <a:rPr lang="zh-CN" altLang="en-US"/>
               <a:t>单击此处编辑母版文本样式</a:t>
             </a:r>
-            <a:endParaRPr lang="zh-CN" altLang="en-US"/>
           </a:p>
           <a:p>
             <a:pPr lvl="1"/>
@@ -2126,7 +2369,6 @@
               <a:rPr lang="zh-CN" altLang="en-US"/>
               <a:t>二级</a:t>
             </a:r>
-            <a:endParaRPr lang="zh-CN" altLang="en-US"/>
           </a:p>
           <a:p>
             <a:pPr lvl="2"/>
@@ -2134,7 +2376,6 @@
               <a:rPr lang="zh-CN" altLang="en-US"/>
               <a:t>三级</a:t>
             </a:r>
-            <a:endParaRPr lang="zh-CN" altLang="en-US"/>
           </a:p>
           <a:p>
             <a:pPr lvl="3"/>
@@ -2142,7 +2383,6 @@
               <a:rPr lang="zh-CN" altLang="en-US"/>
               <a:t>四级</a:t>
             </a:r>
-            <a:endParaRPr lang="zh-CN" altLang="en-US"/>
           </a:p>
           <a:p>
             <a:pPr lvl="4"/>
@@ -2150,7 +2390,6 @@
               <a:rPr lang="zh-CN" altLang="en-US"/>
               <a:t>五级</a:t>
             </a:r>
-            <a:endParaRPr lang="zh-CN" altLang="en-US"/>
           </a:p>
         </p:txBody>
       </p:sp>
@@ -2216,7 +2455,6 @@
               <a:rPr lang="zh-CN" altLang="en-US"/>
               <a:t>单击此处编辑母版文本样式</a:t>
             </a:r>
-            <a:endParaRPr lang="zh-CN" altLang="en-US"/>
           </a:p>
         </p:txBody>
       </p:sp>
@@ -2245,7 +2483,6 @@
               <a:rPr lang="zh-CN" altLang="en-US"/>
               <a:t>单击此处编辑母版文本样式</a:t>
             </a:r>
-            <a:endParaRPr lang="zh-CN" altLang="en-US"/>
           </a:p>
           <a:p>
             <a:pPr lvl="1"/>
@@ -2253,7 +2490,6 @@
               <a:rPr lang="zh-CN" altLang="en-US"/>
               <a:t>二级</a:t>
             </a:r>
-            <a:endParaRPr lang="zh-CN" altLang="en-US"/>
           </a:p>
           <a:p>
             <a:pPr lvl="2"/>
@@ -2261,7 +2497,6 @@
               <a:rPr lang="zh-CN" altLang="en-US"/>
               <a:t>三级</a:t>
             </a:r>
-            <a:endParaRPr lang="zh-CN" altLang="en-US"/>
           </a:p>
           <a:p>
             <a:pPr lvl="3"/>
@@ -2269,7 +2504,6 @@
               <a:rPr lang="zh-CN" altLang="en-US"/>
               <a:t>四级</a:t>
             </a:r>
-            <a:endParaRPr lang="zh-CN" altLang="en-US"/>
           </a:p>
           <a:p>
             <a:pPr lvl="4"/>
@@ -2277,7 +2511,6 @@
               <a:rPr lang="zh-CN" altLang="en-US"/>
               <a:t>五级</a:t>
             </a:r>
-            <a:endParaRPr lang="zh-CN" altLang="en-US"/>
           </a:p>
         </p:txBody>
       </p:sp>
@@ -2298,6 +2531,7 @@
           <a:p>
             <a:fld id="{299BC13E-C5C7-4C89-AEA2-3466C529D53D}" type="datetimeFigureOut">
               <a:rPr lang="zh-CN" altLang="en-US" smtClean="0"/>
+              <a:t>2019/6/17</a:t>
             </a:fld>
             <a:endParaRPr lang="zh-CN" altLang="en-US"/>
           </a:p>
@@ -2339,6 +2573,7 @@
           <a:p>
             <a:fld id="{857345F9-384F-4D81-87CF-ACC48838300D}" type="slidenum">
               <a:rPr lang="zh-CN" altLang="en-US" smtClean="0"/>
+              <a:t>‹#›</a:t>
             </a:fld>
             <a:endParaRPr lang="zh-CN" altLang="en-US"/>
           </a:p>
@@ -2388,7 +2623,6 @@
               <a:rPr lang="zh-CN" altLang="en-US"/>
               <a:t>单击此处编辑母版标题样式</a:t>
             </a:r>
-            <a:endParaRPr lang="zh-CN" altLang="en-US"/>
           </a:p>
         </p:txBody>
       </p:sp>
@@ -2409,6 +2643,7 @@
           <a:p>
             <a:fld id="{299BC13E-C5C7-4C89-AEA2-3466C529D53D}" type="datetimeFigureOut">
               <a:rPr lang="zh-CN" altLang="en-US" smtClean="0"/>
+              <a:t>2019/6/17</a:t>
             </a:fld>
             <a:endParaRPr lang="zh-CN" altLang="en-US"/>
           </a:p>
@@ -2450,6 +2685,7 @@
           <a:p>
             <a:fld id="{857345F9-384F-4D81-87CF-ACC48838300D}" type="slidenum">
               <a:rPr lang="zh-CN" altLang="en-US" smtClean="0"/>
+              <a:t>‹#›</a:t>
             </a:fld>
             <a:endParaRPr lang="zh-CN" altLang="en-US"/>
           </a:p>
@@ -2497,6 +2733,7 @@
           <a:p>
             <a:fld id="{299BC13E-C5C7-4C89-AEA2-3466C529D53D}" type="datetimeFigureOut">
               <a:rPr lang="zh-CN" altLang="en-US" smtClean="0"/>
+              <a:t>2019/6/17</a:t>
             </a:fld>
             <a:endParaRPr lang="zh-CN" altLang="en-US"/>
           </a:p>
@@ -2538,6 +2775,7 @@
           <a:p>
             <a:fld id="{857345F9-384F-4D81-87CF-ACC48838300D}" type="slidenum">
               <a:rPr lang="zh-CN" altLang="en-US" smtClean="0"/>
+              <a:t>‹#›</a:t>
             </a:fld>
             <a:endParaRPr lang="zh-CN" altLang="en-US"/>
           </a:p>
@@ -2596,7 +2834,6 @@
               <a:rPr lang="zh-CN" altLang="en-US"/>
               <a:t>单击此处编辑母版标题样式</a:t>
             </a:r>
-            <a:endParaRPr lang="zh-CN" altLang="en-US"/>
           </a:p>
         </p:txBody>
       </p:sp>
@@ -2653,7 +2890,6 @@
               <a:rPr lang="zh-CN" altLang="en-US"/>
               <a:t>单击此处编辑母版文本样式</a:t>
             </a:r>
-            <a:endParaRPr lang="zh-CN" altLang="en-US"/>
           </a:p>
           <a:p>
             <a:pPr lvl="1"/>
@@ -2661,7 +2897,6 @@
               <a:rPr lang="zh-CN" altLang="en-US"/>
               <a:t>二级</a:t>
             </a:r>
-            <a:endParaRPr lang="zh-CN" altLang="en-US"/>
           </a:p>
           <a:p>
             <a:pPr lvl="2"/>
@@ -2669,7 +2904,6 @@
               <a:rPr lang="zh-CN" altLang="en-US"/>
               <a:t>三级</a:t>
             </a:r>
-            <a:endParaRPr lang="zh-CN" altLang="en-US"/>
           </a:p>
           <a:p>
             <a:pPr lvl="3"/>
@@ -2677,7 +2911,6 @@
               <a:rPr lang="zh-CN" altLang="en-US"/>
               <a:t>四级</a:t>
             </a:r>
-            <a:endParaRPr lang="zh-CN" altLang="en-US"/>
           </a:p>
           <a:p>
             <a:pPr lvl="4"/>
@@ -2685,7 +2918,6 @@
               <a:rPr lang="zh-CN" altLang="en-US"/>
               <a:t>五级</a:t>
             </a:r>
-            <a:endParaRPr lang="zh-CN" altLang="en-US"/>
           </a:p>
         </p:txBody>
       </p:sp>
@@ -2751,7 +2983,6 @@
               <a:rPr lang="zh-CN" altLang="en-US"/>
               <a:t>单击此处编辑母版文本样式</a:t>
             </a:r>
-            <a:endParaRPr lang="zh-CN" altLang="en-US"/>
           </a:p>
         </p:txBody>
       </p:sp>
@@ -2772,6 +3003,7 @@
           <a:p>
             <a:fld id="{299BC13E-C5C7-4C89-AEA2-3466C529D53D}" type="datetimeFigureOut">
               <a:rPr lang="zh-CN" altLang="en-US" smtClean="0"/>
+              <a:t>2019/6/17</a:t>
             </a:fld>
             <a:endParaRPr lang="zh-CN" altLang="en-US"/>
           </a:p>
@@ -2813,6 +3045,7 @@
           <a:p>
             <a:fld id="{857345F9-384F-4D81-87CF-ACC48838300D}" type="slidenum">
               <a:rPr lang="zh-CN" altLang="en-US" smtClean="0"/>
+              <a:t>‹#›</a:t>
             </a:fld>
             <a:endParaRPr lang="zh-CN" altLang="en-US"/>
           </a:p>
@@ -2871,7 +3104,6 @@
               <a:rPr lang="zh-CN" altLang="en-US"/>
               <a:t>单击此处编辑母版标题样式</a:t>
             </a:r>
-            <a:endParaRPr lang="zh-CN" altLang="en-US"/>
           </a:p>
         </p:txBody>
       </p:sp>
@@ -2998,7 +3230,6 @@
               <a:rPr lang="zh-CN" altLang="en-US"/>
               <a:t>单击此处编辑母版文本样式</a:t>
             </a:r>
-            <a:endParaRPr lang="zh-CN" altLang="en-US"/>
           </a:p>
         </p:txBody>
       </p:sp>
@@ -3019,6 +3250,7 @@
           <a:p>
             <a:fld id="{299BC13E-C5C7-4C89-AEA2-3466C529D53D}" type="datetimeFigureOut">
               <a:rPr lang="zh-CN" altLang="en-US" smtClean="0"/>
+              <a:t>2019/6/17</a:t>
             </a:fld>
             <a:endParaRPr lang="zh-CN" altLang="en-US"/>
           </a:p>
@@ -3060,6 +3292,7 @@
           <a:p>
             <a:fld id="{857345F9-384F-4D81-87CF-ACC48838300D}" type="slidenum">
               <a:rPr lang="zh-CN" altLang="en-US" smtClean="0"/>
+              <a:t>‹#›</a:t>
             </a:fld>
             <a:endParaRPr lang="zh-CN" altLang="en-US"/>
           </a:p>
@@ -3124,7 +3357,6 @@
               <a:rPr lang="zh-CN" altLang="en-US"/>
               <a:t>单击此处编辑母版标题样式</a:t>
             </a:r>
-            <a:endParaRPr lang="zh-CN" altLang="en-US"/>
           </a:p>
         </p:txBody>
       </p:sp>
@@ -3158,7 +3390,6 @@
               <a:rPr lang="zh-CN" altLang="en-US"/>
               <a:t>单击此处编辑母版文本样式</a:t>
             </a:r>
-            <a:endParaRPr lang="zh-CN" altLang="en-US"/>
           </a:p>
           <a:p>
             <a:pPr lvl="1"/>
@@ -3166,7 +3397,6 @@
               <a:rPr lang="zh-CN" altLang="en-US"/>
               <a:t>二级</a:t>
             </a:r>
-            <a:endParaRPr lang="zh-CN" altLang="en-US"/>
           </a:p>
           <a:p>
             <a:pPr lvl="2"/>
@@ -3174,7 +3404,6 @@
               <a:rPr lang="zh-CN" altLang="en-US"/>
               <a:t>三级</a:t>
             </a:r>
-            <a:endParaRPr lang="zh-CN" altLang="en-US"/>
           </a:p>
           <a:p>
             <a:pPr lvl="3"/>
@@ -3182,7 +3411,6 @@
               <a:rPr lang="zh-CN" altLang="en-US"/>
               <a:t>四级</a:t>
             </a:r>
-            <a:endParaRPr lang="zh-CN" altLang="en-US"/>
           </a:p>
           <a:p>
             <a:pPr lvl="4"/>
@@ -3190,7 +3418,6 @@
               <a:rPr lang="zh-CN" altLang="en-US"/>
               <a:t>五级</a:t>
             </a:r>
-            <a:endParaRPr lang="zh-CN" altLang="en-US"/>
           </a:p>
         </p:txBody>
       </p:sp>
@@ -3229,6 +3456,7 @@
           <a:p>
             <a:fld id="{299BC13E-C5C7-4C89-AEA2-3466C529D53D}" type="datetimeFigureOut">
               <a:rPr lang="zh-CN" altLang="en-US" smtClean="0"/>
+              <a:t>2019/6/17</a:t>
             </a:fld>
             <a:endParaRPr lang="zh-CN" altLang="en-US"/>
           </a:p>
@@ -3306,6 +3534,7 @@
           <a:p>
             <a:fld id="{857345F9-384F-4D81-87CF-ACC48838300D}" type="slidenum">
               <a:rPr lang="zh-CN" altLang="en-US" smtClean="0"/>
+              <a:t>‹#›</a:t>
             </a:fld>
             <a:endParaRPr lang="zh-CN" altLang="en-US"/>
           </a:p>
@@ -3650,7 +3879,6 @@
               <a:rPr lang="zh-CN" altLang="en-US" dirty="0"/>
               <a:t>引擎和游戏框架设计</a:t>
             </a:r>
-            <a:endParaRPr lang="zh-CN" altLang="en-US" dirty="0"/>
           </a:p>
         </p:txBody>
       </p:sp>
@@ -3681,7 +3909,6 @@
               <a:rPr lang="zh-CN" altLang="en-US" dirty="0"/>
               <a:t>吴保情</a:t>
             </a:r>
-            <a:endParaRPr lang="zh-CN" altLang="en-US" dirty="0"/>
           </a:p>
         </p:txBody>
       </p:sp>
@@ -3710,6 +3937,340 @@
           <a:chExt cx="0" cy="0"/>
         </a:xfrm>
       </p:grpSpPr>
+      <p:pic>
+        <p:nvPicPr>
+          <p:cNvPr id="3" name="图片 2">
+            <a:extLst>
+              <a:ext uri="{FF2B5EF4-FFF2-40B4-BE49-F238E27FC236}">
+                <a16:creationId xmlns:a16="http://schemas.microsoft.com/office/drawing/2014/main" id="{F4D5611F-D972-4923-9F19-1E5169D51AA0}"/>
+              </a:ext>
+            </a:extLst>
+          </p:cNvPr>
+          <p:cNvPicPr>
+            <a:picLocks noChangeAspect="1"/>
+          </p:cNvPicPr>
+          <p:nvPr/>
+        </p:nvPicPr>
+        <p:blipFill>
+          <a:blip r:embed="rId2">
+            <a:extLst>
+              <a:ext uri="{28A0092B-C50C-407E-A947-70E740481C1C}">
+                <a14:useLocalDpi xmlns:a14="http://schemas.microsoft.com/office/drawing/2010/main" val="0"/>
+              </a:ext>
+            </a:extLst>
+          </a:blip>
+          <a:stretch>
+            <a:fillRect/>
+          </a:stretch>
+        </p:blipFill>
+        <p:spPr>
+          <a:xfrm>
+            <a:off x="3390382" y="-68094"/>
+            <a:ext cx="4633023" cy="6858000"/>
+          </a:xfrm>
+          <a:prstGeom prst="rect">
+            <a:avLst/>
+          </a:prstGeom>
+        </p:spPr>
+      </p:pic>
+      <p:sp>
+        <p:nvSpPr>
+          <p:cNvPr id="4" name="矩形 3">
+            <a:extLst>
+              <a:ext uri="{FF2B5EF4-FFF2-40B4-BE49-F238E27FC236}">
+                <a16:creationId xmlns:a16="http://schemas.microsoft.com/office/drawing/2014/main" id="{5DB367B9-17E3-4532-8E9B-E89453491A21}"/>
+              </a:ext>
+            </a:extLst>
+          </p:cNvPr>
+          <p:cNvSpPr/>
+          <p:nvPr/>
+        </p:nvSpPr>
+        <p:spPr>
+          <a:xfrm>
+            <a:off x="976093" y="413585"/>
+            <a:ext cx="5589992" cy="369332"/>
+          </a:xfrm>
+          <a:prstGeom prst="rect">
+            <a:avLst/>
+          </a:prstGeom>
+        </p:spPr>
+        <p:txBody>
+          <a:bodyPr wrap="none">
+            <a:spAutoFit/>
+          </a:bodyPr>
+          <a:lstStyle/>
+          <a:p>
+            <a:r>
+              <a:rPr lang="en-US" altLang="zh-CN" dirty="0">
+                <a:hlinkClick r:id="rId3"/>
+              </a:rPr>
+              <a:t>https://docs.unity3d.com/Manual/ExecutionOrder.html</a:t>
+            </a:r>
+            <a:endParaRPr lang="zh-CN" altLang="en-US" dirty="0"/>
+          </a:p>
+        </p:txBody>
+      </p:sp>
+    </p:spTree>
+  </p:cSld>
+  <p:clrMapOvr>
+    <a:masterClrMapping/>
+  </p:clrMapOvr>
+</p:sld>
+</file>
+
+<file path=ppt/slides/slide11.xml><?xml version="1.0" encoding="utf-8"?>
+<p:sld xmlns:a="http://schemas.openxmlformats.org/drawingml/2006/main" xmlns:r="http://schemas.openxmlformats.org/officeDocument/2006/relationships" xmlns:p="http://schemas.openxmlformats.org/presentationml/2006/main">
+  <p:cSld>
+    <p:spTree>
+      <p:nvGrpSpPr>
+        <p:cNvPr id="1" name=""/>
+        <p:cNvGrpSpPr/>
+        <p:nvPr/>
+      </p:nvGrpSpPr>
+      <p:grpSpPr>
+        <a:xfrm>
+          <a:off x="0" y="0"/>
+          <a:ext cx="0" cy="0"/>
+          <a:chOff x="0" y="0"/>
+          <a:chExt cx="0" cy="0"/>
+        </a:xfrm>
+      </p:grpSpPr>
+      <p:pic>
+        <p:nvPicPr>
+          <p:cNvPr id="4" name="图片 3">
+            <a:extLst>
+              <a:ext uri="{FF2B5EF4-FFF2-40B4-BE49-F238E27FC236}">
+                <a16:creationId xmlns:a16="http://schemas.microsoft.com/office/drawing/2014/main" id="{6F98F8C8-5BC9-4FDA-9D36-7DE53EF2BBCA}"/>
+              </a:ext>
+            </a:extLst>
+          </p:cNvPr>
+          <p:cNvPicPr>
+            <a:picLocks noChangeAspect="1"/>
+          </p:cNvPicPr>
+          <p:nvPr/>
+        </p:nvPicPr>
+        <p:blipFill>
+          <a:blip r:embed="rId2"/>
+          <a:stretch>
+            <a:fillRect/>
+          </a:stretch>
+        </p:blipFill>
+        <p:spPr>
+          <a:xfrm>
+            <a:off x="1443619" y="138524"/>
+            <a:ext cx="9304762" cy="6580952"/>
+          </a:xfrm>
+          <a:prstGeom prst="rect">
+            <a:avLst/>
+          </a:prstGeom>
+        </p:spPr>
+      </p:pic>
+    </p:spTree>
+    <p:extLst>
+      <p:ext uri="{BB962C8B-B14F-4D97-AF65-F5344CB8AC3E}">
+        <p14:creationId xmlns:p14="http://schemas.microsoft.com/office/powerpoint/2010/main" val="1697470908"/>
+      </p:ext>
+    </p:extLst>
+  </p:cSld>
+  <p:clrMapOvr>
+    <a:masterClrMapping/>
+  </p:clrMapOvr>
+</p:sld>
+</file>
+
+<file path=ppt/slides/slide12.xml><?xml version="1.0" encoding="utf-8"?>
+<p:sld xmlns:a="http://schemas.openxmlformats.org/drawingml/2006/main" xmlns:r="http://schemas.openxmlformats.org/officeDocument/2006/relationships" xmlns:p="http://schemas.openxmlformats.org/presentationml/2006/main">
+  <p:cSld>
+    <p:spTree>
+      <p:nvGrpSpPr>
+        <p:cNvPr id="1" name=""/>
+        <p:cNvGrpSpPr/>
+        <p:nvPr/>
+      </p:nvGrpSpPr>
+      <p:grpSpPr>
+        <a:xfrm>
+          <a:off x="0" y="0"/>
+          <a:ext cx="0" cy="0"/>
+          <a:chOff x="0" y="0"/>
+          <a:chExt cx="0" cy="0"/>
+        </a:xfrm>
+      </p:grpSpPr>
+      <p:pic>
+        <p:nvPicPr>
+          <p:cNvPr id="4" name="图片 3">
+            <a:extLst>
+              <a:ext uri="{FF2B5EF4-FFF2-40B4-BE49-F238E27FC236}">
+                <a16:creationId xmlns:a16="http://schemas.microsoft.com/office/drawing/2014/main" id="{668D8EAF-A4F2-4A28-B832-0F68537E80AD}"/>
+              </a:ext>
+            </a:extLst>
+          </p:cNvPr>
+          <p:cNvPicPr>
+            <a:picLocks noChangeAspect="1"/>
+          </p:cNvPicPr>
+          <p:nvPr/>
+        </p:nvPicPr>
+        <p:blipFill>
+          <a:blip r:embed="rId2"/>
+          <a:stretch>
+            <a:fillRect/>
+          </a:stretch>
+        </p:blipFill>
+        <p:spPr>
+          <a:xfrm>
+            <a:off x="3395355" y="573772"/>
+            <a:ext cx="8066667" cy="3076190"/>
+          </a:xfrm>
+          <a:prstGeom prst="rect">
+            <a:avLst/>
+          </a:prstGeom>
+        </p:spPr>
+      </p:pic>
+      <p:sp>
+        <p:nvSpPr>
+          <p:cNvPr id="5" name="文本框 4">
+            <a:extLst>
+              <a:ext uri="{FF2B5EF4-FFF2-40B4-BE49-F238E27FC236}">
+                <a16:creationId xmlns:a16="http://schemas.microsoft.com/office/drawing/2014/main" id="{95612B8B-CB76-453E-B973-854185AAE3D2}"/>
+              </a:ext>
+            </a:extLst>
+          </p:cNvPr>
+          <p:cNvSpPr txBox="1"/>
+          <p:nvPr/>
+        </p:nvSpPr>
+        <p:spPr>
+          <a:xfrm>
+            <a:off x="564204" y="389106"/>
+            <a:ext cx="1903085" cy="369332"/>
+          </a:xfrm>
+          <a:prstGeom prst="rect">
+            <a:avLst/>
+          </a:prstGeom>
+          <a:noFill/>
+        </p:spPr>
+        <p:txBody>
+          <a:bodyPr wrap="none" rtlCol="0">
+            <a:spAutoFit/>
+          </a:bodyPr>
+          <a:lstStyle/>
+          <a:p>
+            <a:r>
+              <a:rPr lang="en-US" altLang="zh-CN" dirty="0"/>
+              <a:t>Camera </a:t>
+            </a:r>
+            <a:r>
+              <a:rPr lang="en-US" altLang="zh-CN" dirty="0" err="1"/>
+              <a:t>CullMask</a:t>
+            </a:r>
+            <a:endParaRPr lang="zh-CN" altLang="en-US" dirty="0"/>
+          </a:p>
+        </p:txBody>
+      </p:sp>
+      <p:sp>
+        <p:nvSpPr>
+          <p:cNvPr id="6" name="文本框 5">
+            <a:extLst>
+              <a:ext uri="{FF2B5EF4-FFF2-40B4-BE49-F238E27FC236}">
+                <a16:creationId xmlns:a16="http://schemas.microsoft.com/office/drawing/2014/main" id="{2A90B51E-20CB-44E3-AC84-7BD052E3279F}"/>
+              </a:ext>
+            </a:extLst>
+          </p:cNvPr>
+          <p:cNvSpPr txBox="1"/>
+          <p:nvPr/>
+        </p:nvSpPr>
+        <p:spPr>
+          <a:xfrm>
+            <a:off x="564204" y="1566153"/>
+            <a:ext cx="1941557" cy="369332"/>
+          </a:xfrm>
+          <a:prstGeom prst="rect">
+            <a:avLst/>
+          </a:prstGeom>
+          <a:noFill/>
+        </p:spPr>
+        <p:txBody>
+          <a:bodyPr wrap="none" rtlCol="0">
+            <a:spAutoFit/>
+          </a:bodyPr>
+          <a:lstStyle/>
+          <a:p>
+            <a:r>
+              <a:rPr lang="en-US" altLang="zh-CN" dirty="0"/>
+              <a:t>Lighting </a:t>
+            </a:r>
+            <a:r>
+              <a:rPr lang="en-US" altLang="zh-CN" dirty="0" err="1"/>
+              <a:t>CullMask</a:t>
+            </a:r>
+            <a:endParaRPr lang="zh-CN" altLang="en-US" dirty="0"/>
+          </a:p>
+        </p:txBody>
+      </p:sp>
+      <p:sp>
+        <p:nvSpPr>
+          <p:cNvPr id="7" name="文本框 6">
+            <a:extLst>
+              <a:ext uri="{FF2B5EF4-FFF2-40B4-BE49-F238E27FC236}">
+                <a16:creationId xmlns:a16="http://schemas.microsoft.com/office/drawing/2014/main" id="{B8B18E99-5F5C-484C-A0F6-136DD3B969F4}"/>
+              </a:ext>
+            </a:extLst>
+          </p:cNvPr>
+          <p:cNvSpPr txBox="1"/>
+          <p:nvPr/>
+        </p:nvSpPr>
+        <p:spPr>
+          <a:xfrm>
+            <a:off x="564204" y="2621763"/>
+            <a:ext cx="2504212" cy="369332"/>
+          </a:xfrm>
+          <a:prstGeom prst="rect">
+            <a:avLst/>
+          </a:prstGeom>
+          <a:noFill/>
+        </p:spPr>
+        <p:txBody>
+          <a:bodyPr wrap="none" rtlCol="0">
+            <a:spAutoFit/>
+          </a:bodyPr>
+          <a:lstStyle/>
+          <a:p>
+            <a:r>
+              <a:rPr lang="en-US" altLang="zh-CN" dirty="0"/>
+              <a:t>Opaque or Transparent</a:t>
+            </a:r>
+            <a:endParaRPr lang="zh-CN" altLang="en-US" dirty="0"/>
+          </a:p>
+        </p:txBody>
+      </p:sp>
+    </p:spTree>
+    <p:extLst>
+      <p:ext uri="{BB962C8B-B14F-4D97-AF65-F5344CB8AC3E}">
+        <p14:creationId xmlns:p14="http://schemas.microsoft.com/office/powerpoint/2010/main" val="2047721138"/>
+      </p:ext>
+    </p:extLst>
+  </p:cSld>
+  <p:clrMapOvr>
+    <a:masterClrMapping/>
+  </p:clrMapOvr>
+</p:sld>
+</file>
+
+<file path=ppt/slides/slide13.xml><?xml version="1.0" encoding="utf-8"?>
+<p:sld xmlns:a="http://schemas.openxmlformats.org/drawingml/2006/main" xmlns:r="http://schemas.openxmlformats.org/officeDocument/2006/relationships" xmlns:p="http://schemas.openxmlformats.org/presentationml/2006/main">
+  <p:cSld>
+    <p:spTree>
+      <p:nvGrpSpPr>
+        <p:cNvPr id="1" name=""/>
+        <p:cNvGrpSpPr/>
+        <p:nvPr/>
+      </p:nvGrpSpPr>
+      <p:grpSpPr>
+        <a:xfrm>
+          <a:off x="0" y="0"/>
+          <a:ext cx="0" cy="0"/>
+          <a:chOff x="0" y="0"/>
+          <a:chExt cx="0" cy="0"/>
+        </a:xfrm>
+      </p:grpSpPr>
       <p:sp>
         <p:nvSpPr>
           <p:cNvPr id="2" name="标题 1"/>
@@ -3731,13 +4292,501 @@
             </a:r>
             <a:r>
               <a:rPr lang="zh-CN" altLang="en-US" dirty="0"/>
-              <a:t>容易上手</a:t>
-            </a:r>
+              <a:t>的组件</a:t>
+            </a:r>
+          </a:p>
+        </p:txBody>
+      </p:sp>
+      <p:sp>
+        <p:nvSpPr>
+          <p:cNvPr id="3" name="内容占位符 2"/>
+          <p:cNvSpPr>
+            <a:spLocks noGrp="1"/>
+          </p:cNvSpPr>
+          <p:nvPr>
+            <p:ph idx="1"/>
+          </p:nvPr>
+        </p:nvSpPr>
+        <p:spPr/>
+        <p:txBody>
+          <a:bodyPr>
+            <a:normAutofit fontScale="77500" lnSpcReduction="20000"/>
+          </a:bodyPr>
+          <a:lstStyle/>
+          <a:p>
             <a:r>
               <a:rPr lang="zh-CN" altLang="en-US" dirty="0"/>
-              <a:t>编辑器功能</a:t>
+              <a:t>资源模块 </a:t>
+            </a:r>
+          </a:p>
+          <a:p>
+            <a:pPr lvl="1"/>
+            <a:r>
+              <a:rPr lang="zh-CN" altLang="en-US" dirty="0"/>
+              <a:t>资源加载 </a:t>
+            </a:r>
+            <a:r>
+              <a:rPr lang="en-US" altLang="zh-CN" dirty="0"/>
+              <a:t>Resource Asset Bundle </a:t>
+            </a:r>
+          </a:p>
+          <a:p>
+            <a:pPr lvl="1"/>
+            <a:r>
+              <a:rPr lang="zh-CN" altLang="en-US" dirty="0"/>
+              <a:t>第三方资源导入 </a:t>
+            </a:r>
+            <a:r>
+              <a:rPr lang="en-US" altLang="zh-CN" dirty="0"/>
+              <a:t>Import</a:t>
+            </a:r>
+          </a:p>
+          <a:p>
+            <a:pPr lvl="1"/>
+            <a:endParaRPr lang="en-US" altLang="zh-CN" dirty="0"/>
+          </a:p>
+          <a:p>
+            <a:r>
+              <a:rPr lang="zh-CN" altLang="en-US" dirty="0"/>
+              <a:t>图形模块 </a:t>
+            </a:r>
+            <a:r>
+              <a:rPr lang="en-US" altLang="zh-CN" dirty="0"/>
+              <a:t>2D 3D </a:t>
+            </a:r>
+          </a:p>
+          <a:p>
+            <a:pPr lvl="1"/>
+            <a:r>
+              <a:rPr lang="en-US" altLang="zh-CN" dirty="0"/>
+              <a:t>2D</a:t>
+            </a:r>
+            <a:r>
+              <a:rPr lang="zh-CN" altLang="en-US" dirty="0"/>
+              <a:t>： </a:t>
+            </a:r>
+            <a:r>
+              <a:rPr lang="en-US" altLang="zh-CN" dirty="0"/>
+              <a:t>Sprite Render Tile Map</a:t>
+            </a:r>
+          </a:p>
+          <a:p>
+            <a:pPr lvl="1"/>
+            <a:r>
+              <a:rPr lang="en-US" altLang="zh-CN" dirty="0"/>
+              <a:t>3D </a:t>
+            </a:r>
+          </a:p>
+          <a:p>
+            <a:pPr lvl="2"/>
+            <a:r>
+              <a:rPr lang="en-US" altLang="zh-CN" dirty="0"/>
+              <a:t>Mesh Render Skinned Mesh Render Mesh</a:t>
+            </a:r>
+          </a:p>
+          <a:p>
+            <a:pPr lvl="2"/>
+            <a:r>
+              <a:rPr lang="en-US" altLang="zh-CN" dirty="0"/>
+              <a:t>Lighting</a:t>
+            </a:r>
+          </a:p>
+          <a:p>
+            <a:pPr lvl="2"/>
+            <a:r>
+              <a:rPr lang="en-US" altLang="zh-CN" dirty="0"/>
+              <a:t>Camera</a:t>
+            </a:r>
+          </a:p>
+          <a:p>
+            <a:pPr lvl="2"/>
+            <a:r>
+              <a:rPr lang="en-US" altLang="zh-CN" dirty="0"/>
+              <a:t>Particle System</a:t>
+            </a:r>
+          </a:p>
+          <a:p>
+            <a:pPr lvl="2"/>
+            <a:r>
+              <a:rPr lang="en-US" altLang="zh-CN" dirty="0"/>
+              <a:t>Post-Processing</a:t>
+            </a:r>
+          </a:p>
+          <a:p>
+            <a:pPr lvl="1"/>
+            <a:r>
+              <a:rPr lang="en-US" altLang="zh-CN" dirty="0"/>
+              <a:t>Material </a:t>
+            </a:r>
+          </a:p>
+          <a:p>
+            <a:pPr lvl="2"/>
+            <a:r>
+              <a:rPr lang="en-US" altLang="zh-CN" dirty="0"/>
+              <a:t>Shader</a:t>
+            </a:r>
+          </a:p>
+          <a:p>
+            <a:pPr lvl="1"/>
+            <a:r>
+              <a:rPr lang="en-US" altLang="zh-CN" dirty="0"/>
+              <a:t>UI:</a:t>
+            </a:r>
+          </a:p>
+          <a:p>
+            <a:pPr lvl="2"/>
+            <a:r>
+              <a:rPr lang="en-US" altLang="zh-CN" dirty="0"/>
+              <a:t>Canvas text Button Input....</a:t>
+            </a:r>
+          </a:p>
+        </p:txBody>
+      </p:sp>
+    </p:spTree>
+  </p:cSld>
+  <p:clrMapOvr>
+    <a:masterClrMapping/>
+  </p:clrMapOvr>
+</p:sld>
+</file>
+
+<file path=ppt/slides/slide14.xml><?xml version="1.0" encoding="utf-8"?>
+<p:sld xmlns:a="http://schemas.openxmlformats.org/drawingml/2006/main" xmlns:r="http://schemas.openxmlformats.org/officeDocument/2006/relationships" xmlns:p="http://schemas.openxmlformats.org/presentationml/2006/main">
+  <p:cSld>
+    <p:spTree>
+      <p:nvGrpSpPr>
+        <p:cNvPr id="1" name=""/>
+        <p:cNvGrpSpPr/>
+        <p:nvPr/>
+      </p:nvGrpSpPr>
+      <p:grpSpPr>
+        <a:xfrm>
+          <a:off x="0" y="0"/>
+          <a:ext cx="0" cy="0"/>
+          <a:chOff x="0" y="0"/>
+          <a:chExt cx="0" cy="0"/>
+        </a:xfrm>
+      </p:grpSpPr>
+      <p:sp>
+        <p:nvSpPr>
+          <p:cNvPr id="3" name="内容占位符 2"/>
+          <p:cNvSpPr>
+            <a:spLocks noGrp="1"/>
+          </p:cNvSpPr>
+          <p:nvPr>
+            <p:ph idx="1"/>
+          </p:nvPr>
+        </p:nvSpPr>
+        <p:spPr>
+          <a:xfrm>
+            <a:off x="838200" y="0"/>
+            <a:ext cx="10515600" cy="6176963"/>
+          </a:xfrm>
+        </p:spPr>
+        <p:txBody>
+          <a:bodyPr/>
+          <a:lstStyle/>
+          <a:p>
+            <a:r>
+              <a:rPr lang="en-US" altLang="zh-CN" dirty="0"/>
+              <a:t>Physics </a:t>
+            </a:r>
+          </a:p>
+          <a:p>
+            <a:pPr lvl="1"/>
+            <a:r>
+              <a:rPr lang="en-US" altLang="zh-CN" dirty="0"/>
+              <a:t>Rigid body</a:t>
             </a:r>
             <a:endParaRPr lang="zh-CN" altLang="en-US" dirty="0"/>
+          </a:p>
+          <a:p>
+            <a:pPr lvl="1"/>
+            <a:r>
+              <a:rPr lang="en-US" altLang="zh-CN" dirty="0"/>
+              <a:t>Colliders</a:t>
+            </a:r>
+          </a:p>
+          <a:p>
+            <a:pPr lvl="1"/>
+            <a:r>
+              <a:rPr lang="en-US" altLang="zh-CN" dirty="0"/>
+              <a:t>Joints</a:t>
+            </a:r>
+          </a:p>
+          <a:p>
+            <a:pPr lvl="1"/>
+            <a:endParaRPr lang="en-US" altLang="zh-CN" dirty="0"/>
+          </a:p>
+          <a:p>
+            <a:r>
+              <a:rPr lang="en-US" altLang="zh-CN" dirty="0"/>
+              <a:t>Net Work</a:t>
+            </a:r>
+          </a:p>
+          <a:p>
+            <a:pPr lvl="1"/>
+            <a:r>
+              <a:rPr lang="zh-CN" altLang="en-US" dirty="0"/>
+              <a:t>网络层 </a:t>
+            </a:r>
+            <a:r>
+              <a:rPr lang="en-US" altLang="zh-CN" dirty="0"/>
+              <a:t>Unity </a:t>
+            </a:r>
+            <a:r>
+              <a:rPr lang="zh-CN" altLang="en-US" dirty="0"/>
+              <a:t>自带的网络组件需要跟</a:t>
+            </a:r>
+            <a:r>
+              <a:rPr lang="en-US" altLang="zh-CN" dirty="0"/>
+              <a:t>Unity</a:t>
+            </a:r>
+            <a:r>
+              <a:rPr lang="zh-CN" altLang="en-US" dirty="0"/>
+              <a:t>的服务器配合使用。</a:t>
+            </a:r>
+            <a:endParaRPr lang="en-US" altLang="zh-CN" dirty="0"/>
+          </a:p>
+          <a:p>
+            <a:r>
+              <a:rPr lang="en-US" altLang="zh-CN" dirty="0"/>
+              <a:t>Input</a:t>
+            </a:r>
+          </a:p>
+          <a:p>
+            <a:r>
+              <a:rPr lang="en-US" altLang="zh-CN" dirty="0"/>
+              <a:t>Audio</a:t>
+            </a:r>
+          </a:p>
+          <a:p>
+            <a:r>
+              <a:rPr lang="en-US" altLang="zh-CN" dirty="0"/>
+              <a:t>Animation</a:t>
+            </a:r>
+          </a:p>
+          <a:p>
+            <a:r>
+              <a:rPr lang="en-US" altLang="zh-CN" dirty="0"/>
+              <a:t>AI </a:t>
+            </a:r>
+          </a:p>
+          <a:p>
+            <a:pPr lvl="1"/>
+            <a:r>
+              <a:rPr lang="zh-CN" altLang="en-US" dirty="0"/>
+              <a:t>导航系统</a:t>
+            </a:r>
+            <a:endParaRPr lang="en-US" altLang="zh-CN" dirty="0"/>
+          </a:p>
+          <a:p>
+            <a:r>
+              <a:rPr lang="zh-CN" altLang="en-US" dirty="0"/>
+              <a:t>平台相关特性</a:t>
+            </a:r>
+          </a:p>
+        </p:txBody>
+      </p:sp>
+    </p:spTree>
+  </p:cSld>
+  <p:clrMapOvr>
+    <a:masterClrMapping/>
+  </p:clrMapOvr>
+</p:sld>
+</file>
+
+<file path=ppt/slides/slide15.xml><?xml version="1.0" encoding="utf-8"?>
+<p:sld xmlns:a="http://schemas.openxmlformats.org/drawingml/2006/main" xmlns:r="http://schemas.openxmlformats.org/officeDocument/2006/relationships" xmlns:p="http://schemas.openxmlformats.org/presentationml/2006/main">
+  <p:cSld>
+    <p:spTree>
+      <p:nvGrpSpPr>
+        <p:cNvPr id="1" name=""/>
+        <p:cNvGrpSpPr/>
+        <p:nvPr/>
+      </p:nvGrpSpPr>
+      <p:grpSpPr>
+        <a:xfrm>
+          <a:off x="0" y="0"/>
+          <a:ext cx="0" cy="0"/>
+          <a:chOff x="0" y="0"/>
+          <a:chExt cx="0" cy="0"/>
+        </a:xfrm>
+      </p:grpSpPr>
+      <p:sp>
+        <p:nvSpPr>
+          <p:cNvPr id="2" name="标题 1"/>
+          <p:cNvSpPr>
+            <a:spLocks noGrp="1"/>
+          </p:cNvSpPr>
+          <p:nvPr>
+            <p:ph type="title"/>
+          </p:nvPr>
+        </p:nvSpPr>
+        <p:spPr/>
+        <p:txBody>
+          <a:bodyPr/>
+          <a:lstStyle/>
+          <a:p>
+            <a:r>
+              <a:rPr lang="en-US" altLang="zh-CN" dirty="0"/>
+              <a:t>Component-</a:t>
+            </a:r>
+            <a:r>
+              <a:rPr lang="zh-CN" altLang="en-US" dirty="0"/>
+              <a:t>组件式</a:t>
+            </a:r>
+          </a:p>
+        </p:txBody>
+      </p:sp>
+      <p:sp>
+        <p:nvSpPr>
+          <p:cNvPr id="3" name="内容占位符 2"/>
+          <p:cNvSpPr>
+            <a:spLocks noGrp="1"/>
+          </p:cNvSpPr>
+          <p:nvPr>
+            <p:ph idx="1"/>
+          </p:nvPr>
+        </p:nvSpPr>
+        <p:spPr>
+          <a:xfrm>
+            <a:off x="838200" y="1825625"/>
+            <a:ext cx="10515600" cy="4335478"/>
+          </a:xfrm>
+        </p:spPr>
+        <p:txBody>
+          <a:bodyPr/>
+          <a:lstStyle/>
+          <a:p>
+            <a:pPr marL="0" indent="0">
+              <a:buNone/>
+            </a:pPr>
+            <a:r>
+              <a:rPr lang="zh-CN" altLang="en-US" dirty="0"/>
+              <a:t>脚本也是组件！</a:t>
+            </a:r>
+            <a:endParaRPr lang="en-US" altLang="zh-CN" dirty="0"/>
+          </a:p>
+          <a:p>
+            <a:pPr marL="0" indent="0">
+              <a:buNone/>
+            </a:pPr>
+            <a:r>
+              <a:rPr lang="zh-CN" altLang="en-US" dirty="0"/>
+              <a:t>脚本可以认为胶水。增，删，改各种</a:t>
+            </a:r>
+            <a:r>
+              <a:rPr lang="en-US" altLang="zh-CN" dirty="0"/>
+              <a:t>Unity</a:t>
+            </a:r>
+            <a:r>
+              <a:rPr lang="zh-CN" altLang="en-US" dirty="0"/>
+              <a:t>提供的组件，添加逻辑控制。</a:t>
+            </a:r>
+            <a:endParaRPr lang="en-US" altLang="zh-CN" dirty="0"/>
+          </a:p>
+          <a:p>
+            <a:pPr marL="0" indent="0">
+              <a:buNone/>
+            </a:pPr>
+            <a:r>
+              <a:rPr lang="zh-CN" altLang="en-US" dirty="0"/>
+              <a:t>我们学习的过程，也是通过目标导向。不会做，就去看</a:t>
+            </a:r>
+            <a:r>
+              <a:rPr lang="en-US" altLang="zh-CN" dirty="0"/>
+              <a:t>Unity Document</a:t>
+            </a:r>
+            <a:r>
+              <a:rPr lang="zh-CN" altLang="en-US" dirty="0"/>
+              <a:t>，看文档看</a:t>
+            </a:r>
+            <a:r>
+              <a:rPr lang="en-US" altLang="zh-CN" dirty="0"/>
+              <a:t>API</a:t>
+            </a:r>
+            <a:r>
+              <a:rPr lang="zh-CN" altLang="en-US" dirty="0"/>
+              <a:t>。通过事例慢慢上手。</a:t>
+            </a:r>
+          </a:p>
+        </p:txBody>
+      </p:sp>
+      <p:sp>
+        <p:nvSpPr>
+          <p:cNvPr id="4" name="文本框 3"/>
+          <p:cNvSpPr txBox="1"/>
+          <p:nvPr/>
+        </p:nvSpPr>
+        <p:spPr>
+          <a:xfrm>
+            <a:off x="838201" y="3329126"/>
+            <a:ext cx="10515599" cy="369332"/>
+          </a:xfrm>
+          <a:prstGeom prst="rect">
+            <a:avLst/>
+          </a:prstGeom>
+          <a:noFill/>
+        </p:spPr>
+        <p:txBody>
+          <a:bodyPr wrap="square" rtlCol="0">
+            <a:spAutoFit/>
+          </a:bodyPr>
+          <a:lstStyle/>
+          <a:p>
+            <a:endParaRPr lang="zh-CN" altLang="en-US" dirty="0"/>
+          </a:p>
+        </p:txBody>
+      </p:sp>
+    </p:spTree>
+  </p:cSld>
+  <p:clrMapOvr>
+    <a:masterClrMapping/>
+  </p:clrMapOvr>
+</p:sld>
+</file>
+
+<file path=ppt/slides/slide16.xml><?xml version="1.0" encoding="utf-8"?>
+<p:sld xmlns:a="http://schemas.openxmlformats.org/drawingml/2006/main" xmlns:r="http://schemas.openxmlformats.org/officeDocument/2006/relationships" xmlns:p="http://schemas.openxmlformats.org/presentationml/2006/main">
+  <p:cSld>
+    <p:spTree>
+      <p:nvGrpSpPr>
+        <p:cNvPr id="1" name=""/>
+        <p:cNvGrpSpPr/>
+        <p:nvPr/>
+      </p:nvGrpSpPr>
+      <p:grpSpPr>
+        <a:xfrm>
+          <a:off x="0" y="0"/>
+          <a:ext cx="0" cy="0"/>
+          <a:chOff x="0" y="0"/>
+          <a:chExt cx="0" cy="0"/>
+        </a:xfrm>
+      </p:grpSpPr>
+      <p:sp>
+        <p:nvSpPr>
+          <p:cNvPr id="2" name="标题 1"/>
+          <p:cNvSpPr>
+            <a:spLocks noGrp="1"/>
+          </p:cNvSpPr>
+          <p:nvPr>
+            <p:ph type="title"/>
+          </p:nvPr>
+        </p:nvSpPr>
+        <p:spPr/>
+        <p:txBody>
+          <a:bodyPr/>
+          <a:lstStyle/>
+          <a:p>
+            <a:r>
+              <a:rPr lang="en-US" altLang="zh-CN" dirty="0"/>
+              <a:t>Unity</a:t>
+            </a:r>
+            <a:r>
+              <a:rPr lang="zh-CN" altLang="en-US" dirty="0"/>
+              <a:t>容易上手编辑器功能</a:t>
+            </a:r>
           </a:p>
         </p:txBody>
       </p:sp>
@@ -3752,7 +4801,7 @@
           </p:nvPr>
         </p:nvPicPr>
         <p:blipFill>
-          <a:blip r:embed="rId1">
+          <a:blip r:embed="rId3">
             <a:extLst>
               <a:ext uri="{28A0092B-C50C-407E-A947-70E740481C1C}">
                 <a14:useLocalDpi xmlns:a14="http://schemas.microsoft.com/office/drawing/2010/main" val="0"/>
@@ -3778,7 +4827,7 @@
 </p:sld>
 </file>
 
-<file path=ppt/slides/slide11.xml><?xml version="1.0" encoding="utf-8"?>
+<file path=ppt/slides/slide17.xml><?xml version="1.0" encoding="utf-8"?>
 <p:sld xmlns:a="http://schemas.openxmlformats.org/drawingml/2006/main" xmlns:r="http://schemas.openxmlformats.org/officeDocument/2006/relationships" xmlns:p="http://schemas.openxmlformats.org/presentationml/2006/main">
   <p:cSld>
     <p:spTree>
@@ -3857,7 +4906,6 @@
               <a:rPr lang="zh-CN" altLang="en-US" dirty="0"/>
               <a:t>。直接写代码挂在角色上面。</a:t>
             </a:r>
-            <a:endParaRPr lang="zh-CN" altLang="en-US" dirty="0"/>
           </a:p>
           <a:p>
             <a:pPr marL="0" indent="0">
@@ -3875,7 +4923,6 @@
               <a:rPr lang="zh-CN" altLang="en-US" dirty="0"/>
               <a:t>或者小游戏这样制作流程可能是没问题。</a:t>
             </a:r>
-            <a:endParaRPr lang="zh-CN" altLang="en-US" dirty="0"/>
           </a:p>
         </p:txBody>
       </p:sp>
@@ -3887,7 +4934,7 @@
 </p:sld>
 </file>
 
-<file path=ppt/slides/slide12.xml><?xml version="1.0" encoding="utf-8"?>
+<file path=ppt/slides/slide18.xml><?xml version="1.0" encoding="utf-8"?>
 <p:sld xmlns:a="http://schemas.openxmlformats.org/drawingml/2006/main" xmlns:r="http://schemas.openxmlformats.org/officeDocument/2006/relationships" xmlns:p="http://schemas.openxmlformats.org/presentationml/2006/main">
   <p:cSld>
     <p:spTree>
@@ -3957,7 +5004,6 @@
               <a:rPr lang="zh-CN" altLang="en-US" dirty="0"/>
               <a:t>自带的场景编辑器中。我们会遇到什么问题？</a:t>
             </a:r>
-            <a:endParaRPr lang="zh-CN" altLang="en-US" dirty="0"/>
           </a:p>
           <a:p>
             <a:pPr marL="0" indent="0">
@@ -3971,7 +5017,6 @@
               <a:rPr lang="zh-CN" altLang="en-US" dirty="0"/>
               <a:t>游戏可能跑不起来，随着世界越来越大，资源越来越多。这个场景会越来越复杂，可能在加载场景手机就闪退了。不可控。</a:t>
             </a:r>
-            <a:endParaRPr lang="zh-CN" altLang="en-US" dirty="0"/>
           </a:p>
           <a:p>
             <a:pPr marL="0" indent="0">
@@ -3985,7 +5030,6 @@
               <a:rPr lang="zh-CN" altLang="en-US" dirty="0"/>
               <a:t>第二制作流程行不通，因为就一个场景文件。我们整个项目组有好几个地编，如何让他们协同制作呢？</a:t>
             </a:r>
-            <a:endParaRPr lang="zh-CN" altLang="en-US" dirty="0"/>
           </a:p>
           <a:p>
             <a:pPr marL="0" indent="0">
@@ -3999,7 +5043,6 @@
               <a:rPr lang="zh-CN" altLang="en-US" dirty="0"/>
               <a:t>如果这是个网络游戏，角色随时会改变的，怪物也是动态改变的。</a:t>
             </a:r>
-            <a:endParaRPr lang="zh-CN" altLang="en-US" dirty="0"/>
           </a:p>
           <a:p>
             <a:pPr marL="0" indent="0">
@@ -4013,7 +5056,6 @@
               <a:rPr lang="zh-CN" altLang="en-US" dirty="0"/>
               <a:t>如果这个动画系统随着角色升级，动画不一样呢？</a:t>
             </a:r>
-            <a:endParaRPr lang="zh-CN" altLang="en-US" dirty="0"/>
           </a:p>
         </p:txBody>
       </p:sp>
@@ -4025,7 +5067,7 @@
 </p:sld>
 </file>
 
-<file path=ppt/slides/slide13.xml><?xml version="1.0" encoding="utf-8"?>
+<file path=ppt/slides/slide19.xml><?xml version="1.0" encoding="utf-8"?>
 <p:sld xmlns:a="http://schemas.openxmlformats.org/drawingml/2006/main" xmlns:r="http://schemas.openxmlformats.org/officeDocument/2006/relationships" xmlns:p="http://schemas.openxmlformats.org/presentationml/2006/main">
   <p:cSld>
     <p:spTree>
@@ -4137,7 +5179,6 @@
               <a:rPr lang="en-US" altLang="zh-CN" dirty="0"/>
               <a:t>......</a:t>
             </a:r>
-            <a:endParaRPr lang="en-US" altLang="zh-CN" dirty="0"/>
           </a:p>
           <a:p>
             <a:endParaRPr lang="zh-CN" altLang="en-US" dirty="0"/>
@@ -4161,7 +5202,14 @@
         <p:cNvGrpSpPr/>
         <p:nvPr/>
       </p:nvGrpSpPr>
-      <p:grpSpPr/>
+      <p:grpSpPr>
+        <a:xfrm>
+          <a:off x="0" y="0"/>
+          <a:ext cx="0" cy="0"/>
+          <a:chOff x="0" y="0"/>
+          <a:chExt cx="0" cy="0"/>
+        </a:xfrm>
+      </p:grpSpPr>
       <p:sp>
         <p:nvSpPr>
           <p:cNvPr id="3" name="内容占位符 2"/>
@@ -4180,84 +5228,134 @@
         </p:spPr>
         <p:txBody>
           <a:bodyPr/>
-          <a:p>
-            <a:r>
-              <a:rPr lang="zh-CN" altLang="en-US"/>
+          <a:lstStyle/>
+          <a:p>
+            <a:r>
+              <a:rPr lang="zh-CN" altLang="en-US" dirty="0"/>
               <a:t>游戏引擎是什么？</a:t>
             </a:r>
-            <a:endParaRPr lang="zh-CN" altLang="en-US"/>
           </a:p>
           <a:p>
             <a:pPr marL="0" indent="0">
               <a:buNone/>
             </a:pPr>
             <a:r>
-              <a:rPr lang="en-US" altLang="zh-CN"/>
+              <a:rPr lang="en-US" altLang="zh-CN" dirty="0"/>
               <a:t>-</a:t>
             </a:r>
             <a:r>
-              <a:rPr lang="zh-CN" altLang="en-US"/>
+              <a:rPr lang="zh-CN" altLang="en-US" dirty="0"/>
               <a:t>代码工具箱，节省专业并且重复的工作</a:t>
             </a:r>
-            <a:endParaRPr lang="zh-CN" altLang="en-US"/>
           </a:p>
           <a:p>
             <a:pPr marL="0" indent="0">
               <a:buNone/>
             </a:pPr>
-            <a:endParaRPr lang="zh-CN" altLang="en-US"/>
+            <a:endParaRPr lang="zh-CN" altLang="en-US" dirty="0"/>
           </a:p>
           <a:p>
             <a:pPr marL="0" indent="0">
               <a:buNone/>
             </a:pPr>
             <a:r>
-              <a:rPr lang="zh-CN" altLang="en-US"/>
+              <a:rPr lang="zh-CN" altLang="en-US" dirty="0"/>
               <a:t>游戏引擎有什么</a:t>
             </a:r>
-            <a:endParaRPr lang="zh-CN" altLang="en-US"/>
           </a:p>
           <a:p>
             <a:pPr marL="0" indent="0">
               <a:buNone/>
             </a:pPr>
             <a:r>
-              <a:rPr lang="en-US" altLang="zh-CN"/>
+              <a:rPr lang="en-US" altLang="zh-CN" dirty="0"/>
               <a:t>-</a:t>
             </a:r>
             <a:r>
-              <a:rPr lang="zh-CN" altLang="en-US"/>
+              <a:rPr lang="zh-CN" altLang="en-US" dirty="0"/>
               <a:t>渲染，物理，动画，</a:t>
             </a:r>
             <a:r>
-              <a:rPr lang="en-US" altLang="zh-CN"/>
+              <a:rPr lang="en-US" altLang="zh-CN" dirty="0"/>
               <a:t>UI</a:t>
             </a:r>
             <a:r>
-              <a:rPr lang="zh-CN" altLang="en-US"/>
+              <a:rPr lang="zh-CN" altLang="en-US" dirty="0"/>
               <a:t>，音频，网络等等组件</a:t>
             </a:r>
-            <a:endParaRPr lang="zh-CN" altLang="en-US"/>
           </a:p>
           <a:p>
             <a:pPr marL="0" indent="0">
               <a:buNone/>
             </a:pPr>
-            <a:endParaRPr lang="zh-CN" altLang="en-US"/>
+            <a:endParaRPr lang="zh-CN" altLang="en-US" dirty="0"/>
           </a:p>
           <a:p>
             <a:pPr marL="0" indent="0">
               <a:buNone/>
             </a:pPr>
             <a:r>
-              <a:rPr lang="en-US" altLang="zh-CN"/>
+              <a:rPr lang="en-US" altLang="zh-CN" dirty="0"/>
               <a:t>Unity</a:t>
             </a:r>
             <a:r>
-              <a:rPr lang="zh-CN" altLang="en-US"/>
+              <a:rPr lang="zh-CN" altLang="en-US" dirty="0"/>
               <a:t>引擎是通用引擎不单单是为制作游戏而开发的。</a:t>
             </a:r>
-            <a:endParaRPr lang="zh-CN" altLang="en-US"/>
+            <a:endParaRPr lang="en-US" altLang="zh-CN" dirty="0"/>
+          </a:p>
+          <a:p>
+            <a:r>
+              <a:rPr lang="zh-CN" altLang="en-US" dirty="0">
+                <a:sym typeface="+mn-ea"/>
+              </a:rPr>
+              <a:t>渲染接口 </a:t>
+            </a:r>
+            <a:r>
+              <a:rPr lang="en-US" altLang="zh-CN" dirty="0">
+                <a:sym typeface="+mn-ea"/>
+              </a:rPr>
+              <a:t>OpenGL</a:t>
+            </a:r>
+            <a:r>
+              <a:rPr lang="zh-CN" altLang="en-US" dirty="0">
+                <a:sym typeface="+mn-ea"/>
+              </a:rPr>
+              <a:t>，</a:t>
+            </a:r>
+            <a:r>
+              <a:rPr lang="en-US" altLang="zh-CN" dirty="0">
+                <a:sym typeface="+mn-ea"/>
+              </a:rPr>
+              <a:t>OpenGL-ES</a:t>
+            </a:r>
+            <a:r>
+              <a:rPr lang="zh-CN" altLang="en-US" dirty="0">
+                <a:sym typeface="+mn-ea"/>
+              </a:rPr>
+              <a:t>，</a:t>
+            </a:r>
+            <a:r>
+              <a:rPr lang="en-US" altLang="zh-CN" dirty="0">
+                <a:sym typeface="+mn-ea"/>
+              </a:rPr>
+              <a:t>WebGL;</a:t>
+            </a:r>
+          </a:p>
+          <a:p>
+            <a:r>
+              <a:rPr lang="en-US" altLang="zh-CN" dirty="0">
+                <a:sym typeface="+mn-ea"/>
+              </a:rPr>
+              <a:t>DirectX </a:t>
+            </a:r>
+            <a:endParaRPr lang="en-US" altLang="zh-CN" dirty="0"/>
+          </a:p>
+          <a:p>
+            <a:pPr marL="0" indent="0">
+              <a:buNone/>
+            </a:pPr>
+            <a:endParaRPr lang="zh-CN" altLang="en-US" dirty="0"/>
           </a:p>
         </p:txBody>
       </p:sp>
@@ -4278,81 +5376,55 @@
         <p:cNvGrpSpPr/>
         <p:nvPr/>
       </p:nvGrpSpPr>
-      <p:grpSpPr/>
-      <p:sp>
-        <p:nvSpPr>
-          <p:cNvPr id="3" name="内容占位符 2"/>
-          <p:cNvSpPr>
-            <a:spLocks noGrp="1"/>
-          </p:cNvSpPr>
+      <p:grpSpPr>
+        <a:xfrm>
+          <a:off x="0" y="0"/>
+          <a:ext cx="0" cy="0"/>
+          <a:chOff x="0" y="0"/>
+          <a:chExt cx="0" cy="0"/>
+        </a:xfrm>
+      </p:grpSpPr>
+      <p:pic>
+        <p:nvPicPr>
+          <p:cNvPr id="5" name="内容占位符 4">
+            <a:extLst>
+              <a:ext uri="{FF2B5EF4-FFF2-40B4-BE49-F238E27FC236}">
+                <a16:creationId xmlns:a16="http://schemas.microsoft.com/office/drawing/2014/main" id="{F05FE999-EFE0-4ECB-9AA1-D6034C0FBAF3}"/>
+              </a:ext>
+            </a:extLst>
+          </p:cNvPr>
+          <p:cNvPicPr>
+            <a:picLocks noGrp="1" noChangeAspect="1"/>
+          </p:cNvPicPr>
           <p:nvPr>
             <p:ph idx="1"/>
           </p:nvPr>
-        </p:nvSpPr>
+        </p:nvPicPr>
+        <p:blipFill>
+          <a:blip r:embed="rId3">
+            <a:extLst>
+              <a:ext uri="{28A0092B-C50C-407E-A947-70E740481C1C}">
+                <a14:useLocalDpi xmlns:a14="http://schemas.microsoft.com/office/drawing/2010/main" val="0"/>
+              </a:ext>
+            </a:extLst>
+          </a:blip>
+          <a:stretch>
+            <a:fillRect/>
+          </a:stretch>
+        </p:blipFill>
         <p:spPr>
           <a:xfrm>
-            <a:off x="838200" y="433705"/>
-            <a:ext cx="10515600" cy="5743575"/>
+            <a:off x="3766699" y="-1"/>
+            <a:ext cx="4386701" cy="6837415"/>
           </a:xfrm>
         </p:spPr>
-        <p:txBody>
-          <a:bodyPr/>
-          <a:p>
-            <a:r>
-              <a:rPr lang="zh-CN" altLang="en-US">
-                <a:sym typeface="+mn-ea"/>
-              </a:rPr>
-              <a:t>渲染接口 </a:t>
-            </a:r>
-            <a:r>
-              <a:rPr lang="en-US" altLang="zh-CN">
-                <a:sym typeface="+mn-ea"/>
-              </a:rPr>
-              <a:t>OpenGL</a:t>
-            </a:r>
-            <a:r>
-              <a:rPr lang="zh-CN" altLang="en-US">
-                <a:sym typeface="+mn-ea"/>
-              </a:rPr>
-              <a:t>，</a:t>
-            </a:r>
-            <a:r>
-              <a:rPr lang="en-US" altLang="zh-CN">
-                <a:sym typeface="+mn-ea"/>
-              </a:rPr>
-              <a:t>OpenGL-ES</a:t>
-            </a:r>
-            <a:r>
-              <a:rPr lang="zh-CN" altLang="en-US">
-                <a:sym typeface="+mn-ea"/>
-              </a:rPr>
-              <a:t>，</a:t>
-            </a:r>
-            <a:r>
-              <a:rPr lang="en-US" altLang="zh-CN">
-                <a:sym typeface="+mn-ea"/>
-              </a:rPr>
-              <a:t>WebGL;</a:t>
-            </a:r>
-            <a:endParaRPr lang="en-US" altLang="zh-CN">
-              <a:sym typeface="+mn-ea"/>
-            </a:endParaRPr>
-          </a:p>
-          <a:p>
-            <a:r>
-              <a:rPr lang="en-US" altLang="zh-CN">
-                <a:sym typeface="+mn-ea"/>
-              </a:rPr>
-              <a:t>DirectX </a:t>
-            </a:r>
-            <a:endParaRPr lang="en-US" altLang="zh-CN"/>
-          </a:p>
-          <a:p>
-            <a:endParaRPr lang="en-US" altLang="zh-CN"/>
-          </a:p>
-        </p:txBody>
-      </p:sp>
+      </p:pic>
     </p:spTree>
+    <p:extLst>
+      <p:ext uri="{BB962C8B-B14F-4D97-AF65-F5344CB8AC3E}">
+        <p14:creationId xmlns:p14="http://schemas.microsoft.com/office/powerpoint/2010/main" val="1594222483"/>
+      </p:ext>
+    </p:extLst>
   </p:cSld>
   <p:clrMapOvr>
     <a:masterClrMapping/>
@@ -4369,7 +5441,14 @@
         <p:cNvGrpSpPr/>
         <p:nvPr/>
       </p:nvGrpSpPr>
-      <p:grpSpPr/>
+      <p:grpSpPr>
+        <a:xfrm>
+          <a:off x="0" y="0"/>
+          <a:ext cx="0" cy="0"/>
+          <a:chOff x="0" y="0"/>
+          <a:chExt cx="0" cy="0"/>
+        </a:xfrm>
+      </p:grpSpPr>
       <p:pic>
         <p:nvPicPr>
           <p:cNvPr id="7" name="图片 6" descr="捕获"/>
@@ -4379,7 +5458,7 @@
           <p:nvPr/>
         </p:nvPicPr>
         <p:blipFill>
-          <a:blip r:embed="rId1"/>
+          <a:blip r:embed="rId2"/>
           <a:stretch>
             <a:fillRect/>
           </a:stretch>
@@ -4403,7 +5482,7 @@
           <p:nvPr/>
         </p:nvPicPr>
         <p:blipFill>
-          <a:blip r:embed="rId2"/>
+          <a:blip r:embed="rId3"/>
           <a:stretch>
             <a:fillRect/>
           </a:stretch>
@@ -4475,7 +5554,6 @@
               <a:rPr lang="en-US" altLang="zh-CN" dirty="0"/>
               <a:t>-les1</a:t>
             </a:r>
-            <a:endParaRPr lang="en-US" altLang="zh-CN" dirty="0"/>
           </a:p>
           <a:p>
             <a:pPr marL="0" indent="0">
@@ -4506,7 +5584,7 @@
           <p:nvPr/>
         </p:nvPicPr>
         <p:blipFill>
-          <a:blip r:embed="rId1"/>
+          <a:blip r:embed="rId3"/>
           <a:stretch>
             <a:fillRect/>
           </a:stretch>
@@ -4530,7 +5608,7 @@
           <p:nvPr/>
         </p:nvPicPr>
         <p:blipFill>
-          <a:blip r:embed="rId2"/>
+          <a:blip r:embed="rId4"/>
           <a:stretch>
             <a:fillRect/>
           </a:stretch>
@@ -4562,8 +5640,91 @@
         <p:cNvGrpSpPr/>
         <p:nvPr/>
       </p:nvGrpSpPr>
-      <p:grpSpPr/>
+      <p:grpSpPr>
+        <a:xfrm>
+          <a:off x="0" y="0"/>
+          <a:ext cx="0" cy="0"/>
+          <a:chOff x="0" y="0"/>
+          <a:chExt cx="0" cy="0"/>
+        </a:xfrm>
+      </p:grpSpPr>
+      <p:pic>
+        <p:nvPicPr>
+          <p:cNvPr id="5" name="图片 4">
+            <a:extLst>
+              <a:ext uri="{FF2B5EF4-FFF2-40B4-BE49-F238E27FC236}">
+                <a16:creationId xmlns:a16="http://schemas.microsoft.com/office/drawing/2014/main" id="{B1B6C9F9-461A-4C0C-BA4A-81534882BDF6}"/>
+              </a:ext>
+            </a:extLst>
+          </p:cNvPr>
+          <p:cNvPicPr>
+            <a:picLocks noChangeAspect="1"/>
+          </p:cNvPicPr>
+          <p:nvPr/>
+        </p:nvPicPr>
+        <p:blipFill>
+          <a:blip r:embed="rId3">
+            <a:extLst>
+              <a:ext uri="{28A0092B-C50C-407E-A947-70E740481C1C}">
+                <a14:useLocalDpi xmlns:a14="http://schemas.microsoft.com/office/drawing/2010/main" val="0"/>
+              </a:ext>
+            </a:extLst>
+          </a:blip>
+          <a:stretch>
+            <a:fillRect/>
+          </a:stretch>
+        </p:blipFill>
+        <p:spPr>
+          <a:xfrm>
+            <a:off x="3404781" y="439872"/>
+            <a:ext cx="4429125" cy="5686425"/>
+          </a:xfrm>
+          <a:prstGeom prst="rect">
+            <a:avLst/>
+          </a:prstGeom>
+        </p:spPr>
+      </p:pic>
+      <p:sp>
+        <p:nvSpPr>
+          <p:cNvPr id="6" name="文本框 5">
+            <a:extLst>
+              <a:ext uri="{FF2B5EF4-FFF2-40B4-BE49-F238E27FC236}">
+                <a16:creationId xmlns:a16="http://schemas.microsoft.com/office/drawing/2014/main" id="{FF7A09A6-E588-4616-94F6-A45D8ECAE221}"/>
+              </a:ext>
+            </a:extLst>
+          </p:cNvPr>
+          <p:cNvSpPr txBox="1"/>
+          <p:nvPr/>
+        </p:nvSpPr>
+        <p:spPr>
+          <a:xfrm>
+            <a:off x="1896894" y="758757"/>
+            <a:ext cx="627095" cy="369332"/>
+          </a:xfrm>
+          <a:prstGeom prst="rect">
+            <a:avLst/>
+          </a:prstGeom>
+          <a:noFill/>
+        </p:spPr>
+        <p:txBody>
+          <a:bodyPr wrap="none" rtlCol="0">
+            <a:spAutoFit/>
+          </a:bodyPr>
+          <a:lstStyle/>
+          <a:p>
+            <a:r>
+              <a:rPr lang="en-US" altLang="zh-CN" dirty="0"/>
+              <a:t>Les2</a:t>
+            </a:r>
+          </a:p>
+        </p:txBody>
+      </p:sp>
     </p:spTree>
+    <p:extLst>
+      <p:ext uri="{BB962C8B-B14F-4D97-AF65-F5344CB8AC3E}">
+        <p14:creationId xmlns:p14="http://schemas.microsoft.com/office/powerpoint/2010/main" val="1801511971"/>
+      </p:ext>
+    </p:extLst>
   </p:cSld>
   <p:clrMapOvr>
     <a:masterClrMapping/>
@@ -4588,194 +5749,47 @@
           <a:chExt cx="0" cy="0"/>
         </a:xfrm>
       </p:grpSpPr>
-      <p:sp>
-        <p:nvSpPr>
-          <p:cNvPr id="2" name="标题 1"/>
-          <p:cNvSpPr>
-            <a:spLocks noGrp="1"/>
-          </p:cNvSpPr>
-          <p:nvPr>
-            <p:ph type="title"/>
-          </p:nvPr>
-        </p:nvSpPr>
-        <p:spPr/>
-        <p:txBody>
-          <a:bodyPr/>
-          <a:lstStyle/>
-          <a:p>
-            <a:r>
-              <a:rPr lang="en-US" altLang="zh-CN" dirty="0"/>
-              <a:t>Unity</a:t>
-            </a:r>
-            <a:r>
-              <a:rPr lang="zh-CN" altLang="en-US" dirty="0"/>
-              <a:t>的组件</a:t>
-            </a:r>
-            <a:endParaRPr lang="zh-CN" altLang="en-US" dirty="0"/>
-          </a:p>
-        </p:txBody>
-      </p:sp>
-      <p:sp>
-        <p:nvSpPr>
-          <p:cNvPr id="3" name="内容占位符 2"/>
-          <p:cNvSpPr>
-            <a:spLocks noGrp="1"/>
-          </p:cNvSpPr>
+      <p:pic>
+        <p:nvPicPr>
+          <p:cNvPr id="5" name="内容占位符 4">
+            <a:extLst>
+              <a:ext uri="{FF2B5EF4-FFF2-40B4-BE49-F238E27FC236}">
+                <a16:creationId xmlns:a16="http://schemas.microsoft.com/office/drawing/2014/main" id="{9F835C5E-0703-49B1-8071-7D22CDF71BD7}"/>
+              </a:ext>
+            </a:extLst>
+          </p:cNvPr>
+          <p:cNvPicPr>
+            <a:picLocks noGrp="1" noChangeAspect="1"/>
+          </p:cNvPicPr>
           <p:nvPr>
             <p:ph idx="1"/>
           </p:nvPr>
-        </p:nvSpPr>
-        <p:spPr/>
-        <p:txBody>
-          <a:bodyPr>
-            <a:normAutofit fontScale="77500" lnSpcReduction="20000"/>
-          </a:bodyPr>
-          <a:lstStyle/>
-          <a:p>
-            <a:r>
-              <a:rPr lang="zh-CN" altLang="en-US" dirty="0"/>
-              <a:t>资源模块 </a:t>
-            </a:r>
-            <a:endParaRPr lang="zh-CN" altLang="en-US" dirty="0"/>
-          </a:p>
-          <a:p>
-            <a:pPr lvl="1"/>
-            <a:r>
-              <a:rPr lang="zh-CN" altLang="en-US" dirty="0"/>
-              <a:t>资源加载 </a:t>
-            </a:r>
-            <a:r>
-              <a:rPr lang="en-US" altLang="zh-CN" dirty="0"/>
-              <a:t>Resource Asset Bundle </a:t>
-            </a:r>
-            <a:endParaRPr lang="en-US" altLang="zh-CN" dirty="0"/>
-          </a:p>
-          <a:p>
-            <a:pPr lvl="1"/>
-            <a:r>
-              <a:rPr lang="zh-CN" altLang="en-US" dirty="0"/>
-              <a:t>第三方资源导入 </a:t>
-            </a:r>
-            <a:r>
-              <a:rPr lang="en-US" altLang="zh-CN" dirty="0"/>
-              <a:t>Import</a:t>
-            </a:r>
-            <a:endParaRPr lang="en-US" altLang="zh-CN" dirty="0"/>
-          </a:p>
-          <a:p>
-            <a:pPr lvl="1"/>
-            <a:endParaRPr lang="en-US" altLang="zh-CN" dirty="0"/>
-          </a:p>
-          <a:p>
-            <a:r>
-              <a:rPr lang="zh-CN" altLang="en-US" dirty="0"/>
-              <a:t>图形模块 </a:t>
-            </a:r>
-            <a:r>
-              <a:rPr lang="en-US" altLang="zh-CN" dirty="0"/>
-              <a:t>2D 3D </a:t>
-            </a:r>
-            <a:endParaRPr lang="en-US" altLang="zh-CN" dirty="0"/>
-          </a:p>
-          <a:p>
-            <a:pPr lvl="1"/>
-            <a:r>
-              <a:rPr lang="en-US" altLang="zh-CN" dirty="0"/>
-              <a:t>2D</a:t>
-            </a:r>
-            <a:r>
-              <a:rPr lang="zh-CN" altLang="en-US" dirty="0"/>
-              <a:t>： </a:t>
-            </a:r>
-            <a:r>
-              <a:rPr lang="en-US" altLang="zh-CN" dirty="0"/>
-              <a:t>Sprite Render Tile Map</a:t>
-            </a:r>
-            <a:endParaRPr lang="en-US" altLang="zh-CN" dirty="0"/>
-          </a:p>
-          <a:p>
-            <a:pPr lvl="1"/>
-            <a:r>
-              <a:rPr lang="en-US" altLang="zh-CN" dirty="0"/>
-              <a:t>3D </a:t>
-            </a:r>
-            <a:endParaRPr lang="en-US" altLang="zh-CN" dirty="0"/>
-          </a:p>
-          <a:p>
-            <a:pPr lvl="2"/>
-            <a:r>
-              <a:rPr lang="en-US" altLang="zh-CN" dirty="0"/>
-              <a:t>Mesh Render Skinned Mesh Render Mesh</a:t>
-            </a:r>
-            <a:endParaRPr lang="en-US" altLang="zh-CN" dirty="0"/>
-          </a:p>
-          <a:p>
-            <a:pPr lvl="2"/>
-            <a:r>
-              <a:rPr lang="en-US" altLang="zh-CN" dirty="0"/>
-              <a:t>Lighting</a:t>
-            </a:r>
-            <a:endParaRPr lang="en-US" altLang="zh-CN" dirty="0"/>
-          </a:p>
-          <a:p>
-            <a:pPr lvl="2"/>
-            <a:r>
-              <a:rPr lang="en-US" altLang="zh-CN" dirty="0"/>
-              <a:t>Camera</a:t>
-            </a:r>
-            <a:endParaRPr lang="en-US" altLang="zh-CN" dirty="0"/>
-          </a:p>
-          <a:p>
-            <a:pPr lvl="2"/>
-            <a:r>
-              <a:rPr lang="en-US" altLang="zh-CN" dirty="0"/>
-              <a:t>Particle System</a:t>
-            </a:r>
-            <a:endParaRPr lang="en-US" altLang="zh-CN" dirty="0"/>
-          </a:p>
-          <a:p>
-            <a:pPr lvl="2"/>
-            <a:r>
-              <a:rPr lang="en-US" altLang="zh-CN" dirty="0"/>
-              <a:t>Post-Processing</a:t>
-            </a:r>
-            <a:endParaRPr lang="en-US" altLang="zh-CN" dirty="0"/>
-          </a:p>
-          <a:p>
-            <a:pPr lvl="1"/>
-            <a:r>
-              <a:rPr lang="en-US" altLang="zh-CN" dirty="0"/>
-              <a:t>Material </a:t>
-            </a:r>
-            <a:endParaRPr lang="en-US" altLang="zh-CN" dirty="0"/>
-          </a:p>
-          <a:p>
-            <a:pPr lvl="2"/>
-            <a:r>
-              <a:rPr lang="en-US" altLang="zh-CN" dirty="0"/>
-              <a:t>Shader</a:t>
-            </a:r>
-            <a:endParaRPr lang="en-US" altLang="zh-CN" dirty="0"/>
-          </a:p>
-          <a:p>
-            <a:pPr lvl="1"/>
-            <a:r>
-              <a:rPr lang="en-US" altLang="zh-CN" dirty="0"/>
-              <a:t>UI:</a:t>
-            </a:r>
-            <a:endParaRPr lang="en-US" altLang="zh-CN" dirty="0"/>
-          </a:p>
-          <a:p>
-            <a:pPr lvl="2"/>
-            <a:r>
-              <a:rPr lang="en-US" altLang="zh-CN" dirty="0"/>
-              <a:t>Canvas text Button Input....</a:t>
-            </a:r>
-            <a:endParaRPr lang="en-US" altLang="zh-CN" dirty="0"/>
-          </a:p>
-        </p:txBody>
-      </p:sp>
+        </p:nvPicPr>
+        <p:blipFill>
+          <a:blip r:embed="rId2">
+            <a:extLst>
+              <a:ext uri="{28A0092B-C50C-407E-A947-70E740481C1C}">
+                <a14:useLocalDpi xmlns:a14="http://schemas.microsoft.com/office/drawing/2010/main" val="0"/>
+              </a:ext>
+            </a:extLst>
+          </a:blip>
+          <a:stretch>
+            <a:fillRect/>
+          </a:stretch>
+        </p:blipFill>
+        <p:spPr>
+          <a:xfrm>
+            <a:off x="3522450" y="0"/>
+            <a:ext cx="4415320" cy="6738002"/>
+          </a:xfrm>
+        </p:spPr>
+      </p:pic>
     </p:spTree>
+    <p:extLst>
+      <p:ext uri="{BB962C8B-B14F-4D97-AF65-F5344CB8AC3E}">
+        <p14:creationId xmlns:p14="http://schemas.microsoft.com/office/powerpoint/2010/main" val="352574419"/>
+      </p:ext>
+    </p:extLst>
   </p:cSld>
   <p:clrMapOvr>
     <a:masterClrMapping/>
@@ -4802,135 +5816,76 @@
       </p:grpSpPr>
       <p:sp>
         <p:nvSpPr>
-          <p:cNvPr id="3" name="内容占位符 2"/>
-          <p:cNvSpPr>
-            <a:spLocks noGrp="1"/>
-          </p:cNvSpPr>
-          <p:nvPr>
-            <p:ph idx="1"/>
-          </p:nvPr>
+          <p:cNvPr id="4" name="文本框 3">
+            <a:extLst>
+              <a:ext uri="{FF2B5EF4-FFF2-40B4-BE49-F238E27FC236}">
+                <a16:creationId xmlns:a16="http://schemas.microsoft.com/office/drawing/2014/main" id="{7D3FD370-92C7-4E66-A310-26B1332B8BD9}"/>
+              </a:ext>
+            </a:extLst>
+          </p:cNvPr>
+          <p:cNvSpPr txBox="1"/>
+          <p:nvPr/>
         </p:nvSpPr>
         <p:spPr>
           <a:xfrm>
-            <a:off x="838200" y="0"/>
-            <a:ext cx="10515600" cy="6176963"/>
+            <a:off x="2159540" y="749030"/>
+            <a:ext cx="627095" cy="369332"/>
           </a:xfrm>
+          <a:prstGeom prst="rect">
+            <a:avLst/>
+          </a:prstGeom>
+          <a:noFill/>
         </p:spPr>
         <p:txBody>
-          <a:bodyPr/>
-          <a:lstStyle/>
-          <a:p>
-            <a:r>
-              <a:rPr lang="en-US" altLang="zh-CN" dirty="0"/>
-              <a:t>Physics </a:t>
-            </a:r>
-            <a:endParaRPr lang="en-US" altLang="zh-CN" dirty="0"/>
-          </a:p>
-          <a:p>
-            <a:pPr lvl="1"/>
-            <a:r>
-              <a:rPr lang="en-US" altLang="zh-CN" dirty="0"/>
-              <a:t>Rigid body</a:t>
+          <a:bodyPr wrap="none" rtlCol="0">
+            <a:spAutoFit/>
+          </a:bodyPr>
+          <a:lstStyle/>
+          <a:p>
+            <a:r>
+              <a:rPr lang="en-US" altLang="zh-CN" dirty="0"/>
+              <a:t>Les3</a:t>
             </a:r>
             <a:endParaRPr lang="zh-CN" altLang="en-US" dirty="0"/>
           </a:p>
-          <a:p>
-            <a:pPr lvl="1"/>
-            <a:r>
-              <a:rPr lang="en-US" altLang="zh-CN" dirty="0"/>
-              <a:t>Colliders</a:t>
-            </a:r>
-            <a:endParaRPr lang="en-US" altLang="zh-CN" dirty="0"/>
-          </a:p>
-          <a:p>
-            <a:pPr lvl="1"/>
-            <a:r>
-              <a:rPr lang="en-US" altLang="zh-CN" dirty="0"/>
-              <a:t>Joints</a:t>
-            </a:r>
-            <a:endParaRPr lang="en-US" altLang="zh-CN" dirty="0"/>
-          </a:p>
-          <a:p>
-            <a:pPr lvl="1"/>
-            <a:endParaRPr lang="en-US" altLang="zh-CN" dirty="0"/>
-          </a:p>
-          <a:p>
-            <a:r>
-              <a:rPr lang="en-US" altLang="zh-CN" dirty="0"/>
-              <a:t>Net Work</a:t>
-            </a:r>
-            <a:endParaRPr lang="en-US" altLang="zh-CN" dirty="0"/>
-          </a:p>
-          <a:p>
-            <a:pPr lvl="1"/>
-            <a:r>
-              <a:rPr lang="zh-CN" altLang="en-US" dirty="0"/>
-              <a:t>网络层 </a:t>
-            </a:r>
-            <a:r>
-              <a:rPr lang="en-US" altLang="zh-CN" dirty="0"/>
-              <a:t>Unity </a:t>
-            </a:r>
-            <a:r>
-              <a:rPr lang="zh-CN" altLang="en-US" dirty="0"/>
-              <a:t>自带的网络组件需要跟</a:t>
-            </a:r>
-            <a:r>
-              <a:rPr lang="en-US" altLang="zh-CN" dirty="0"/>
-              <a:t>Unity</a:t>
-            </a:r>
-            <a:r>
-              <a:rPr lang="zh-CN" altLang="en-US" dirty="0"/>
-              <a:t>的服务器配合使用。</a:t>
-            </a:r>
-            <a:endParaRPr lang="en-US" altLang="zh-CN" dirty="0"/>
-          </a:p>
-          <a:p>
-            <a:r>
-              <a:rPr lang="en-US" altLang="zh-CN" dirty="0"/>
-              <a:t>Input</a:t>
-            </a:r>
-            <a:endParaRPr lang="en-US" altLang="zh-CN" dirty="0"/>
-          </a:p>
-          <a:p>
-            <a:r>
-              <a:rPr lang="en-US" altLang="zh-CN" dirty="0"/>
-              <a:t>Audio</a:t>
-            </a:r>
-            <a:endParaRPr lang="en-US" altLang="zh-CN" dirty="0"/>
-          </a:p>
-          <a:p>
-            <a:r>
-              <a:rPr lang="en-US" altLang="zh-CN" dirty="0"/>
-              <a:t>Animation</a:t>
-            </a:r>
-            <a:endParaRPr lang="en-US" altLang="zh-CN" dirty="0"/>
-          </a:p>
-          <a:p>
-            <a:r>
-              <a:rPr lang="en-US" altLang="zh-CN" dirty="0"/>
-              <a:t>AI </a:t>
-            </a:r>
-            <a:endParaRPr lang="en-US" altLang="zh-CN" dirty="0"/>
-          </a:p>
-          <a:p>
-            <a:pPr lvl="1"/>
-            <a:r>
-              <a:rPr lang="zh-CN" altLang="en-US" dirty="0"/>
-              <a:t>导航系统</a:t>
-            </a:r>
-            <a:endParaRPr lang="en-US" altLang="zh-CN" dirty="0"/>
-          </a:p>
-          <a:p>
-            <a:r>
-              <a:rPr lang="zh-CN" altLang="en-US" dirty="0"/>
-              <a:t>平台相关特性</a:t>
-            </a:r>
-            <a:endParaRPr lang="zh-CN" altLang="en-US" dirty="0"/>
-          </a:p>
-        </p:txBody>
-      </p:sp>
+        </p:txBody>
+      </p:sp>
+      <p:pic>
+        <p:nvPicPr>
+          <p:cNvPr id="5" name="图片 4">
+            <a:extLst>
+              <a:ext uri="{FF2B5EF4-FFF2-40B4-BE49-F238E27FC236}">
+                <a16:creationId xmlns:a16="http://schemas.microsoft.com/office/drawing/2014/main" id="{F45C4820-4483-48F8-9C93-067C3C55AF05}"/>
+              </a:ext>
+            </a:extLst>
+          </p:cNvPr>
+          <p:cNvPicPr>
+            <a:picLocks noChangeAspect="1"/>
+          </p:cNvPicPr>
+          <p:nvPr/>
+        </p:nvPicPr>
+        <p:blipFill>
+          <a:blip r:embed="rId2"/>
+          <a:stretch>
+            <a:fillRect/>
+          </a:stretch>
+        </p:blipFill>
+        <p:spPr>
+          <a:xfrm>
+            <a:off x="2933149" y="619476"/>
+            <a:ext cx="5780952" cy="5619048"/>
+          </a:xfrm>
+          <a:prstGeom prst="rect">
+            <a:avLst/>
+          </a:prstGeom>
+        </p:spPr>
+      </p:pic>
     </p:spTree>
+    <p:extLst>
+      <p:ext uri="{BB962C8B-B14F-4D97-AF65-F5344CB8AC3E}">
+        <p14:creationId xmlns:p14="http://schemas.microsoft.com/office/powerpoint/2010/main" val="3446356280"/>
+      </p:ext>
+    </p:extLst>
   </p:cSld>
   <p:clrMapOvr>
     <a:masterClrMapping/>
@@ -4955,135 +5910,132 @@
           <a:chExt cx="0" cy="0"/>
         </a:xfrm>
       </p:grpSpPr>
-      <p:sp>
-        <p:nvSpPr>
-          <p:cNvPr id="2" name="标题 1"/>
-          <p:cNvSpPr>
-            <a:spLocks noGrp="1"/>
-          </p:cNvSpPr>
-          <p:nvPr>
-            <p:ph type="title"/>
-          </p:nvPr>
-        </p:nvSpPr>
-        <p:spPr/>
-        <p:txBody>
-          <a:bodyPr/>
-          <a:lstStyle/>
-          <a:p>
-            <a:r>
-              <a:rPr lang="en-US" altLang="zh-CN" dirty="0"/>
-              <a:t>Component-</a:t>
-            </a:r>
-            <a:r>
-              <a:rPr lang="zh-CN" altLang="en-US" dirty="0"/>
-              <a:t>组件式</a:t>
-            </a:r>
-            <a:endParaRPr lang="zh-CN" altLang="en-US" dirty="0"/>
-          </a:p>
-        </p:txBody>
-      </p:sp>
-      <p:sp>
-        <p:nvSpPr>
-          <p:cNvPr id="3" name="内容占位符 2"/>
-          <p:cNvSpPr>
-            <a:spLocks noGrp="1"/>
-          </p:cNvSpPr>
-          <p:nvPr>
-            <p:ph idx="1"/>
-          </p:nvPr>
-        </p:nvSpPr>
+      <p:pic>
+        <p:nvPicPr>
+          <p:cNvPr id="5" name="图片 4">
+            <a:extLst>
+              <a:ext uri="{FF2B5EF4-FFF2-40B4-BE49-F238E27FC236}">
+                <a16:creationId xmlns:a16="http://schemas.microsoft.com/office/drawing/2014/main" id="{DFAA169A-D352-41CD-8769-A0B590D70ABF}"/>
+              </a:ext>
+            </a:extLst>
+          </p:cNvPr>
+          <p:cNvPicPr>
+            <a:picLocks noChangeAspect="1"/>
+          </p:cNvPicPr>
+          <p:nvPr/>
+        </p:nvPicPr>
+        <p:blipFill>
+          <a:blip r:embed="rId2"/>
+          <a:stretch>
+            <a:fillRect/>
+          </a:stretch>
+        </p:blipFill>
         <p:spPr>
           <a:xfrm>
-            <a:off x="838200" y="1825625"/>
-            <a:ext cx="10515600" cy="4335478"/>
-          </a:xfrm>
-        </p:spPr>
-        <p:txBody>
-          <a:bodyPr/>
-          <a:lstStyle/>
-          <a:p>
-            <a:pPr marL="0" indent="0">
-              <a:buNone/>
-            </a:pPr>
-            <a:r>
-              <a:rPr lang="zh-CN" altLang="en-US" dirty="0"/>
-              <a:t>脚本也是组件！</a:t>
-            </a:r>
-            <a:endParaRPr lang="en-US" altLang="zh-CN" dirty="0"/>
-          </a:p>
-          <a:p>
-            <a:pPr marL="0" indent="0">
-              <a:buNone/>
-            </a:pPr>
-            <a:r>
-              <a:rPr lang="zh-CN" altLang="en-US" dirty="0"/>
-              <a:t>脚本可以认为胶水。增，删，改各种</a:t>
-            </a:r>
-            <a:r>
-              <a:rPr lang="en-US" altLang="zh-CN" dirty="0"/>
-              <a:t>Unity</a:t>
-            </a:r>
-            <a:r>
-              <a:rPr lang="zh-CN" altLang="en-US" dirty="0"/>
-              <a:t>提供的组件，添加逻辑控制。</a:t>
-            </a:r>
-            <a:endParaRPr lang="en-US" altLang="zh-CN" dirty="0"/>
-          </a:p>
-          <a:p>
-            <a:pPr marL="0" indent="0">
-              <a:buNone/>
-            </a:pPr>
-            <a:r>
-              <a:rPr lang="zh-CN" altLang="en-US" dirty="0"/>
-              <a:t>我们学习的过程，也是通过目标导向。不会做，就去看</a:t>
-            </a:r>
-            <a:r>
-              <a:rPr lang="en-US" altLang="zh-CN" dirty="0"/>
-              <a:t>Unity Document</a:t>
-            </a:r>
-            <a:r>
-              <a:rPr lang="zh-CN" altLang="en-US" dirty="0"/>
-              <a:t>，看文档看</a:t>
-            </a:r>
-            <a:r>
-              <a:rPr lang="en-US" altLang="zh-CN" dirty="0"/>
-              <a:t>API</a:t>
-            </a:r>
-            <a:r>
-              <a:rPr lang="zh-CN" altLang="en-US" dirty="0"/>
-              <a:t>。通过事例慢慢上手。</a:t>
-            </a:r>
-            <a:endParaRPr lang="zh-CN" altLang="en-US" dirty="0"/>
-          </a:p>
-        </p:txBody>
-      </p:sp>
-      <p:sp>
-        <p:nvSpPr>
-          <p:cNvPr id="4" name="文本框 3"/>
-          <p:cNvSpPr txBox="1"/>
-          <p:nvPr/>
-        </p:nvSpPr>
-        <p:spPr>
-          <a:xfrm>
-            <a:off x="838201" y="3329126"/>
-            <a:ext cx="10515599" cy="369332"/>
+            <a:off x="2964753" y="-107005"/>
+            <a:ext cx="6809524" cy="3876190"/>
           </a:xfrm>
           <a:prstGeom prst="rect">
             <a:avLst/>
           </a:prstGeom>
-          <a:noFill/>
         </p:spPr>
-        <p:txBody>
-          <a:bodyPr wrap="square" rtlCol="0">
-            <a:spAutoFit/>
-          </a:bodyPr>
-          <a:lstStyle/>
-          <a:p>
-            <a:endParaRPr lang="zh-CN" altLang="en-US" dirty="0"/>
-          </a:p>
-        </p:txBody>
-      </p:sp>
+      </p:pic>
+      <p:pic>
+        <p:nvPicPr>
+          <p:cNvPr id="6" name="图片 5">
+            <a:extLst>
+              <a:ext uri="{FF2B5EF4-FFF2-40B4-BE49-F238E27FC236}">
+                <a16:creationId xmlns:a16="http://schemas.microsoft.com/office/drawing/2014/main" id="{1C79C429-7967-41EF-91A3-C4AFF75A3B94}"/>
+              </a:ext>
+            </a:extLst>
+          </p:cNvPr>
+          <p:cNvPicPr>
+            <a:picLocks noChangeAspect="1"/>
+          </p:cNvPicPr>
+          <p:nvPr/>
+        </p:nvPicPr>
+        <p:blipFill>
+          <a:blip r:embed="rId3"/>
+          <a:stretch>
+            <a:fillRect/>
+          </a:stretch>
+        </p:blipFill>
+        <p:spPr>
+          <a:xfrm>
+            <a:off x="0" y="0"/>
+            <a:ext cx="2142857" cy="2876190"/>
+          </a:xfrm>
+          <a:prstGeom prst="rect">
+            <a:avLst/>
+          </a:prstGeom>
+        </p:spPr>
+      </p:pic>
+      <p:pic>
+        <p:nvPicPr>
+          <p:cNvPr id="7" name="图片 6">
+            <a:extLst>
+              <a:ext uri="{FF2B5EF4-FFF2-40B4-BE49-F238E27FC236}">
+                <a16:creationId xmlns:a16="http://schemas.microsoft.com/office/drawing/2014/main" id="{73B0EF71-EFA5-499B-9504-D41DF1D3AF2C}"/>
+              </a:ext>
+            </a:extLst>
+          </p:cNvPr>
+          <p:cNvPicPr>
+            <a:picLocks noChangeAspect="1"/>
+          </p:cNvPicPr>
+          <p:nvPr/>
+        </p:nvPicPr>
+        <p:blipFill>
+          <a:blip r:embed="rId4"/>
+          <a:stretch>
+            <a:fillRect/>
+          </a:stretch>
+        </p:blipFill>
+        <p:spPr>
+          <a:xfrm>
+            <a:off x="10948" y="2876190"/>
+            <a:ext cx="2942857" cy="3152381"/>
+          </a:xfrm>
+          <a:prstGeom prst="rect">
+            <a:avLst/>
+          </a:prstGeom>
+        </p:spPr>
+      </p:pic>
+      <p:pic>
+        <p:nvPicPr>
+          <p:cNvPr id="8" name="图片 7">
+            <a:extLst>
+              <a:ext uri="{FF2B5EF4-FFF2-40B4-BE49-F238E27FC236}">
+                <a16:creationId xmlns:a16="http://schemas.microsoft.com/office/drawing/2014/main" id="{825EB71A-5603-4C3F-AB9F-6A0DE2366EC1}"/>
+              </a:ext>
+            </a:extLst>
+          </p:cNvPr>
+          <p:cNvPicPr>
+            <a:picLocks noChangeAspect="1"/>
+          </p:cNvPicPr>
+          <p:nvPr/>
+        </p:nvPicPr>
+        <p:blipFill>
+          <a:blip r:embed="rId5"/>
+          <a:stretch>
+            <a:fillRect/>
+          </a:stretch>
+        </p:blipFill>
+        <p:spPr>
+          <a:xfrm>
+            <a:off x="2953805" y="3591333"/>
+            <a:ext cx="6628571" cy="3266667"/>
+          </a:xfrm>
+          <a:prstGeom prst="rect">
+            <a:avLst/>
+          </a:prstGeom>
+        </p:spPr>
+      </p:pic>
     </p:spTree>
+    <p:extLst>
+      <p:ext uri="{BB962C8B-B14F-4D97-AF65-F5344CB8AC3E}">
+        <p14:creationId xmlns:p14="http://schemas.microsoft.com/office/powerpoint/2010/main" val="795658592"/>
+      </p:ext>
+    </p:extLst>
   </p:cSld>
   <p:clrMapOvr>
     <a:masterClrMapping/>
@@ -5342,6 +6294,8 @@
       </a:bgFillStyleLst>
     </a:fmtScheme>
   </a:themeElements>
+  <a:objectDefaults/>
+  <a:extraClrSchemeLst/>
   <a:extLst>
     <a:ext uri="{05A4C25C-085E-4340-85A3-A5531E510DB2}">
       <thm15:themeFamily xmlns:thm15="http://schemas.microsoft.com/office/thememl/2012/main" name="Office Theme" id="{62F939B6-93AF-4DB8-9C6B-D6C7DFDC589F}" vid="{4A3C46E8-61CC-4603-A589-7422A47A8E4A}"/>
@@ -5601,6 +6555,8 @@
       </a:bgFillStyleLst>
     </a:fmtScheme>
   </a:themeElements>
+  <a:objectDefaults/>
+  <a:extraClrSchemeLst/>
   <a:extLst>
     <a:ext uri="{05A4C25C-085E-4340-85A3-A5531E510DB2}">
       <thm15:themeFamily xmlns:thm15="http://schemas.microsoft.com/office/thememl/2012/main" name="Office Theme" id="{62F939B6-93AF-4DB8-9C6B-D6C7DFDC589F}" vid="{4A3C46E8-61CC-4603-A589-7422A47A8E4A}"/>

--- a/Document/培训PPT.pptx
+++ b/Document/培训PPT.pptx
@@ -215,7 +215,7 @@
           <a:p>
             <a:fld id="{6892A035-C05F-482E-83C6-D8D4B0E23238}" type="datetimeFigureOut">
               <a:rPr lang="zh-CN" altLang="en-US" smtClean="0"/>
-              <a:t>2019/6/17</a:t>
+              <a:t>2019/6/18</a:t>
             </a:fld>
             <a:endParaRPr lang="zh-CN" altLang="en-US"/>
           </a:p>
@@ -779,36 +779,42 @@
           <a:p>
             <a:r>
               <a:rPr lang="en-US" altLang="zh-CN" dirty="0"/>
-              <a:t>Unity</a:t>
+              <a:t>Forward</a:t>
             </a:r>
             <a:r>
               <a:rPr lang="zh-CN" altLang="en-US" dirty="0"/>
-              <a:t>所见即所得开的编辑器拖拉开发模式非常适合小型游戏或者开发初期的</a:t>
-            </a:r>
-            <a:r>
-              <a:rPr lang="en-US" altLang="zh-CN" dirty="0"/>
-              <a:t>demo</a:t>
+              <a:t>：</a:t>
+            </a:r>
+            <a:r>
+              <a:rPr lang="en-US" altLang="zh-CN" dirty="0"/>
+              <a:t>N * Camera * N * Light * 2</a:t>
+            </a:r>
+          </a:p>
+          <a:p>
+            <a:r>
+              <a:rPr lang="en-US" altLang="zh-CN" dirty="0"/>
+              <a:t>Deferred: N * Camera  * 2</a:t>
+            </a:r>
+          </a:p>
+          <a:p>
+            <a:r>
+              <a:rPr lang="en-US" altLang="zh-CN" dirty="0"/>
+              <a:t>Dynamic Batching:</a:t>
             </a:r>
             <a:r>
               <a:rPr lang="zh-CN" altLang="en-US" dirty="0"/>
-              <a:t>制作。</a:t>
-            </a:r>
-            <a:r>
-              <a:rPr lang="en-US" altLang="zh-CN" dirty="0"/>
-              <a:t>Unity</a:t>
-            </a:r>
-            <a:r>
-              <a:rPr lang="zh-CN" altLang="en-US" dirty="0"/>
-              <a:t>的目标也是说开发一个不需要编码就能做游戏的引擎。不过现阶段是对于稍微复杂的业务需求，单独的拖拖拉拉是不能现实的。即使有了</a:t>
-            </a:r>
-            <a:r>
-              <a:rPr lang="en-US" altLang="zh-CN" dirty="0" err="1"/>
-              <a:t>PlayerMaker</a:t>
-            </a:r>
-            <a:r>
-              <a:rPr lang="zh-CN" altLang="en-US" dirty="0"/>
-              <a:t>这样第三方插件。还是有很多功能无法实现的。</a:t>
-            </a:r>
+              <a:t> 低消耗的渲染提交，高消耗的渲染改变</a:t>
+            </a:r>
+            <a:endParaRPr lang="en-US" altLang="zh-CN" dirty="0"/>
+          </a:p>
+          <a:p>
+            <a:endParaRPr lang="en-US" altLang="zh-CN" dirty="0"/>
+          </a:p>
+          <a:p>
+            <a:endParaRPr lang="en-US" altLang="zh-CN" dirty="0"/>
+          </a:p>
+          <a:p>
+            <a:endParaRPr lang="zh-CN" altLang="en-US" dirty="0"/>
           </a:p>
         </p:txBody>
       </p:sp>
@@ -829,13 +835,18 @@
           <a:p>
             <a:fld id="{6EFF56B4-AA9B-4CAD-A1CC-F368E2291C09}" type="slidenum">
               <a:rPr lang="zh-CN" altLang="en-US" smtClean="0"/>
-              <a:t>16</a:t>
+              <a:t>12</a:t>
             </a:fld>
             <a:endParaRPr lang="zh-CN" altLang="en-US"/>
           </a:p>
         </p:txBody>
       </p:sp>
     </p:spTree>
+    <p:extLst>
+      <p:ext uri="{BB962C8B-B14F-4D97-AF65-F5344CB8AC3E}">
+        <p14:creationId xmlns:p14="http://schemas.microsoft.com/office/powerpoint/2010/main" val="598330863"/>
+      </p:ext>
+    </p:extLst>
   </p:cSld>
   <p:clrMapOvr>
     <a:masterClrMapping/>
@@ -887,7 +898,38 @@
           <a:bodyPr/>
           <a:lstStyle/>
           <a:p>
-            <a:endParaRPr lang="zh-CN" altLang="en-US" dirty="0"/>
+            <a:r>
+              <a:rPr lang="en-US" altLang="zh-CN" dirty="0"/>
+              <a:t>Unity</a:t>
+            </a:r>
+            <a:r>
+              <a:rPr lang="zh-CN" altLang="en-US" dirty="0"/>
+              <a:t>所见即所得开的编辑器拖拉开发模式非常适合小型游戏或者开发初期的</a:t>
+            </a:r>
+            <a:r>
+              <a:rPr lang="en-US" altLang="zh-CN" dirty="0"/>
+              <a:t>demo</a:t>
+            </a:r>
+            <a:r>
+              <a:rPr lang="zh-CN" altLang="en-US" dirty="0"/>
+              <a:t>制作。</a:t>
+            </a:r>
+            <a:r>
+              <a:rPr lang="en-US" altLang="zh-CN" dirty="0"/>
+              <a:t>Unity</a:t>
+            </a:r>
+            <a:r>
+              <a:rPr lang="zh-CN" altLang="en-US" dirty="0"/>
+              <a:t>的目标也是说开发一个不需要编码就能做游戏的引擎。不过现阶段是对于稍微复杂的业务需求，单独的拖拖拉拉是不能现实的。即使有了</a:t>
+            </a:r>
+            <a:r>
+              <a:rPr lang="en-US" altLang="zh-CN" dirty="0" err="1"/>
+              <a:t>PlayerMaker</a:t>
+            </a:r>
+            <a:r>
+              <a:rPr lang="zh-CN" altLang="en-US" dirty="0"/>
+              <a:t>这样第三方插件。还是有很多功能无法实现的。</a:t>
+            </a:r>
           </a:p>
         </p:txBody>
       </p:sp>
@@ -908,7 +950,7 @@
           <a:p>
             <a:fld id="{6EFF56B4-AA9B-4CAD-A1CC-F368E2291C09}" type="slidenum">
               <a:rPr lang="zh-CN" altLang="en-US" smtClean="0"/>
-              <a:t>17</a:t>
+              <a:t>16</a:t>
             </a:fld>
             <a:endParaRPr lang="zh-CN" altLang="en-US"/>
           </a:p>
@@ -987,7 +1029,7 @@
           <a:p>
             <a:fld id="{6EFF56B4-AA9B-4CAD-A1CC-F368E2291C09}" type="slidenum">
               <a:rPr lang="zh-CN" altLang="en-US" smtClean="0"/>
-              <a:t>18</a:t>
+              <a:t>17</a:t>
             </a:fld>
             <a:endParaRPr lang="zh-CN" altLang="en-US"/>
           </a:p>
@@ -1066,6 +1108,85 @@
           <a:p>
             <a:fld id="{6EFF56B4-AA9B-4CAD-A1CC-F368E2291C09}" type="slidenum">
               <a:rPr lang="zh-CN" altLang="en-US" smtClean="0"/>
+              <a:t>18</a:t>
+            </a:fld>
+            <a:endParaRPr lang="zh-CN" altLang="en-US"/>
+          </a:p>
+        </p:txBody>
+      </p:sp>
+    </p:spTree>
+  </p:cSld>
+  <p:clrMapOvr>
+    <a:masterClrMapping/>
+  </p:clrMapOvr>
+</p:notes>
+</file>
+
+<file path=ppt/notesSlides/notesSlide8.xml><?xml version="1.0" encoding="utf-8"?>
+<p:notes xmlns:a="http://schemas.openxmlformats.org/drawingml/2006/main" xmlns:r="http://schemas.openxmlformats.org/officeDocument/2006/relationships" xmlns:p="http://schemas.openxmlformats.org/presentationml/2006/main">
+  <p:cSld>
+    <p:spTree>
+      <p:nvGrpSpPr>
+        <p:cNvPr id="1" name=""/>
+        <p:cNvGrpSpPr/>
+        <p:nvPr/>
+      </p:nvGrpSpPr>
+      <p:grpSpPr>
+        <a:xfrm>
+          <a:off x="0" y="0"/>
+          <a:ext cx="0" cy="0"/>
+          <a:chOff x="0" y="0"/>
+          <a:chExt cx="0" cy="0"/>
+        </a:xfrm>
+      </p:grpSpPr>
+      <p:sp>
+        <p:nvSpPr>
+          <p:cNvPr id="2" name="幻灯片图像占位符 1"/>
+          <p:cNvSpPr>
+            <a:spLocks noGrp="1" noRot="1" noChangeAspect="1"/>
+          </p:cNvSpPr>
+          <p:nvPr>
+            <p:ph type="sldImg"/>
+          </p:nvPr>
+        </p:nvSpPr>
+        <p:spPr/>
+      </p:sp>
+      <p:sp>
+        <p:nvSpPr>
+          <p:cNvPr id="3" name="备注占位符 2"/>
+          <p:cNvSpPr>
+            <a:spLocks noGrp="1"/>
+          </p:cNvSpPr>
+          <p:nvPr>
+            <p:ph type="body" idx="1"/>
+          </p:nvPr>
+        </p:nvSpPr>
+        <p:spPr/>
+        <p:txBody>
+          <a:bodyPr/>
+          <a:lstStyle/>
+          <a:p>
+            <a:endParaRPr lang="zh-CN" altLang="en-US" dirty="0"/>
+          </a:p>
+        </p:txBody>
+      </p:sp>
+      <p:sp>
+        <p:nvSpPr>
+          <p:cNvPr id="4" name="灯片编号占位符 3"/>
+          <p:cNvSpPr>
+            <a:spLocks noGrp="1"/>
+          </p:cNvSpPr>
+          <p:nvPr>
+            <p:ph type="sldNum" sz="quarter" idx="5"/>
+          </p:nvPr>
+        </p:nvSpPr>
+        <p:spPr/>
+        <p:txBody>
+          <a:bodyPr/>
+          <a:lstStyle/>
+          <a:p>
+            <a:fld id="{6EFF56B4-AA9B-4CAD-A1CC-F368E2291C09}" type="slidenum">
+              <a:rPr lang="zh-CN" altLang="en-US" smtClean="0"/>
               <a:t>19</a:t>
             </a:fld>
             <a:endParaRPr lang="zh-CN" altLang="en-US"/>
@@ -1209,7 +1330,7 @@
           <a:p>
             <a:fld id="{299BC13E-C5C7-4C89-AEA2-3466C529D53D}" type="datetimeFigureOut">
               <a:rPr lang="zh-CN" altLang="en-US" smtClean="0"/>
-              <a:t>2019/6/17</a:t>
+              <a:t>2019/6/18</a:t>
             </a:fld>
             <a:endParaRPr lang="zh-CN" altLang="en-US"/>
           </a:p>
@@ -1372,7 +1493,7 @@
           <a:p>
             <a:fld id="{299BC13E-C5C7-4C89-AEA2-3466C529D53D}" type="datetimeFigureOut">
               <a:rPr lang="zh-CN" altLang="en-US" smtClean="0"/>
-              <a:t>2019/6/17</a:t>
+              <a:t>2019/6/18</a:t>
             </a:fld>
             <a:endParaRPr lang="zh-CN" altLang="en-US"/>
           </a:p>
@@ -1545,7 +1666,7 @@
           <a:p>
             <a:fld id="{299BC13E-C5C7-4C89-AEA2-3466C529D53D}" type="datetimeFigureOut">
               <a:rPr lang="zh-CN" altLang="en-US" smtClean="0"/>
-              <a:t>2019/6/17</a:t>
+              <a:t>2019/6/18</a:t>
             </a:fld>
             <a:endParaRPr lang="zh-CN" altLang="en-US"/>
           </a:p>
@@ -1708,7 +1829,7 @@
           <a:p>
             <a:fld id="{299BC13E-C5C7-4C89-AEA2-3466C529D53D}" type="datetimeFigureOut">
               <a:rPr lang="zh-CN" altLang="en-US" smtClean="0"/>
-              <a:t>2019/6/17</a:t>
+              <a:t>2019/6/18</a:t>
             </a:fld>
             <a:endParaRPr lang="zh-CN" altLang="en-US"/>
           </a:p>
@@ -1948,7 +2069,7 @@
           <a:p>
             <a:fld id="{299BC13E-C5C7-4C89-AEA2-3466C529D53D}" type="datetimeFigureOut">
               <a:rPr lang="zh-CN" altLang="en-US" smtClean="0"/>
-              <a:t>2019/6/17</a:t>
+              <a:t>2019/6/18</a:t>
             </a:fld>
             <a:endParaRPr lang="zh-CN" altLang="en-US"/>
           </a:p>
@@ -2172,7 +2293,7 @@
           <a:p>
             <a:fld id="{299BC13E-C5C7-4C89-AEA2-3466C529D53D}" type="datetimeFigureOut">
               <a:rPr lang="zh-CN" altLang="en-US" smtClean="0"/>
-              <a:t>2019/6/17</a:t>
+              <a:t>2019/6/18</a:t>
             </a:fld>
             <a:endParaRPr lang="zh-CN" altLang="en-US"/>
           </a:p>
@@ -2531,7 +2652,7 @@
           <a:p>
             <a:fld id="{299BC13E-C5C7-4C89-AEA2-3466C529D53D}" type="datetimeFigureOut">
               <a:rPr lang="zh-CN" altLang="en-US" smtClean="0"/>
-              <a:t>2019/6/17</a:t>
+              <a:t>2019/6/18</a:t>
             </a:fld>
             <a:endParaRPr lang="zh-CN" altLang="en-US"/>
           </a:p>
@@ -2643,7 +2764,7 @@
           <a:p>
             <a:fld id="{299BC13E-C5C7-4C89-AEA2-3466C529D53D}" type="datetimeFigureOut">
               <a:rPr lang="zh-CN" altLang="en-US" smtClean="0"/>
-              <a:t>2019/6/17</a:t>
+              <a:t>2019/6/18</a:t>
             </a:fld>
             <a:endParaRPr lang="zh-CN" altLang="en-US"/>
           </a:p>
@@ -2733,7 +2854,7 @@
           <a:p>
             <a:fld id="{299BC13E-C5C7-4C89-AEA2-3466C529D53D}" type="datetimeFigureOut">
               <a:rPr lang="zh-CN" altLang="en-US" smtClean="0"/>
-              <a:t>2019/6/17</a:t>
+              <a:t>2019/6/18</a:t>
             </a:fld>
             <a:endParaRPr lang="zh-CN" altLang="en-US"/>
           </a:p>
@@ -3003,7 +3124,7 @@
           <a:p>
             <a:fld id="{299BC13E-C5C7-4C89-AEA2-3466C529D53D}" type="datetimeFigureOut">
               <a:rPr lang="zh-CN" altLang="en-US" smtClean="0"/>
-              <a:t>2019/6/17</a:t>
+              <a:t>2019/6/18</a:t>
             </a:fld>
             <a:endParaRPr lang="zh-CN" altLang="en-US"/>
           </a:p>
@@ -3250,7 +3371,7 @@
           <a:p>
             <a:fld id="{299BC13E-C5C7-4C89-AEA2-3466C529D53D}" type="datetimeFigureOut">
               <a:rPr lang="zh-CN" altLang="en-US" smtClean="0"/>
-              <a:t>2019/6/17</a:t>
+              <a:t>2019/6/18</a:t>
             </a:fld>
             <a:endParaRPr lang="zh-CN" altLang="en-US"/>
           </a:p>
@@ -3456,7 +3577,7 @@
           <a:p>
             <a:fld id="{299BC13E-C5C7-4C89-AEA2-3466C529D53D}" type="datetimeFigureOut">
               <a:rPr lang="zh-CN" altLang="en-US" smtClean="0"/>
-              <a:t>2019/6/17</a:t>
+              <a:t>2019/6/18</a:t>
             </a:fld>
             <a:endParaRPr lang="zh-CN" altLang="en-US"/>
           </a:p>
@@ -4110,15 +4231,15 @@
           <p:nvPr/>
         </p:nvPicPr>
         <p:blipFill>
-          <a:blip r:embed="rId2"/>
+          <a:blip r:embed="rId3"/>
           <a:stretch>
             <a:fillRect/>
           </a:stretch>
         </p:blipFill>
         <p:spPr>
           <a:xfrm>
-            <a:off x="3395355" y="573772"/>
-            <a:ext cx="8066667" cy="3076190"/>
+            <a:off x="3395354" y="573771"/>
+            <a:ext cx="8443821" cy="3220016"/>
           </a:xfrm>
           <a:prstGeom prst="rect">
             <a:avLst/>
@@ -4140,7 +4261,7 @@
         <p:spPr>
           <a:xfrm>
             <a:off x="564204" y="389106"/>
-            <a:ext cx="1903085" cy="369332"/>
+            <a:ext cx="2996119" cy="3693319"/>
           </a:xfrm>
           <a:prstGeom prst="rect">
             <a:avLst/>
@@ -4148,7 +4269,7 @@
           <a:noFill/>
         </p:spPr>
         <p:txBody>
-          <a:bodyPr wrap="none" rtlCol="0">
+          <a:bodyPr wrap="square" rtlCol="0">
             <a:spAutoFit/>
           </a:bodyPr>
           <a:lstStyle/>
@@ -4161,16 +4282,78 @@
               <a:rPr lang="en-US" altLang="zh-CN" dirty="0" err="1"/>
               <a:t>CullMask</a:t>
             </a:r>
+            <a:endParaRPr lang="en-US" altLang="zh-CN" dirty="0"/>
+          </a:p>
+          <a:p>
+            <a:r>
+              <a:rPr lang="en-US" altLang="zh-CN" dirty="0"/>
+              <a:t>  View Frustum Cull</a:t>
+            </a:r>
+          </a:p>
+          <a:p>
+            <a:endParaRPr lang="en-US" altLang="zh-CN" dirty="0"/>
+          </a:p>
+          <a:p>
+            <a:r>
+              <a:rPr lang="en-US" altLang="zh-CN" dirty="0"/>
+              <a:t>Lighting Cull</a:t>
+            </a:r>
+          </a:p>
+          <a:p>
+            <a:endParaRPr lang="en-US" altLang="zh-CN" dirty="0"/>
+          </a:p>
+          <a:p>
+            <a:r>
+              <a:rPr lang="en-US" altLang="zh-CN" dirty="0"/>
+              <a:t>Opaque or Transparent</a:t>
+            </a:r>
+          </a:p>
+          <a:p>
+            <a:endParaRPr lang="en-US" altLang="zh-CN" dirty="0"/>
+          </a:p>
+          <a:p>
+            <a:r>
+              <a:rPr lang="en-US" altLang="zh-CN" dirty="0"/>
+              <a:t>Materia: Set Render State</a:t>
+            </a:r>
+          </a:p>
+          <a:p>
+            <a:pPr marL="285750" indent="-285750">
+              <a:buFont typeface="Arial" panose="020B0604020202020204" pitchFamily="34" charset="0"/>
+              <a:buChar char="•"/>
+            </a:pPr>
+            <a:r>
+              <a:rPr lang="en-US" altLang="zh-CN" dirty="0"/>
+              <a:t>  Static Batching</a:t>
+            </a:r>
+          </a:p>
+          <a:p>
+            <a:pPr marL="285750" indent="-285750">
+              <a:buFont typeface="Arial" panose="020B0604020202020204" pitchFamily="34" charset="0"/>
+              <a:buChar char="•"/>
+            </a:pPr>
+            <a:r>
+              <a:rPr lang="en-US" altLang="zh-CN" dirty="0"/>
+              <a:t>  Dynamic Batching</a:t>
+            </a:r>
+          </a:p>
+          <a:p>
             <a:endParaRPr lang="zh-CN" altLang="en-US" dirty="0"/>
           </a:p>
-        </p:txBody>
-      </p:sp>
-      <p:sp>
-        <p:nvSpPr>
-          <p:cNvPr id="6" name="文本框 5">
+          <a:p>
+            <a:endParaRPr lang="zh-CN" altLang="en-US" dirty="0"/>
+          </a:p>
+          <a:p>
+            <a:endParaRPr lang="zh-CN" altLang="en-US" dirty="0"/>
+          </a:p>
+        </p:txBody>
+      </p:sp>
+      <p:sp>
+        <p:nvSpPr>
+          <p:cNvPr id="3" name="文本框 2">
             <a:extLst>
               <a:ext uri="{FF2B5EF4-FFF2-40B4-BE49-F238E27FC236}">
-                <a16:creationId xmlns:a16="http://schemas.microsoft.com/office/drawing/2014/main" id="{2A90B51E-20CB-44E3-AC84-7BD052E3279F}"/>
+                <a16:creationId xmlns:a16="http://schemas.microsoft.com/office/drawing/2014/main" id="{374AA291-2860-4492-9936-90922B161BEA}"/>
               </a:ext>
             </a:extLst>
           </p:cNvPr>
@@ -4179,8 +4362,8 @@
         </p:nvSpPr>
         <p:spPr>
           <a:xfrm>
-            <a:off x="564204" y="1566153"/>
-            <a:ext cx="1941557" cy="369332"/>
+            <a:off x="4124527" y="1313234"/>
+            <a:ext cx="893193" cy="369332"/>
           </a:xfrm>
           <a:prstGeom prst="rect">
             <a:avLst/>
@@ -4195,11 +4378,7 @@
           <a:p>
             <a:r>
               <a:rPr lang="en-US" altLang="zh-CN" dirty="0"/>
-              <a:t>Lighting </a:t>
-            </a:r>
-            <a:r>
-              <a:rPr lang="en-US" altLang="zh-CN" dirty="0" err="1"/>
-              <a:t>CullMask</a:t>
+              <a:t>Render</a:t>
             </a:r>
             <a:endParaRPr lang="zh-CN" altLang="en-US" dirty="0"/>
           </a:p>
@@ -4207,10 +4386,10 @@
       </p:sp>
       <p:sp>
         <p:nvSpPr>
-          <p:cNvPr id="7" name="文本框 6">
+          <p:cNvPr id="8" name="文本框 7">
             <a:extLst>
               <a:ext uri="{FF2B5EF4-FFF2-40B4-BE49-F238E27FC236}">
-                <a16:creationId xmlns:a16="http://schemas.microsoft.com/office/drawing/2014/main" id="{B8B18E99-5F5C-484C-A0F6-136DD3B969F4}"/>
+                <a16:creationId xmlns:a16="http://schemas.microsoft.com/office/drawing/2014/main" id="{99E50581-807B-4A70-8955-7C5630E7790F}"/>
               </a:ext>
             </a:extLst>
           </p:cNvPr>
@@ -4219,8 +4398,8 @@
         </p:nvSpPr>
         <p:spPr>
           <a:xfrm>
-            <a:off x="564204" y="2621763"/>
-            <a:ext cx="2504212" cy="369332"/>
+            <a:off x="5202807" y="1313234"/>
+            <a:ext cx="893193" cy="369332"/>
           </a:xfrm>
           <a:prstGeom prst="rect">
             <a:avLst/>
@@ -4234,9 +4413,87 @@
           <a:lstStyle/>
           <a:p>
             <a:r>
-              <a:rPr lang="en-US" altLang="zh-CN" dirty="0"/>
-              <a:t>Opaque or Transparent</a:t>
-            </a:r>
+              <a:rPr lang="en-US" altLang="zh-CN"/>
+              <a:t>Render</a:t>
+            </a:r>
+            <a:endParaRPr lang="zh-CN" altLang="en-US" dirty="0"/>
+          </a:p>
+        </p:txBody>
+      </p:sp>
+      <p:sp>
+        <p:nvSpPr>
+          <p:cNvPr id="9" name="文本框 8">
+            <a:extLst>
+              <a:ext uri="{FF2B5EF4-FFF2-40B4-BE49-F238E27FC236}">
+                <a16:creationId xmlns:a16="http://schemas.microsoft.com/office/drawing/2014/main" id="{EAFD0515-1F4C-48D8-9008-D1445C8E4E3A}"/>
+              </a:ext>
+            </a:extLst>
+          </p:cNvPr>
+          <p:cNvSpPr txBox="1"/>
+          <p:nvPr/>
+        </p:nvSpPr>
+        <p:spPr>
+          <a:xfrm>
+            <a:off x="6281087" y="1313234"/>
+            <a:ext cx="1041808" cy="646331"/>
+          </a:xfrm>
+          <a:prstGeom prst="rect">
+            <a:avLst/>
+          </a:prstGeom>
+          <a:noFill/>
+        </p:spPr>
+        <p:txBody>
+          <a:bodyPr wrap="square" rtlCol="0">
+            <a:spAutoFit/>
+          </a:bodyPr>
+          <a:lstStyle/>
+          <a:p>
+            <a:r>
+              <a:rPr lang="en-US" altLang="zh-CN" dirty="0"/>
+              <a:t>Render</a:t>
+            </a:r>
+            <a:endParaRPr lang="zh-CN" altLang="en-US" dirty="0"/>
+          </a:p>
+          <a:p>
+            <a:endParaRPr lang="zh-CN" altLang="en-US" dirty="0"/>
+          </a:p>
+        </p:txBody>
+      </p:sp>
+      <p:sp>
+        <p:nvSpPr>
+          <p:cNvPr id="10" name="文本框 9">
+            <a:extLst>
+              <a:ext uri="{FF2B5EF4-FFF2-40B4-BE49-F238E27FC236}">
+                <a16:creationId xmlns:a16="http://schemas.microsoft.com/office/drawing/2014/main" id="{E08A83FE-A277-493F-8408-9540D6C6CF22}"/>
+              </a:ext>
+            </a:extLst>
+          </p:cNvPr>
+          <p:cNvSpPr txBox="1"/>
+          <p:nvPr/>
+        </p:nvSpPr>
+        <p:spPr>
+          <a:xfrm>
+            <a:off x="7428688" y="1313234"/>
+            <a:ext cx="893193" cy="646331"/>
+          </a:xfrm>
+          <a:prstGeom prst="rect">
+            <a:avLst/>
+          </a:prstGeom>
+          <a:noFill/>
+        </p:spPr>
+        <p:txBody>
+          <a:bodyPr wrap="none" rtlCol="0">
+            <a:spAutoFit/>
+          </a:bodyPr>
+          <a:lstStyle/>
+          <a:p>
+            <a:r>
+              <a:rPr lang="en-US" altLang="zh-CN" dirty="0"/>
+              <a:t>Render</a:t>
+            </a:r>
+            <a:endParaRPr lang="zh-CN" altLang="en-US" dirty="0"/>
+          </a:p>
+          <a:p>
             <a:endParaRPr lang="zh-CN" altLang="en-US" dirty="0"/>
           </a:p>
         </p:txBody>
